--- a/Project/Econometrics.pptx
+++ b/Project/Econometrics.pptx
@@ -12,10 +12,19 @@
     <p:sldId id="262" r:id="rId6"/>
     <p:sldId id="263" r:id="rId7"/>
     <p:sldId id="264" r:id="rId8"/>
-    <p:sldId id="265" r:id="rId9"/>
-    <p:sldId id="266" r:id="rId10"/>
-    <p:sldId id="268" r:id="rId11"/>
-    <p:sldId id="267" r:id="rId12"/>
+    <p:sldId id="277" r:id="rId9"/>
+    <p:sldId id="275" r:id="rId10"/>
+    <p:sldId id="265" r:id="rId11"/>
+    <p:sldId id="266" r:id="rId12"/>
+    <p:sldId id="268" r:id="rId13"/>
+    <p:sldId id="267" r:id="rId14"/>
+    <p:sldId id="271" r:id="rId15"/>
+    <p:sldId id="276" r:id="rId16"/>
+    <p:sldId id="269" r:id="rId17"/>
+    <p:sldId id="270" r:id="rId18"/>
+    <p:sldId id="272" r:id="rId19"/>
+    <p:sldId id="273" r:id="rId20"/>
+    <p:sldId id="274" r:id="rId21"/>
   </p:sldIdLst>
   <p:sldSz cx="12192000" cy="6858000"/>
   <p:notesSz cx="6858000" cy="9144000"/>
@@ -3466,8 +3475,8 @@
         </p:nvSpPr>
         <p:spPr>
           <a:xfrm>
-            <a:off x="1544715" y="1065320"/>
-            <a:ext cx="5513033" cy="1754326"/>
+            <a:off x="1079404" y="1126875"/>
+            <a:ext cx="7637481" cy="1631216"/>
           </a:xfrm>
           <a:prstGeom prst="rect">
             <a:avLst/>
@@ -3481,10 +3490,10 @@
           <a:lstStyle/>
           <a:p>
             <a:r>
-              <a:rPr lang="en-IN" sz="5400" dirty="0">
+              <a:rPr lang="en-IN" sz="5000" dirty="0">
                 <a:latin typeface="Georgia" panose="02040502050405020303" pitchFamily="18" charset="0"/>
               </a:rPr>
-              <a:t>Coffee Preference Prediction</a:t>
+              <a:t>Coffee Taste Preference Prediction</a:t>
             </a:r>
           </a:p>
         </p:txBody>
@@ -3504,7 +3513,7 @@
         <p:spPr>
           <a:xfrm>
             <a:off x="1153160" y="4389120"/>
-            <a:ext cx="5283200" cy="1938992"/>
+            <a:ext cx="5283200" cy="2308324"/>
           </a:xfrm>
           <a:prstGeom prst="rect">
             <a:avLst/>
@@ -3675,6 +3684,25 @@
                 <a:ea typeface="Cambria Math" panose="02040503050406030204" pitchFamily="18" charset="0"/>
               </a:rPr>
               <a:t> [B2230038]</a:t>
+            </a:r>
+          </a:p>
+          <a:p>
+            <a:r>
+              <a:rPr lang="en-IN" sz="2400" dirty="0">
+                <a:solidFill>
+                  <a:srgbClr val="FFFF00"/>
+                </a:solidFill>
+                <a:effectLst>
+                  <a:outerShdw blurRad="38100" dist="38100" dir="2700000" algn="tl">
+                    <a:srgbClr val="000000">
+                      <a:alpha val="43137"/>
+                    </a:srgbClr>
+                  </a:outerShdw>
+                </a:effectLst>
+                <a:latin typeface="Cambria Math" panose="02040503050406030204" pitchFamily="18" charset="0"/>
+                <a:ea typeface="Cambria Math" panose="02040503050406030204" pitchFamily="18" charset="0"/>
+              </a:rPr>
+              <a:t>RKMVERI BDA 2022 – ‘24</a:t>
             </a:r>
           </a:p>
         </p:txBody>
@@ -3774,6 +3802,52 @@
           </a:p>
         </p:txBody>
       </p:sp>
+      <p:pic>
+        <p:nvPicPr>
+          <p:cNvPr id="3" name="Picture 2">
+            <a:extLst>
+              <a:ext uri="{FF2B5EF4-FFF2-40B4-BE49-F238E27FC236}">
+                <a16:creationId xmlns:a16="http://schemas.microsoft.com/office/drawing/2014/main" id="{5D3D2DF1-212B-4EEF-91A1-50701717458F}"/>
+              </a:ext>
+            </a:extLst>
+          </p:cNvPr>
+          <p:cNvPicPr>
+            <a:picLocks noChangeAspect="1"/>
+          </p:cNvPicPr>
+          <p:nvPr/>
+        </p:nvPicPr>
+        <p:blipFill>
+          <a:blip r:embed="rId4">
+            <a:clrChange>
+              <a:clrFrom>
+                <a:srgbClr val="FFFFFF"/>
+              </a:clrFrom>
+              <a:clrTo>
+                <a:srgbClr val="FFFFFF">
+                  <a:alpha val="0"/>
+                </a:srgbClr>
+              </a:clrTo>
+            </a:clrChange>
+            <a:extLst>
+              <a:ext uri="{28A0092B-C50C-407E-A947-70E740481C1C}">
+                <a14:useLocalDpi xmlns:a14="http://schemas.microsoft.com/office/drawing/2010/main" val="0"/>
+              </a:ext>
+            </a:extLst>
+          </a:blip>
+          <a:stretch>
+            <a:fillRect/>
+          </a:stretch>
+        </p:blipFill>
+        <p:spPr>
+          <a:xfrm>
+            <a:off x="10468416" y="256437"/>
+            <a:ext cx="1384060" cy="1526687"/>
+          </a:xfrm>
+          <a:prstGeom prst="rect">
+            <a:avLst/>
+          </a:prstGeom>
+        </p:spPr>
+      </p:pic>
     </p:spTree>
     <p:extLst>
       <p:ext uri="{BB962C8B-B14F-4D97-AF65-F5344CB8AC3E}">
@@ -3788,6 +3862,174 @@
 </file>
 
 <file path=ppt/slides/slide10.xml><?xml version="1.0" encoding="utf-8"?>
+<p:sld xmlns:a="http://schemas.openxmlformats.org/drawingml/2006/main" xmlns:r="http://schemas.openxmlformats.org/officeDocument/2006/relationships" xmlns:p="http://schemas.openxmlformats.org/presentationml/2006/main">
+  <p:cSld>
+    <p:bg>
+      <p:bgPr>
+        <a:solidFill>
+          <a:srgbClr val="E0D8C3"/>
+        </a:solidFill>
+        <a:effectLst/>
+      </p:bgPr>
+    </p:bg>
+    <p:spTree>
+      <p:nvGrpSpPr>
+        <p:cNvPr id="1" name=""/>
+        <p:cNvGrpSpPr/>
+        <p:nvPr/>
+      </p:nvGrpSpPr>
+      <p:grpSpPr>
+        <a:xfrm>
+          <a:off x="0" y="0"/>
+          <a:ext cx="0" cy="0"/>
+          <a:chOff x="0" y="0"/>
+          <a:chExt cx="0" cy="0"/>
+        </a:xfrm>
+      </p:grpSpPr>
+      <p:pic>
+        <p:nvPicPr>
+          <p:cNvPr id="4" name="Picture 3">
+            <a:extLst>
+              <a:ext uri="{FF2B5EF4-FFF2-40B4-BE49-F238E27FC236}">
+                <a16:creationId xmlns:a16="http://schemas.microsoft.com/office/drawing/2014/main" id="{BE7BCC61-2B2E-4970-8AC9-C26345277A15}"/>
+              </a:ext>
+            </a:extLst>
+          </p:cNvPr>
+          <p:cNvPicPr>
+            <a:picLocks noChangeAspect="1"/>
+          </p:cNvPicPr>
+          <p:nvPr/>
+        </p:nvPicPr>
+        <p:blipFill>
+          <a:blip r:embed="rId2">
+            <a:clrChange>
+              <a:clrFrom>
+                <a:srgbClr val="FFFFFF"/>
+              </a:clrFrom>
+              <a:clrTo>
+                <a:srgbClr val="FFFFFF">
+                  <a:alpha val="0"/>
+                </a:srgbClr>
+              </a:clrTo>
+            </a:clrChange>
+            <a:extLst>
+              <a:ext uri="{28A0092B-C50C-407E-A947-70E740481C1C}">
+                <a14:useLocalDpi xmlns:a14="http://schemas.microsoft.com/office/drawing/2010/main" val="0"/>
+              </a:ext>
+            </a:extLst>
+          </a:blip>
+          <a:stretch>
+            <a:fillRect/>
+          </a:stretch>
+        </p:blipFill>
+        <p:spPr>
+          <a:xfrm>
+            <a:off x="1064057" y="319382"/>
+            <a:ext cx="10087035" cy="6242386"/>
+          </a:xfrm>
+          <a:prstGeom prst="rect">
+            <a:avLst/>
+          </a:prstGeom>
+        </p:spPr>
+      </p:pic>
+    </p:spTree>
+    <p:extLst>
+      <p:ext uri="{BB962C8B-B14F-4D97-AF65-F5344CB8AC3E}">
+        <p14:creationId xmlns:p14="http://schemas.microsoft.com/office/powerpoint/2010/main" val="2300917910"/>
+      </p:ext>
+    </p:extLst>
+  </p:cSld>
+  <p:clrMapOvr>
+    <a:masterClrMapping/>
+  </p:clrMapOvr>
+</p:sld>
+</file>
+
+<file path=ppt/slides/slide11.xml><?xml version="1.0" encoding="utf-8"?>
+<p:sld xmlns:a="http://schemas.openxmlformats.org/drawingml/2006/main" xmlns:r="http://schemas.openxmlformats.org/officeDocument/2006/relationships" xmlns:p="http://schemas.openxmlformats.org/presentationml/2006/main">
+  <p:cSld>
+    <p:bg>
+      <p:bgPr>
+        <a:solidFill>
+          <a:srgbClr val="E0D8C3"/>
+        </a:solidFill>
+        <a:effectLst/>
+      </p:bgPr>
+    </p:bg>
+    <p:spTree>
+      <p:nvGrpSpPr>
+        <p:cNvPr id="1" name=""/>
+        <p:cNvGrpSpPr/>
+        <p:nvPr/>
+      </p:nvGrpSpPr>
+      <p:grpSpPr>
+        <a:xfrm>
+          <a:off x="0" y="0"/>
+          <a:ext cx="0" cy="0"/>
+          <a:chOff x="0" y="0"/>
+          <a:chExt cx="0" cy="0"/>
+        </a:xfrm>
+      </p:grpSpPr>
+      <p:pic>
+        <p:nvPicPr>
+          <p:cNvPr id="3" name="Picture 2">
+            <a:extLst>
+              <a:ext uri="{FF2B5EF4-FFF2-40B4-BE49-F238E27FC236}">
+                <a16:creationId xmlns:a16="http://schemas.microsoft.com/office/drawing/2014/main" id="{59AE7A90-9E4F-4555-AD45-3E4414735CD3}"/>
+              </a:ext>
+            </a:extLst>
+          </p:cNvPr>
+          <p:cNvPicPr>
+            <a:picLocks noChangeAspect="1"/>
+          </p:cNvPicPr>
+          <p:nvPr/>
+        </p:nvPicPr>
+        <p:blipFill>
+          <a:blip r:embed="rId2">
+            <a:clrChange>
+              <a:clrFrom>
+                <a:srgbClr val="FFFFFF"/>
+              </a:clrFrom>
+              <a:clrTo>
+                <a:srgbClr val="FFFFFF">
+                  <a:alpha val="0"/>
+                </a:srgbClr>
+              </a:clrTo>
+            </a:clrChange>
+            <a:extLst>
+              <a:ext uri="{28A0092B-C50C-407E-A947-70E740481C1C}">
+                <a14:useLocalDpi xmlns:a14="http://schemas.microsoft.com/office/drawing/2010/main" val="0"/>
+              </a:ext>
+            </a:extLst>
+          </a:blip>
+          <a:stretch>
+            <a:fillRect/>
+          </a:stretch>
+        </p:blipFill>
+        <p:spPr>
+          <a:xfrm>
+            <a:off x="940792" y="413666"/>
+            <a:ext cx="10264115" cy="6030667"/>
+          </a:xfrm>
+          <a:prstGeom prst="rect">
+            <a:avLst/>
+          </a:prstGeom>
+        </p:spPr>
+      </p:pic>
+    </p:spTree>
+    <p:extLst>
+      <p:ext uri="{BB962C8B-B14F-4D97-AF65-F5344CB8AC3E}">
+        <p14:creationId xmlns:p14="http://schemas.microsoft.com/office/powerpoint/2010/main" val="3696910599"/>
+      </p:ext>
+    </p:extLst>
+  </p:cSld>
+  <p:clrMapOvr>
+    <a:masterClrMapping/>
+  </p:clrMapOvr>
+</p:sld>
+</file>
+
+<file path=ppt/slides/slide12.xml><?xml version="1.0" encoding="utf-8"?>
 <p:sld xmlns:a="http://schemas.openxmlformats.org/drawingml/2006/main" xmlns:r="http://schemas.openxmlformats.org/officeDocument/2006/relationships" xmlns:p="http://schemas.openxmlformats.org/presentationml/2006/main">
   <p:cSld>
     <p:spTree>
@@ -5943,7 +6185,7 @@
 </p:sld>
 </file>
 
-<file path=ppt/slides/slide11.xml><?xml version="1.0" encoding="utf-8"?>
+<file path=ppt/slides/slide13.xml><?xml version="1.0" encoding="utf-8"?>
 <p:sld xmlns:a="http://schemas.openxmlformats.org/drawingml/2006/main" xmlns:r="http://schemas.openxmlformats.org/officeDocument/2006/relationships" xmlns:p="http://schemas.openxmlformats.org/presentationml/2006/main">
   <p:cSld>
     <p:spTree>
@@ -6065,8 +6307,8 @@
         </p:nvSpPr>
         <p:spPr>
           <a:xfrm>
-            <a:off x="150471" y="2951544"/>
-            <a:ext cx="3854370" cy="3431334"/>
+            <a:off x="752354" y="2951544"/>
+            <a:ext cx="2885580" cy="729205"/>
           </a:xfrm>
           <a:prstGeom prst="roundRect">
             <a:avLst/>
@@ -6100,768 +6342,98 @@
           </a:p>
         </p:txBody>
       </p:sp>
-      <p:grpSp>
-        <p:nvGrpSpPr>
-          <p:cNvPr id="4" name="Group 3">
+      <p:sp>
+        <p:nvSpPr>
+          <p:cNvPr id="8" name="object 16">
             <a:extLst>
               <a:ext uri="{FF2B5EF4-FFF2-40B4-BE49-F238E27FC236}">
-                <a16:creationId xmlns:a16="http://schemas.microsoft.com/office/drawing/2014/main" id="{DAB5718C-1B72-4B88-AEC6-6AD3BBD99A66}"/>
+                <a16:creationId xmlns:a16="http://schemas.microsoft.com/office/drawing/2014/main" id="{4C74A426-F2B6-42C1-9AF8-5F95123A5A42}"/>
               </a:ext>
             </a:extLst>
           </p:cNvPr>
-          <p:cNvGrpSpPr/>
+          <p:cNvSpPr txBox="1">
+            <a:spLocks/>
+          </p:cNvSpPr>
           <p:nvPr/>
-        </p:nvGrpSpPr>
-        <p:grpSpPr>
+        </p:nvSpPr>
+        <p:spPr>
           <a:xfrm>
-            <a:off x="250777" y="3059276"/>
-            <a:ext cx="3639185" cy="3198364"/>
-            <a:chOff x="262352" y="2923388"/>
-            <a:chExt cx="3639185" cy="3198364"/>
+            <a:off x="1044845" y="2898975"/>
+            <a:ext cx="2294638" cy="813043"/>
           </a:xfrm>
-        </p:grpSpPr>
-        <p:sp>
-          <p:nvSpPr>
-            <p:cNvPr id="7" name="object 15">
-              <a:extLst>
-                <a:ext uri="{FF2B5EF4-FFF2-40B4-BE49-F238E27FC236}">
-                  <a16:creationId xmlns:a16="http://schemas.microsoft.com/office/drawing/2014/main" id="{080F5533-7F5F-420E-8BBF-8B652363BBAB}"/>
-                </a:ext>
-              </a:extLst>
-            </p:cNvPr>
-            <p:cNvSpPr txBox="1"/>
-            <p:nvPr/>
-          </p:nvSpPr>
-          <p:spPr>
-            <a:xfrm>
-              <a:off x="262352" y="3393826"/>
-              <a:ext cx="3639185" cy="2727926"/>
-            </a:xfrm>
-            <a:prstGeom prst="rect">
-              <a:avLst/>
-            </a:prstGeom>
-          </p:spPr>
-          <p:txBody>
-            <a:bodyPr vert="horz" wrap="square" lIns="0" tIns="12065" rIns="0" bIns="0" rtlCol="0">
-              <a:spAutoFit/>
-            </a:bodyPr>
-            <a:lstStyle/>
-            <a:p>
-              <a:pPr marL="12700" marR="5080" algn="ctr">
-                <a:lnSpc>
-                  <a:spcPct val="139700"/>
-                </a:lnSpc>
-                <a:spcBef>
-                  <a:spcPts val="95"/>
-                </a:spcBef>
-              </a:pPr>
-              <a:r>
-                <a:rPr sz="1600" dirty="0">
-                  <a:solidFill>
-                    <a:sysClr val="windowText" lastClr="000000"/>
-                  </a:solidFill>
-                  <a:latin typeface="Century" panose="02040604050505020304" pitchFamily="18" charset="0"/>
-                  <a:cs typeface="Times New Roman"/>
-                </a:rPr>
-                <a:t>Random</a:t>
-              </a:r>
-              <a:r>
-                <a:rPr sz="1600" spc="15" dirty="0">
-                  <a:solidFill>
-                    <a:sysClr val="windowText" lastClr="000000"/>
-                  </a:solidFill>
-                  <a:latin typeface="Century" panose="02040604050505020304" pitchFamily="18" charset="0"/>
-                  <a:cs typeface="Times New Roman"/>
-                </a:rPr>
-                <a:t> </a:t>
-              </a:r>
-              <a:r>
-                <a:rPr sz="1600" dirty="0">
-                  <a:solidFill>
-                    <a:sysClr val="windowText" lastClr="000000"/>
-                  </a:solidFill>
-                  <a:latin typeface="Century" panose="02040604050505020304" pitchFamily="18" charset="0"/>
-                  <a:cs typeface="Times New Roman"/>
-                </a:rPr>
-                <a:t>Forest</a:t>
-              </a:r>
-              <a:r>
-                <a:rPr sz="1600" spc="10" dirty="0">
-                  <a:solidFill>
-                    <a:sysClr val="windowText" lastClr="000000"/>
-                  </a:solidFill>
-                  <a:latin typeface="Century" panose="02040604050505020304" pitchFamily="18" charset="0"/>
-                  <a:cs typeface="Times New Roman"/>
-                </a:rPr>
-                <a:t> </a:t>
-              </a:r>
-              <a:r>
-                <a:rPr sz="1600" dirty="0">
-                  <a:solidFill>
-                    <a:sysClr val="windowText" lastClr="000000"/>
-                  </a:solidFill>
-                  <a:latin typeface="Century" panose="02040604050505020304" pitchFamily="18" charset="0"/>
-                  <a:cs typeface="Times New Roman"/>
-                </a:rPr>
-                <a:t>for</a:t>
-              </a:r>
-              <a:r>
-                <a:rPr sz="1600" spc="15" dirty="0">
-                  <a:solidFill>
-                    <a:sysClr val="windowText" lastClr="000000"/>
-                  </a:solidFill>
-                  <a:latin typeface="Century" panose="02040604050505020304" pitchFamily="18" charset="0"/>
-                  <a:cs typeface="Times New Roman"/>
-                </a:rPr>
-                <a:t> </a:t>
-              </a:r>
-              <a:r>
-                <a:rPr sz="1600" dirty="0">
-                  <a:solidFill>
-                    <a:sysClr val="windowText" lastClr="000000"/>
-                  </a:solidFill>
-                  <a:latin typeface="Century" panose="02040604050505020304" pitchFamily="18" charset="0"/>
-                  <a:cs typeface="Times New Roman"/>
-                </a:rPr>
-                <a:t>a</a:t>
-              </a:r>
-              <a:r>
-                <a:rPr sz="1600" spc="15" dirty="0">
-                  <a:solidFill>
-                    <a:sysClr val="windowText" lastClr="000000"/>
-                  </a:solidFill>
-                  <a:latin typeface="Century" panose="02040604050505020304" pitchFamily="18" charset="0"/>
-                  <a:cs typeface="Times New Roman"/>
-                </a:rPr>
-                <a:t> </a:t>
-              </a:r>
-              <a:r>
-                <a:rPr lang="en-IN" sz="1600" dirty="0">
-                  <a:solidFill>
-                    <a:sysClr val="windowText" lastClr="000000"/>
-                  </a:solidFill>
-                  <a:latin typeface="Century" panose="02040604050505020304" pitchFamily="18" charset="0"/>
-                  <a:cs typeface="Times New Roman"/>
-                </a:rPr>
-                <a:t>four</a:t>
-              </a:r>
-              <a:r>
-                <a:rPr sz="1600" dirty="0">
-                  <a:solidFill>
-                    <a:sysClr val="windowText" lastClr="000000"/>
-                  </a:solidFill>
-                  <a:latin typeface="Century" panose="02040604050505020304" pitchFamily="18" charset="0"/>
-                  <a:cs typeface="Times New Roman"/>
-                </a:rPr>
-                <a:t>-class</a:t>
-              </a:r>
-              <a:r>
-                <a:rPr sz="1600" spc="15" dirty="0">
-                  <a:solidFill>
-                    <a:sysClr val="windowText" lastClr="000000"/>
-                  </a:solidFill>
-                  <a:latin typeface="Century" panose="02040604050505020304" pitchFamily="18" charset="0"/>
-                  <a:cs typeface="Times New Roman"/>
-                </a:rPr>
-                <a:t> </a:t>
-              </a:r>
-              <a:r>
-                <a:rPr lang="en-IN" sz="1600" dirty="0">
-                  <a:solidFill>
-                    <a:sysClr val="windowText" lastClr="000000"/>
-                  </a:solidFill>
-                  <a:latin typeface="Century" panose="02040604050505020304" pitchFamily="18" charset="0"/>
-                  <a:cs typeface="Times New Roman"/>
-                </a:rPr>
-                <a:t>Coffee Brand </a:t>
-              </a:r>
-              <a:r>
-                <a:rPr sz="1600" spc="-10" dirty="0">
-                  <a:solidFill>
-                    <a:sysClr val="windowText" lastClr="000000"/>
-                  </a:solidFill>
-                  <a:latin typeface="Century" panose="02040604050505020304" pitchFamily="18" charset="0"/>
-                  <a:cs typeface="Times New Roman"/>
-                </a:rPr>
-                <a:t>classification </a:t>
-              </a:r>
-              <a:r>
-                <a:rPr sz="1600" dirty="0">
-                  <a:solidFill>
-                    <a:sysClr val="windowText" lastClr="000000"/>
-                  </a:solidFill>
-                  <a:latin typeface="Century" panose="02040604050505020304" pitchFamily="18" charset="0"/>
-                  <a:cs typeface="Times New Roman"/>
-                </a:rPr>
-                <a:t>involves</a:t>
-              </a:r>
-              <a:r>
-                <a:rPr sz="1600" spc="15" dirty="0">
-                  <a:solidFill>
-                    <a:sysClr val="windowText" lastClr="000000"/>
-                  </a:solidFill>
-                  <a:latin typeface="Century" panose="02040604050505020304" pitchFamily="18" charset="0"/>
-                  <a:cs typeface="Times New Roman"/>
-                </a:rPr>
-                <a:t> </a:t>
-              </a:r>
-              <a:r>
-                <a:rPr sz="1600" dirty="0">
-                  <a:solidFill>
-                    <a:sysClr val="windowText" lastClr="000000"/>
-                  </a:solidFill>
-                  <a:latin typeface="Century" panose="02040604050505020304" pitchFamily="18" charset="0"/>
-                  <a:cs typeface="Times New Roman"/>
-                </a:rPr>
-                <a:t>using</a:t>
-              </a:r>
-              <a:r>
-                <a:rPr sz="1600" spc="20" dirty="0">
-                  <a:solidFill>
-                    <a:sysClr val="windowText" lastClr="000000"/>
-                  </a:solidFill>
-                  <a:latin typeface="Century" panose="02040604050505020304" pitchFamily="18" charset="0"/>
-                  <a:cs typeface="Times New Roman"/>
-                </a:rPr>
-                <a:t> </a:t>
-              </a:r>
-              <a:r>
-                <a:rPr sz="1600" dirty="0">
-                  <a:solidFill>
-                    <a:sysClr val="windowText" lastClr="000000"/>
-                  </a:solidFill>
-                  <a:latin typeface="Century" panose="02040604050505020304" pitchFamily="18" charset="0"/>
-                  <a:cs typeface="Times New Roman"/>
-                </a:rPr>
-                <a:t>an</a:t>
-              </a:r>
-              <a:r>
-                <a:rPr sz="1600" spc="20" dirty="0">
-                  <a:solidFill>
-                    <a:sysClr val="windowText" lastClr="000000"/>
-                  </a:solidFill>
-                  <a:latin typeface="Century" panose="02040604050505020304" pitchFamily="18" charset="0"/>
-                  <a:cs typeface="Times New Roman"/>
-                </a:rPr>
-                <a:t> </a:t>
-              </a:r>
-              <a:r>
-                <a:rPr sz="1600" dirty="0">
-                  <a:solidFill>
-                    <a:sysClr val="windowText" lastClr="000000"/>
-                  </a:solidFill>
-                  <a:latin typeface="Century" panose="02040604050505020304" pitchFamily="18" charset="0"/>
-                  <a:cs typeface="Times New Roman"/>
-                </a:rPr>
-                <a:t>ensemble</a:t>
-              </a:r>
-              <a:r>
-                <a:rPr sz="1600" spc="15" dirty="0">
-                  <a:solidFill>
-                    <a:sysClr val="windowText" lastClr="000000"/>
-                  </a:solidFill>
-                  <a:latin typeface="Century" panose="02040604050505020304" pitchFamily="18" charset="0"/>
-                  <a:cs typeface="Times New Roman"/>
-                </a:rPr>
-                <a:t> </a:t>
-              </a:r>
-              <a:r>
-                <a:rPr sz="1600" dirty="0">
-                  <a:solidFill>
-                    <a:sysClr val="windowText" lastClr="000000"/>
-                  </a:solidFill>
-                  <a:latin typeface="Century" panose="02040604050505020304" pitchFamily="18" charset="0"/>
-                  <a:cs typeface="Times New Roman"/>
-                </a:rPr>
-                <a:t>of</a:t>
-              </a:r>
-              <a:r>
-                <a:rPr sz="1600" spc="20" dirty="0">
-                  <a:solidFill>
-                    <a:sysClr val="windowText" lastClr="000000"/>
-                  </a:solidFill>
-                  <a:latin typeface="Century" panose="02040604050505020304" pitchFamily="18" charset="0"/>
-                  <a:cs typeface="Times New Roman"/>
-                </a:rPr>
-                <a:t> </a:t>
-              </a:r>
-              <a:r>
-                <a:rPr sz="1600" dirty="0">
-                  <a:solidFill>
-                    <a:sysClr val="windowText" lastClr="000000"/>
-                  </a:solidFill>
-                  <a:latin typeface="Century" panose="02040604050505020304" pitchFamily="18" charset="0"/>
-                  <a:cs typeface="Times New Roman"/>
-                </a:rPr>
-                <a:t>decision</a:t>
-              </a:r>
-              <a:r>
-                <a:rPr sz="1600" spc="20" dirty="0">
-                  <a:solidFill>
-                    <a:sysClr val="windowText" lastClr="000000"/>
-                  </a:solidFill>
-                  <a:latin typeface="Century" panose="02040604050505020304" pitchFamily="18" charset="0"/>
-                  <a:cs typeface="Times New Roman"/>
-                </a:rPr>
-                <a:t> </a:t>
-              </a:r>
-              <a:r>
-                <a:rPr sz="1600" dirty="0">
-                  <a:solidFill>
-                    <a:sysClr val="windowText" lastClr="000000"/>
-                  </a:solidFill>
-                  <a:latin typeface="Century" panose="02040604050505020304" pitchFamily="18" charset="0"/>
-                  <a:cs typeface="Times New Roman"/>
-                </a:rPr>
-                <a:t>trees</a:t>
-              </a:r>
-              <a:r>
-                <a:rPr sz="1600" spc="20" dirty="0">
-                  <a:solidFill>
-                    <a:sysClr val="windowText" lastClr="000000"/>
-                  </a:solidFill>
-                  <a:latin typeface="Century" panose="02040604050505020304" pitchFamily="18" charset="0"/>
-                  <a:cs typeface="Times New Roman"/>
-                </a:rPr>
-                <a:t> </a:t>
-              </a:r>
-              <a:r>
-                <a:rPr lang="en-IN" sz="1600" spc="-35" dirty="0">
-                  <a:solidFill>
-                    <a:sysClr val="windowText" lastClr="000000"/>
-                  </a:solidFill>
-                  <a:latin typeface="Century" panose="02040604050505020304" pitchFamily="18" charset="0"/>
-                  <a:cs typeface="Times New Roman"/>
-                </a:rPr>
-                <a:t>to</a:t>
-              </a:r>
-              <a:r>
-                <a:rPr sz="1600" spc="-35" dirty="0">
-                  <a:solidFill>
-                    <a:sysClr val="windowText" lastClr="000000"/>
-                  </a:solidFill>
-                  <a:latin typeface="Century" panose="02040604050505020304" pitchFamily="18" charset="0"/>
-                  <a:cs typeface="Times New Roman"/>
-                </a:rPr>
-                <a:t> </a:t>
-              </a:r>
-              <a:r>
-                <a:rPr sz="1600" dirty="0">
-                  <a:solidFill>
-                    <a:sysClr val="windowText" lastClr="000000"/>
-                  </a:solidFill>
-                  <a:latin typeface="Century" panose="02040604050505020304" pitchFamily="18" charset="0"/>
-                  <a:cs typeface="Times New Roman"/>
-                </a:rPr>
-                <a:t>predict</a:t>
-              </a:r>
-              <a:r>
-                <a:rPr sz="1600" spc="20" dirty="0">
-                  <a:solidFill>
-                    <a:sysClr val="windowText" lastClr="000000"/>
-                  </a:solidFill>
-                  <a:latin typeface="Century" panose="02040604050505020304" pitchFamily="18" charset="0"/>
-                  <a:cs typeface="Times New Roman"/>
-                </a:rPr>
-                <a:t> </a:t>
-              </a:r>
-              <a:r>
-                <a:rPr lang="en-IN" sz="1600" dirty="0">
-                  <a:solidFill>
-                    <a:sysClr val="windowText" lastClr="000000"/>
-                  </a:solidFill>
-                  <a:latin typeface="Century" panose="02040604050505020304" pitchFamily="18" charset="0"/>
-                  <a:cs typeface="Times New Roman"/>
-                </a:rPr>
-                <a:t>which Coffee Brand the</a:t>
-              </a:r>
-              <a:r>
-                <a:rPr sz="1600" spc="20" dirty="0">
-                  <a:solidFill>
-                    <a:sysClr val="windowText" lastClr="000000"/>
-                  </a:solidFill>
-                  <a:latin typeface="Century" panose="02040604050505020304" pitchFamily="18" charset="0"/>
-                  <a:cs typeface="Times New Roman"/>
-                </a:rPr>
-                <a:t> </a:t>
-              </a:r>
-              <a:r>
-                <a:rPr sz="1600" dirty="0">
-                  <a:solidFill>
-                    <a:sysClr val="windowText" lastClr="000000"/>
-                  </a:solidFill>
-                  <a:latin typeface="Century" panose="02040604050505020304" pitchFamily="18" charset="0"/>
-                  <a:cs typeface="Times New Roman"/>
-                </a:rPr>
-                <a:t>customers</a:t>
-              </a:r>
-              <a:r>
-                <a:rPr sz="1600" spc="20" dirty="0">
-                  <a:solidFill>
-                    <a:sysClr val="windowText" lastClr="000000"/>
-                  </a:solidFill>
-                  <a:latin typeface="Century" panose="02040604050505020304" pitchFamily="18" charset="0"/>
-                  <a:cs typeface="Times New Roman"/>
-                </a:rPr>
-                <a:t> </a:t>
-              </a:r>
-              <a:r>
-                <a:rPr lang="en-IN" sz="1600" spc="20" dirty="0">
-                  <a:solidFill>
-                    <a:sysClr val="windowText" lastClr="000000"/>
-                  </a:solidFill>
-                  <a:latin typeface="Century" panose="02040604050505020304" pitchFamily="18" charset="0"/>
-                  <a:cs typeface="Times New Roman"/>
-                </a:rPr>
-                <a:t>are preferring</a:t>
-              </a:r>
-              <a:r>
-                <a:rPr sz="1600" spc="-10" dirty="0">
-                  <a:solidFill>
-                    <a:sysClr val="windowText" lastClr="000000"/>
-                  </a:solidFill>
-                  <a:latin typeface="Century" panose="02040604050505020304" pitchFamily="18" charset="0"/>
-                  <a:cs typeface="Times New Roman"/>
-                </a:rPr>
-                <a:t>.</a:t>
-              </a:r>
-              <a:endParaRPr sz="1600" dirty="0">
-                <a:solidFill>
-                  <a:sysClr val="windowText" lastClr="000000"/>
-                </a:solidFill>
-                <a:latin typeface="Century" panose="02040604050505020304" pitchFamily="18" charset="0"/>
-                <a:cs typeface="Times New Roman"/>
-              </a:endParaRPr>
-            </a:p>
-            <a:p>
-              <a:pPr marL="142875" marR="133985" indent="-1270" algn="ctr">
-                <a:lnSpc>
-                  <a:spcPct val="139700"/>
-                </a:lnSpc>
-              </a:pPr>
-              <a:r>
-                <a:rPr sz="1600" dirty="0">
-                  <a:solidFill>
-                    <a:sysClr val="windowText" lastClr="000000"/>
-                  </a:solidFill>
-                  <a:latin typeface="Century" panose="02040604050505020304" pitchFamily="18" charset="0"/>
-                  <a:cs typeface="Times New Roman"/>
-                </a:rPr>
-                <a:t>Features</a:t>
-              </a:r>
-              <a:r>
-                <a:rPr sz="1600" spc="25" dirty="0">
-                  <a:solidFill>
-                    <a:sysClr val="windowText" lastClr="000000"/>
-                  </a:solidFill>
-                  <a:latin typeface="Century" panose="02040604050505020304" pitchFamily="18" charset="0"/>
-                  <a:cs typeface="Times New Roman"/>
-                </a:rPr>
-                <a:t> </a:t>
-              </a:r>
-              <a:r>
-                <a:rPr sz="1600" dirty="0">
-                  <a:solidFill>
-                    <a:sysClr val="windowText" lastClr="000000"/>
-                  </a:solidFill>
-                  <a:latin typeface="Century" panose="02040604050505020304" pitchFamily="18" charset="0"/>
-                  <a:cs typeface="Times New Roman"/>
-                </a:rPr>
-                <a:t>like</a:t>
-              </a:r>
-              <a:r>
-                <a:rPr sz="1600" spc="25" dirty="0">
-                  <a:solidFill>
-                    <a:sysClr val="windowText" lastClr="000000"/>
-                  </a:solidFill>
-                  <a:latin typeface="Century" panose="02040604050505020304" pitchFamily="18" charset="0"/>
-                  <a:cs typeface="Times New Roman"/>
-                </a:rPr>
-                <a:t> </a:t>
-              </a:r>
-              <a:r>
-                <a:rPr lang="en-IN" sz="1600" dirty="0">
-                  <a:solidFill>
-                    <a:sysClr val="windowText" lastClr="000000"/>
-                  </a:solidFill>
-                  <a:latin typeface="Century" panose="02040604050505020304" pitchFamily="18" charset="0"/>
-                  <a:cs typeface="Times New Roman"/>
-                </a:rPr>
-                <a:t>daily consumption</a:t>
-              </a:r>
-              <a:r>
-                <a:rPr sz="1600" dirty="0">
-                  <a:solidFill>
-                    <a:sysClr val="windowText" lastClr="000000"/>
-                  </a:solidFill>
-                  <a:latin typeface="Century" panose="02040604050505020304" pitchFamily="18" charset="0"/>
-                  <a:cs typeface="Times New Roman"/>
-                </a:rPr>
-                <a:t>,</a:t>
-              </a:r>
-              <a:r>
-                <a:rPr sz="1600" spc="25" dirty="0">
-                  <a:solidFill>
-                    <a:sysClr val="windowText" lastClr="000000"/>
-                  </a:solidFill>
-                  <a:latin typeface="Century" panose="02040604050505020304" pitchFamily="18" charset="0"/>
-                  <a:cs typeface="Times New Roman"/>
-                </a:rPr>
-                <a:t> </a:t>
-              </a:r>
-              <a:r>
-                <a:rPr lang="en-IN" sz="1600" dirty="0">
-                  <a:solidFill>
-                    <a:sysClr val="windowText" lastClr="000000"/>
-                  </a:solidFill>
-                  <a:latin typeface="Century" panose="02040604050505020304" pitchFamily="18" charset="0"/>
-                  <a:cs typeface="Times New Roman"/>
-                </a:rPr>
-                <a:t>age</a:t>
-              </a:r>
-              <a:r>
-                <a:rPr sz="1600" dirty="0">
-                  <a:solidFill>
-                    <a:sysClr val="windowText" lastClr="000000"/>
-                  </a:solidFill>
-                  <a:latin typeface="Century" panose="02040604050505020304" pitchFamily="18" charset="0"/>
-                  <a:cs typeface="Times New Roman"/>
-                </a:rPr>
-                <a:t>,</a:t>
-              </a:r>
-              <a:r>
-                <a:rPr sz="1600" spc="30" dirty="0">
-                  <a:solidFill>
-                    <a:sysClr val="windowText" lastClr="000000"/>
-                  </a:solidFill>
-                  <a:latin typeface="Century" panose="02040604050505020304" pitchFamily="18" charset="0"/>
-                  <a:cs typeface="Times New Roman"/>
-                </a:rPr>
-                <a:t> </a:t>
-              </a:r>
-              <a:r>
-                <a:rPr sz="1600" spc="-25" dirty="0">
-                  <a:solidFill>
-                    <a:sysClr val="windowText" lastClr="000000"/>
-                  </a:solidFill>
-                  <a:latin typeface="Century" panose="02040604050505020304" pitchFamily="18" charset="0"/>
-                  <a:cs typeface="Times New Roman"/>
-                </a:rPr>
-                <a:t>and </a:t>
-              </a:r>
-              <a:r>
-                <a:rPr lang="en-IN" sz="1600" dirty="0">
-                  <a:solidFill>
-                    <a:sysClr val="windowText" lastClr="000000"/>
-                  </a:solidFill>
-                  <a:latin typeface="Century" panose="02040604050505020304" pitchFamily="18" charset="0"/>
-                  <a:cs typeface="Times New Roman"/>
-                </a:rPr>
-                <a:t>coffee nature etc.</a:t>
-              </a:r>
-              <a:r>
-                <a:rPr sz="1600" spc="30" dirty="0">
-                  <a:solidFill>
-                    <a:sysClr val="windowText" lastClr="000000"/>
-                  </a:solidFill>
-                  <a:latin typeface="Century" panose="02040604050505020304" pitchFamily="18" charset="0"/>
-                  <a:cs typeface="Times New Roman"/>
-                </a:rPr>
-                <a:t> </a:t>
-              </a:r>
-              <a:r>
-                <a:rPr sz="1600" dirty="0">
-                  <a:solidFill>
-                    <a:sysClr val="windowText" lastClr="000000"/>
-                  </a:solidFill>
-                  <a:latin typeface="Century" panose="02040604050505020304" pitchFamily="18" charset="0"/>
-                  <a:cs typeface="Times New Roman"/>
-                </a:rPr>
-                <a:t>are</a:t>
-              </a:r>
-              <a:r>
-                <a:rPr sz="1600" spc="30" dirty="0">
-                  <a:solidFill>
-                    <a:sysClr val="windowText" lastClr="000000"/>
-                  </a:solidFill>
-                  <a:latin typeface="Century" panose="02040604050505020304" pitchFamily="18" charset="0"/>
-                  <a:cs typeface="Times New Roman"/>
-                </a:rPr>
-                <a:t> </a:t>
-              </a:r>
-              <a:r>
-                <a:rPr sz="1600" dirty="0">
-                  <a:solidFill>
-                    <a:sysClr val="windowText" lastClr="000000"/>
-                  </a:solidFill>
-                  <a:latin typeface="Century" panose="02040604050505020304" pitchFamily="18" charset="0"/>
-                  <a:cs typeface="Times New Roman"/>
-                </a:rPr>
-                <a:t>considered</a:t>
-              </a:r>
-              <a:r>
-                <a:rPr sz="1600" spc="30" dirty="0">
-                  <a:solidFill>
-                    <a:sysClr val="windowText" lastClr="000000"/>
-                  </a:solidFill>
-                  <a:latin typeface="Century" panose="02040604050505020304" pitchFamily="18" charset="0"/>
-                  <a:cs typeface="Times New Roman"/>
-                </a:rPr>
-                <a:t> </a:t>
-              </a:r>
-              <a:r>
-                <a:rPr sz="1600" dirty="0">
-                  <a:solidFill>
-                    <a:sysClr val="windowText" lastClr="000000"/>
-                  </a:solidFill>
-                  <a:latin typeface="Century" panose="02040604050505020304" pitchFamily="18" charset="0"/>
-                  <a:cs typeface="Times New Roman"/>
-                </a:rPr>
-                <a:t>in</a:t>
-              </a:r>
-              <a:r>
-                <a:rPr sz="1600" spc="30" dirty="0">
-                  <a:solidFill>
-                    <a:sysClr val="windowText" lastClr="000000"/>
-                  </a:solidFill>
-                  <a:latin typeface="Century" panose="02040604050505020304" pitchFamily="18" charset="0"/>
-                  <a:cs typeface="Times New Roman"/>
-                </a:rPr>
-                <a:t> </a:t>
-              </a:r>
-              <a:r>
-                <a:rPr sz="1600" dirty="0">
-                  <a:solidFill>
-                    <a:sysClr val="windowText" lastClr="000000"/>
-                  </a:solidFill>
-                  <a:latin typeface="Century" panose="02040604050505020304" pitchFamily="18" charset="0"/>
-                  <a:cs typeface="Times New Roman"/>
-                </a:rPr>
-                <a:t>the</a:t>
-              </a:r>
-              <a:r>
-                <a:rPr sz="1600" spc="30" dirty="0">
-                  <a:solidFill>
-                    <a:sysClr val="windowText" lastClr="000000"/>
-                  </a:solidFill>
-                  <a:latin typeface="Century" panose="02040604050505020304" pitchFamily="18" charset="0"/>
-                  <a:cs typeface="Times New Roman"/>
-                </a:rPr>
-                <a:t> </a:t>
-              </a:r>
-              <a:r>
-                <a:rPr sz="1600" spc="-10" dirty="0">
-                  <a:solidFill>
-                    <a:sysClr val="windowText" lastClr="000000"/>
-                  </a:solidFill>
-                  <a:latin typeface="Century" panose="02040604050505020304" pitchFamily="18" charset="0"/>
-                  <a:cs typeface="Times New Roman"/>
-                </a:rPr>
-                <a:t>training process.</a:t>
-              </a:r>
-              <a:endParaRPr sz="1600" dirty="0">
-                <a:solidFill>
-                  <a:sysClr val="windowText" lastClr="000000"/>
-                </a:solidFill>
-                <a:latin typeface="Century" panose="02040604050505020304" pitchFamily="18" charset="0"/>
-                <a:cs typeface="Times New Roman"/>
-              </a:endParaRPr>
-            </a:p>
-          </p:txBody>
-        </p:sp>
-        <p:sp>
-          <p:nvSpPr>
-            <p:cNvPr id="8" name="object 16">
-              <a:extLst>
-                <a:ext uri="{FF2B5EF4-FFF2-40B4-BE49-F238E27FC236}">
-                  <a16:creationId xmlns:a16="http://schemas.microsoft.com/office/drawing/2014/main" id="{4C74A426-F2B6-42C1-9AF8-5F95123A5A42}"/>
-                </a:ext>
-              </a:extLst>
-            </p:cNvPr>
-            <p:cNvSpPr txBox="1">
-              <a:spLocks/>
-            </p:cNvSpPr>
-            <p:nvPr/>
-          </p:nvSpPr>
-          <p:spPr>
-            <a:xfrm>
-              <a:off x="1056420" y="2923388"/>
-              <a:ext cx="2294638" cy="412934"/>
-            </a:xfrm>
-            <a:prstGeom prst="rect">
-              <a:avLst/>
-            </a:prstGeom>
-          </p:spPr>
-          <p:txBody>
-            <a:bodyPr vert="horz" wrap="square" lIns="0" tIns="12700" rIns="0" bIns="0" rtlCol="0" anchor="b">
-              <a:spAutoFit/>
-            </a:bodyPr>
-            <a:lstStyle>
-              <a:lvl1pPr algn="ctr" defTabSz="914400" rtl="0" eaLnBrk="1" latinLnBrk="0" hangingPunct="1">
-                <a:lnSpc>
-                  <a:spcPct val="90000"/>
-                </a:lnSpc>
-                <a:spcBef>
-                  <a:spcPct val="0"/>
-                </a:spcBef>
-                <a:buNone/>
-                <a:defRPr sz="6000" kern="1200">
-                  <a:solidFill>
-                    <a:schemeClr val="tx1"/>
-                  </a:solidFill>
-                  <a:latin typeface="+mj-lt"/>
-                  <a:ea typeface="+mj-ea"/>
-                  <a:cs typeface="+mj-cs"/>
-                </a:defRPr>
-              </a:lvl1pPr>
-            </a:lstStyle>
-            <a:p>
-              <a:pPr marL="12700">
-                <a:lnSpc>
-                  <a:spcPct val="100000"/>
-                </a:lnSpc>
-                <a:spcBef>
-                  <a:spcPts val="100"/>
-                </a:spcBef>
-              </a:pPr>
-              <a:r>
-                <a:rPr lang="en-IN" sz="2600" b="1" dirty="0">
-                  <a:solidFill>
-                    <a:srgbClr val="040506"/>
-                  </a:solidFill>
-                  <a:latin typeface="Times New Roman" panose="02020603050405020304" pitchFamily="18" charset="0"/>
-                  <a:cs typeface="Times New Roman" panose="02020603050405020304" pitchFamily="18" charset="0"/>
-                </a:rPr>
-                <a:t>Random</a:t>
-              </a:r>
-              <a:r>
-                <a:rPr lang="en-IN" sz="2600" b="1" spc="-30" dirty="0">
-                  <a:solidFill>
-                    <a:srgbClr val="040506"/>
-                  </a:solidFill>
-                  <a:latin typeface="Times New Roman" panose="02020603050405020304" pitchFamily="18" charset="0"/>
-                  <a:cs typeface="Times New Roman" panose="02020603050405020304" pitchFamily="18" charset="0"/>
-                </a:rPr>
-                <a:t> </a:t>
-              </a:r>
-              <a:r>
-                <a:rPr lang="en-IN" sz="2600" b="1" spc="-10" dirty="0">
-                  <a:solidFill>
-                    <a:srgbClr val="040506"/>
-                  </a:solidFill>
-                  <a:latin typeface="Times New Roman" panose="02020603050405020304" pitchFamily="18" charset="0"/>
-                  <a:cs typeface="Times New Roman" panose="02020603050405020304" pitchFamily="18" charset="0"/>
-                </a:rPr>
-                <a:t>Forest</a:t>
-              </a:r>
-              <a:endParaRPr lang="en-IN" sz="2600" b="1" dirty="0">
+          <a:prstGeom prst="rect">
+            <a:avLst/>
+          </a:prstGeom>
+        </p:spPr>
+        <p:txBody>
+          <a:bodyPr vert="horz" wrap="square" lIns="0" tIns="12700" rIns="0" bIns="0" rtlCol="0" anchor="b">
+            <a:spAutoFit/>
+          </a:bodyPr>
+          <a:lstStyle>
+            <a:lvl1pPr algn="ctr" defTabSz="914400" rtl="0" eaLnBrk="1" latinLnBrk="0" hangingPunct="1">
+              <a:lnSpc>
+                <a:spcPct val="90000"/>
+              </a:lnSpc>
+              <a:spcBef>
+                <a:spcPct val="0"/>
+              </a:spcBef>
+              <a:buNone/>
+              <a:defRPr sz="6000" kern="1200">
+                <a:solidFill>
+                  <a:schemeClr val="tx1"/>
+                </a:solidFill>
+                <a:latin typeface="+mj-lt"/>
+                <a:ea typeface="+mj-ea"/>
+                <a:cs typeface="+mj-cs"/>
+              </a:defRPr>
+            </a:lvl1pPr>
+          </a:lstStyle>
+          <a:p>
+            <a:pPr marL="12700">
+              <a:lnSpc>
+                <a:spcPct val="100000"/>
+              </a:lnSpc>
+              <a:spcBef>
+                <a:spcPts val="100"/>
+              </a:spcBef>
+            </a:pPr>
+            <a:r>
+              <a:rPr lang="en-IN" sz="2600" b="1" dirty="0">
+                <a:solidFill>
+                  <a:srgbClr val="040506"/>
+                </a:solidFill>
                 <a:latin typeface="Times New Roman" panose="02020603050405020304" pitchFamily="18" charset="0"/>
                 <a:cs typeface="Times New Roman" panose="02020603050405020304" pitchFamily="18" charset="0"/>
-              </a:endParaRPr>
-            </a:p>
-          </p:txBody>
-        </p:sp>
-      </p:grpSp>
+              </a:rPr>
+              <a:t>Random</a:t>
+            </a:r>
+            <a:r>
+              <a:rPr lang="en-IN" sz="2600" b="1" spc="-30" dirty="0">
+                <a:solidFill>
+                  <a:srgbClr val="040506"/>
+                </a:solidFill>
+                <a:latin typeface="Times New Roman" panose="02020603050405020304" pitchFamily="18" charset="0"/>
+                <a:cs typeface="Times New Roman" panose="02020603050405020304" pitchFamily="18" charset="0"/>
+              </a:rPr>
+              <a:t> </a:t>
+            </a:r>
+            <a:r>
+              <a:rPr lang="en-IN" sz="2600" b="1" spc="-10" dirty="0">
+                <a:solidFill>
+                  <a:srgbClr val="040506"/>
+                </a:solidFill>
+                <a:latin typeface="Times New Roman" panose="02020603050405020304" pitchFamily="18" charset="0"/>
+                <a:cs typeface="Times New Roman" panose="02020603050405020304" pitchFamily="18" charset="0"/>
+              </a:rPr>
+              <a:t>Forest Classifier</a:t>
+            </a:r>
+            <a:endParaRPr lang="en-IN" sz="2600" b="1" dirty="0">
+              <a:latin typeface="Times New Roman" panose="02020603050405020304" pitchFamily="18" charset="0"/>
+              <a:cs typeface="Times New Roman" panose="02020603050405020304" pitchFamily="18" charset="0"/>
+            </a:endParaRPr>
+          </a:p>
+        </p:txBody>
+      </p:sp>
       <p:sp>
         <p:nvSpPr>
           <p:cNvPr id="14" name="Rectangle: Rounded Corners 13">
@@ -6876,8 +6448,8 @@
         </p:nvSpPr>
         <p:spPr>
           <a:xfrm>
-            <a:off x="4233856" y="2951544"/>
-            <a:ext cx="4269543" cy="3431334"/>
+            <a:off x="4390289" y="2951544"/>
+            <a:ext cx="3793012" cy="1000284"/>
           </a:xfrm>
           <a:prstGeom prst="roundRect">
             <a:avLst/>
@@ -6925,8 +6497,8 @@
         </p:nvSpPr>
         <p:spPr>
           <a:xfrm>
-            <a:off x="4140740" y="3059276"/>
-            <a:ext cx="4362660" cy="3323602"/>
+            <a:off x="4105465" y="3005410"/>
+            <a:ext cx="4362660" cy="892552"/>
           </a:xfrm>
           <a:prstGeom prst="rect">
             <a:avLst/>
@@ -6955,7 +6527,7 @@
                 <a:latin typeface="Times New Roman"/>
                 <a:cs typeface="Times New Roman"/>
               </a:rPr>
-              <a:t>Logistic</a:t>
+              <a:t>Multinomial Logistic</a:t>
             </a:r>
             <a:r>
               <a:rPr lang="en-US" sz="2600" b="1" spc="-40" dirty="0">
@@ -6979,673 +6551,6 @@
             </a:r>
             <a:endParaRPr lang="en-US" sz="2600" b="1" dirty="0">
               <a:latin typeface="Times New Roman"/>
-              <a:cs typeface="Times New Roman"/>
-            </a:endParaRPr>
-          </a:p>
-          <a:p>
-            <a:pPr marL="12700" marR="5080" algn="ctr">
-              <a:lnSpc>
-                <a:spcPct val="139700"/>
-              </a:lnSpc>
-              <a:spcBef>
-                <a:spcPts val="860"/>
-              </a:spcBef>
-            </a:pPr>
-            <a:r>
-              <a:rPr lang="en-US" sz="1600" dirty="0">
-                <a:solidFill>
-                  <a:sysClr val="windowText" lastClr="000000"/>
-                </a:solidFill>
-                <a:latin typeface="Century" panose="02040604050505020304" pitchFamily="18" charset="0"/>
-                <a:cs typeface="Times New Roman"/>
-              </a:rPr>
-              <a:t>Logistic</a:t>
-            </a:r>
-            <a:r>
-              <a:rPr lang="en-US" sz="1600" spc="30" dirty="0">
-                <a:solidFill>
-                  <a:sysClr val="windowText" lastClr="000000"/>
-                </a:solidFill>
-                <a:latin typeface="Century" panose="02040604050505020304" pitchFamily="18" charset="0"/>
-                <a:cs typeface="Times New Roman"/>
-              </a:rPr>
-              <a:t> </a:t>
-            </a:r>
-            <a:r>
-              <a:rPr lang="en-US" sz="1600" dirty="0">
-                <a:solidFill>
-                  <a:sysClr val="windowText" lastClr="000000"/>
-                </a:solidFill>
-                <a:latin typeface="Century" panose="02040604050505020304" pitchFamily="18" charset="0"/>
-                <a:cs typeface="Times New Roman"/>
-              </a:rPr>
-              <a:t>regression</a:t>
-            </a:r>
-            <a:r>
-              <a:rPr lang="en-US" sz="1600" spc="35" dirty="0">
-                <a:solidFill>
-                  <a:sysClr val="windowText" lastClr="000000"/>
-                </a:solidFill>
-                <a:latin typeface="Century" panose="02040604050505020304" pitchFamily="18" charset="0"/>
-                <a:cs typeface="Times New Roman"/>
-              </a:rPr>
-              <a:t> </a:t>
-            </a:r>
-            <a:r>
-              <a:rPr lang="en-US" sz="1600" dirty="0">
-                <a:solidFill>
-                  <a:sysClr val="windowText" lastClr="000000"/>
-                </a:solidFill>
-                <a:latin typeface="Century" panose="02040604050505020304" pitchFamily="18" charset="0"/>
-                <a:cs typeface="Times New Roman"/>
-              </a:rPr>
-              <a:t>is</a:t>
-            </a:r>
-            <a:r>
-              <a:rPr lang="en-US" sz="1600" spc="30" dirty="0">
-                <a:solidFill>
-                  <a:sysClr val="windowText" lastClr="000000"/>
-                </a:solidFill>
-                <a:latin typeface="Century" panose="02040604050505020304" pitchFamily="18" charset="0"/>
-                <a:cs typeface="Times New Roman"/>
-              </a:rPr>
-              <a:t> </a:t>
-            </a:r>
-            <a:r>
-              <a:rPr lang="en-US" sz="1600" dirty="0">
-                <a:solidFill>
-                  <a:sysClr val="windowText" lastClr="000000"/>
-                </a:solidFill>
-                <a:latin typeface="Century" panose="02040604050505020304" pitchFamily="18" charset="0"/>
-                <a:cs typeface="Times New Roman"/>
-              </a:rPr>
-              <a:t>employed</a:t>
-            </a:r>
-            <a:r>
-              <a:rPr lang="en-US" sz="1600" spc="35" dirty="0">
-                <a:solidFill>
-                  <a:sysClr val="windowText" lastClr="000000"/>
-                </a:solidFill>
-                <a:latin typeface="Century" panose="02040604050505020304" pitchFamily="18" charset="0"/>
-                <a:cs typeface="Times New Roman"/>
-              </a:rPr>
-              <a:t> </a:t>
-            </a:r>
-            <a:r>
-              <a:rPr lang="en-US" sz="1600" dirty="0">
-                <a:solidFill>
-                  <a:sysClr val="windowText" lastClr="000000"/>
-                </a:solidFill>
-                <a:latin typeface="Century" panose="02040604050505020304" pitchFamily="18" charset="0"/>
-                <a:cs typeface="Times New Roman"/>
-              </a:rPr>
-              <a:t>by</a:t>
-            </a:r>
-            <a:r>
-              <a:rPr lang="en-US" sz="1600" spc="30" dirty="0">
-                <a:solidFill>
-                  <a:sysClr val="windowText" lastClr="000000"/>
-                </a:solidFill>
-                <a:latin typeface="Century" panose="02040604050505020304" pitchFamily="18" charset="0"/>
-                <a:cs typeface="Times New Roman"/>
-              </a:rPr>
-              <a:t> </a:t>
-            </a:r>
-            <a:r>
-              <a:rPr lang="en-US" sz="1600" dirty="0">
-                <a:solidFill>
-                  <a:sysClr val="windowText" lastClr="000000"/>
-                </a:solidFill>
-                <a:latin typeface="Century" panose="02040604050505020304" pitchFamily="18" charset="0"/>
-                <a:cs typeface="Times New Roman"/>
-              </a:rPr>
-              <a:t>assembling</a:t>
-            </a:r>
-            <a:r>
-              <a:rPr lang="en-US" sz="1600" spc="35" dirty="0">
-                <a:solidFill>
-                  <a:sysClr val="windowText" lastClr="000000"/>
-                </a:solidFill>
-                <a:latin typeface="Century" panose="02040604050505020304" pitchFamily="18" charset="0"/>
-                <a:cs typeface="Times New Roman"/>
-              </a:rPr>
-              <a:t> </a:t>
-            </a:r>
-            <a:r>
-              <a:rPr lang="en-US" sz="1600" spc="-50" dirty="0">
-                <a:solidFill>
-                  <a:sysClr val="windowText" lastClr="000000"/>
-                </a:solidFill>
-                <a:latin typeface="Century" panose="02040604050505020304" pitchFamily="18" charset="0"/>
-                <a:cs typeface="Times New Roman"/>
-              </a:rPr>
-              <a:t>a </a:t>
-            </a:r>
-            <a:r>
-              <a:rPr lang="en-US" sz="1600" dirty="0">
-                <a:solidFill>
-                  <a:sysClr val="windowText" lastClr="000000"/>
-                </a:solidFill>
-                <a:latin typeface="Century" panose="02040604050505020304" pitchFamily="18" charset="0"/>
-                <a:cs typeface="Times New Roman"/>
-              </a:rPr>
-              <a:t>dataset</a:t>
-            </a:r>
-            <a:r>
-              <a:rPr lang="en-US" sz="1600" spc="25" dirty="0">
-                <a:solidFill>
-                  <a:sysClr val="windowText" lastClr="000000"/>
-                </a:solidFill>
-                <a:latin typeface="Century" panose="02040604050505020304" pitchFamily="18" charset="0"/>
-                <a:cs typeface="Times New Roman"/>
-              </a:rPr>
-              <a:t> </a:t>
-            </a:r>
-            <a:r>
-              <a:rPr lang="en-US" sz="1600" dirty="0">
-                <a:solidFill>
-                  <a:sysClr val="windowText" lastClr="000000"/>
-                </a:solidFill>
-                <a:latin typeface="Century" panose="02040604050505020304" pitchFamily="18" charset="0"/>
-                <a:cs typeface="Times New Roman"/>
-              </a:rPr>
-              <a:t>with</a:t>
-            </a:r>
-            <a:r>
-              <a:rPr lang="en-US" sz="1600" spc="30" dirty="0">
-                <a:solidFill>
-                  <a:sysClr val="windowText" lastClr="000000"/>
-                </a:solidFill>
-                <a:latin typeface="Century" panose="02040604050505020304" pitchFamily="18" charset="0"/>
-                <a:cs typeface="Times New Roman"/>
-              </a:rPr>
-              <a:t> </a:t>
-            </a:r>
-            <a:r>
-              <a:rPr lang="en-US" sz="1600" dirty="0">
-                <a:solidFill>
-                  <a:sysClr val="windowText" lastClr="000000"/>
-                </a:solidFill>
-                <a:latin typeface="Century" panose="02040604050505020304" pitchFamily="18" charset="0"/>
-                <a:cs typeface="Times New Roman"/>
-              </a:rPr>
-              <a:t>numerically</a:t>
-            </a:r>
-            <a:r>
-              <a:rPr lang="en-US" sz="1600" spc="30" dirty="0">
-                <a:solidFill>
-                  <a:sysClr val="windowText" lastClr="000000"/>
-                </a:solidFill>
-                <a:latin typeface="Century" panose="02040604050505020304" pitchFamily="18" charset="0"/>
-                <a:cs typeface="Times New Roman"/>
-              </a:rPr>
-              <a:t> </a:t>
-            </a:r>
-            <a:r>
-              <a:rPr lang="en-US" sz="1600" dirty="0">
-                <a:solidFill>
-                  <a:sysClr val="windowText" lastClr="000000"/>
-                </a:solidFill>
-                <a:latin typeface="Century" panose="02040604050505020304" pitchFamily="18" charset="0"/>
-                <a:cs typeface="Times New Roman"/>
-              </a:rPr>
-              <a:t>encoded</a:t>
-            </a:r>
-            <a:r>
-              <a:rPr lang="en-US" sz="1600" spc="30" dirty="0">
-                <a:solidFill>
-                  <a:sysClr val="windowText" lastClr="000000"/>
-                </a:solidFill>
-                <a:latin typeface="Century" panose="02040604050505020304" pitchFamily="18" charset="0"/>
-                <a:cs typeface="Times New Roman"/>
-              </a:rPr>
-              <a:t> </a:t>
-            </a:r>
-            <a:r>
-              <a:rPr lang="en-US" sz="1600" dirty="0">
-                <a:solidFill>
-                  <a:sysClr val="windowText" lastClr="000000"/>
-                </a:solidFill>
-                <a:latin typeface="Century" panose="02040604050505020304" pitchFamily="18" charset="0"/>
-                <a:cs typeface="Times New Roman"/>
-              </a:rPr>
-              <a:t>labels</a:t>
-            </a:r>
-            <a:r>
-              <a:rPr lang="en-US" sz="1600" spc="30" dirty="0">
-                <a:solidFill>
-                  <a:sysClr val="windowText" lastClr="000000"/>
-                </a:solidFill>
-                <a:latin typeface="Century" panose="02040604050505020304" pitchFamily="18" charset="0"/>
-                <a:cs typeface="Times New Roman"/>
-              </a:rPr>
-              <a:t> </a:t>
-            </a:r>
-            <a:r>
-              <a:rPr lang="en-US" sz="1600" spc="-25" dirty="0">
-                <a:solidFill>
-                  <a:sysClr val="windowText" lastClr="000000"/>
-                </a:solidFill>
-                <a:latin typeface="Century" panose="02040604050505020304" pitchFamily="18" charset="0"/>
-                <a:cs typeface="Times New Roman"/>
-              </a:rPr>
-              <a:t>and </a:t>
-            </a:r>
-            <a:r>
-              <a:rPr lang="en-US" sz="1600" dirty="0">
-                <a:solidFill>
-                  <a:sysClr val="windowText" lastClr="000000"/>
-                </a:solidFill>
-                <a:latin typeface="Century" panose="02040604050505020304" pitchFamily="18" charset="0"/>
-                <a:cs typeface="Times New Roman"/>
-              </a:rPr>
-              <a:t>utilizing</a:t>
-            </a:r>
-            <a:r>
-              <a:rPr lang="en-US" sz="1600" spc="20" dirty="0">
-                <a:solidFill>
-                  <a:sysClr val="windowText" lastClr="000000"/>
-                </a:solidFill>
-                <a:latin typeface="Century" panose="02040604050505020304" pitchFamily="18" charset="0"/>
-                <a:cs typeface="Times New Roman"/>
-              </a:rPr>
-              <a:t> </a:t>
-            </a:r>
-            <a:r>
-              <a:rPr lang="en-US" sz="1600" dirty="0">
-                <a:solidFill>
-                  <a:sysClr val="windowText" lastClr="000000"/>
-                </a:solidFill>
-                <a:latin typeface="Century" panose="02040604050505020304" pitchFamily="18" charset="0"/>
-                <a:cs typeface="Times New Roman"/>
-              </a:rPr>
-              <a:t>the</a:t>
-            </a:r>
-            <a:r>
-              <a:rPr lang="en-US" sz="1600" spc="25" dirty="0">
-                <a:solidFill>
-                  <a:sysClr val="windowText" lastClr="000000"/>
-                </a:solidFill>
-                <a:latin typeface="Century" panose="02040604050505020304" pitchFamily="18" charset="0"/>
-                <a:cs typeface="Times New Roman"/>
-              </a:rPr>
-              <a:t> </a:t>
-            </a:r>
-            <a:r>
-              <a:rPr lang="en-US" sz="1600" dirty="0">
-                <a:solidFill>
-                  <a:sysClr val="windowText" lastClr="000000"/>
-                </a:solidFill>
-                <a:latin typeface="Century" panose="02040604050505020304" pitchFamily="18" charset="0"/>
-                <a:cs typeface="Times New Roman"/>
-              </a:rPr>
-              <a:t>'multinomial'</a:t>
-            </a:r>
-            <a:r>
-              <a:rPr lang="en-US" sz="1600" spc="20" dirty="0">
-                <a:solidFill>
-                  <a:sysClr val="windowText" lastClr="000000"/>
-                </a:solidFill>
-                <a:latin typeface="Century" panose="02040604050505020304" pitchFamily="18" charset="0"/>
-                <a:cs typeface="Times New Roman"/>
-              </a:rPr>
-              <a:t> </a:t>
-            </a:r>
-            <a:r>
-              <a:rPr lang="en-US" sz="1600" dirty="0">
-                <a:solidFill>
-                  <a:sysClr val="windowText" lastClr="000000"/>
-                </a:solidFill>
-                <a:latin typeface="Century" panose="02040604050505020304" pitchFamily="18" charset="0"/>
-                <a:cs typeface="Times New Roman"/>
-              </a:rPr>
-              <a:t>option</a:t>
-            </a:r>
-            <a:r>
-              <a:rPr lang="en-US" sz="1600" spc="25" dirty="0">
-                <a:solidFill>
-                  <a:sysClr val="windowText" lastClr="000000"/>
-                </a:solidFill>
-                <a:latin typeface="Century" panose="02040604050505020304" pitchFamily="18" charset="0"/>
-                <a:cs typeface="Times New Roman"/>
-              </a:rPr>
-              <a:t> </a:t>
-            </a:r>
-            <a:r>
-              <a:rPr lang="en-US" sz="1600" dirty="0">
-                <a:solidFill>
-                  <a:sysClr val="windowText" lastClr="000000"/>
-                </a:solidFill>
-                <a:latin typeface="Century" panose="02040604050505020304" pitchFamily="18" charset="0"/>
-                <a:cs typeface="Times New Roman"/>
-              </a:rPr>
-              <a:t>for</a:t>
-            </a:r>
-            <a:r>
-              <a:rPr lang="en-US" sz="1600" spc="20" dirty="0">
-                <a:solidFill>
-                  <a:sysClr val="windowText" lastClr="000000"/>
-                </a:solidFill>
-                <a:latin typeface="Century" panose="02040604050505020304" pitchFamily="18" charset="0"/>
-                <a:cs typeface="Times New Roman"/>
-              </a:rPr>
-              <a:t> </a:t>
-            </a:r>
-            <a:r>
-              <a:rPr lang="en-US" sz="1600" spc="-10" dirty="0">
-                <a:solidFill>
-                  <a:sysClr val="windowText" lastClr="000000"/>
-                </a:solidFill>
-                <a:latin typeface="Century" panose="02040604050505020304" pitchFamily="18" charset="0"/>
-                <a:cs typeface="Times New Roman"/>
-              </a:rPr>
-              <a:t>multiclass </a:t>
-            </a:r>
-            <a:r>
-              <a:rPr lang="en-US" sz="1600" dirty="0">
-                <a:solidFill>
-                  <a:sysClr val="windowText" lastClr="000000"/>
-                </a:solidFill>
-                <a:latin typeface="Century" panose="02040604050505020304" pitchFamily="18" charset="0"/>
-                <a:cs typeface="Times New Roman"/>
-              </a:rPr>
-              <a:t>classification.</a:t>
-            </a:r>
-            <a:r>
-              <a:rPr lang="en-US" sz="1600" spc="40" dirty="0">
-                <a:solidFill>
-                  <a:sysClr val="windowText" lastClr="000000"/>
-                </a:solidFill>
-                <a:latin typeface="Century" panose="02040604050505020304" pitchFamily="18" charset="0"/>
-                <a:cs typeface="Times New Roman"/>
-              </a:rPr>
-              <a:t> </a:t>
-            </a:r>
-            <a:r>
-              <a:rPr lang="en-US" sz="1600" dirty="0">
-                <a:solidFill>
-                  <a:sysClr val="windowText" lastClr="000000"/>
-                </a:solidFill>
-                <a:latin typeface="Century" panose="02040604050505020304" pitchFamily="18" charset="0"/>
-                <a:cs typeface="Times New Roman"/>
-              </a:rPr>
-              <a:t>The</a:t>
-            </a:r>
-            <a:r>
-              <a:rPr lang="en-US" sz="1600" spc="45" dirty="0">
-                <a:solidFill>
-                  <a:sysClr val="windowText" lastClr="000000"/>
-                </a:solidFill>
-                <a:latin typeface="Century" panose="02040604050505020304" pitchFamily="18" charset="0"/>
-                <a:cs typeface="Times New Roman"/>
-              </a:rPr>
-              <a:t> </a:t>
-            </a:r>
-            <a:r>
-              <a:rPr lang="en-US" sz="1600" dirty="0">
-                <a:solidFill>
-                  <a:sysClr val="windowText" lastClr="000000"/>
-                </a:solidFill>
-                <a:latin typeface="Century" panose="02040604050505020304" pitchFamily="18" charset="0"/>
-                <a:cs typeface="Times New Roman"/>
-              </a:rPr>
-              <a:t>interpretability</a:t>
-            </a:r>
-            <a:r>
-              <a:rPr lang="en-US" sz="1600" spc="45" dirty="0">
-                <a:solidFill>
-                  <a:sysClr val="windowText" lastClr="000000"/>
-                </a:solidFill>
-                <a:latin typeface="Century" panose="02040604050505020304" pitchFamily="18" charset="0"/>
-                <a:cs typeface="Times New Roman"/>
-              </a:rPr>
-              <a:t> </a:t>
-            </a:r>
-            <a:r>
-              <a:rPr lang="en-US" sz="1600" dirty="0">
-                <a:solidFill>
-                  <a:sysClr val="windowText" lastClr="000000"/>
-                </a:solidFill>
-                <a:latin typeface="Century" panose="02040604050505020304" pitchFamily="18" charset="0"/>
-                <a:cs typeface="Times New Roman"/>
-              </a:rPr>
-              <a:t>of</a:t>
-            </a:r>
-            <a:r>
-              <a:rPr lang="en-US" sz="1600" spc="45" dirty="0">
-                <a:solidFill>
-                  <a:sysClr val="windowText" lastClr="000000"/>
-                </a:solidFill>
-                <a:latin typeface="Century" panose="02040604050505020304" pitchFamily="18" charset="0"/>
-                <a:cs typeface="Times New Roman"/>
-              </a:rPr>
-              <a:t> </a:t>
-            </a:r>
-            <a:r>
-              <a:rPr lang="en-US" sz="1600" spc="-10" dirty="0">
-                <a:solidFill>
-                  <a:sysClr val="windowText" lastClr="000000"/>
-                </a:solidFill>
-                <a:latin typeface="Century" panose="02040604050505020304" pitchFamily="18" charset="0"/>
-                <a:cs typeface="Times New Roman"/>
-              </a:rPr>
-              <a:t>logistic </a:t>
-            </a:r>
-            <a:r>
-              <a:rPr lang="en-US" sz="1600" dirty="0">
-                <a:solidFill>
-                  <a:sysClr val="windowText" lastClr="000000"/>
-                </a:solidFill>
-                <a:latin typeface="Century" panose="02040604050505020304" pitchFamily="18" charset="0"/>
-                <a:cs typeface="Times New Roman"/>
-              </a:rPr>
-              <a:t>regression</a:t>
-            </a:r>
-            <a:r>
-              <a:rPr lang="en-US" sz="1600" spc="30" dirty="0">
-                <a:solidFill>
-                  <a:sysClr val="windowText" lastClr="000000"/>
-                </a:solidFill>
-                <a:latin typeface="Century" panose="02040604050505020304" pitchFamily="18" charset="0"/>
-                <a:cs typeface="Times New Roman"/>
-              </a:rPr>
-              <a:t> </a:t>
-            </a:r>
-            <a:r>
-              <a:rPr lang="en-US" sz="1600" dirty="0">
-                <a:solidFill>
-                  <a:sysClr val="windowText" lastClr="000000"/>
-                </a:solidFill>
-                <a:latin typeface="Century" panose="02040604050505020304" pitchFamily="18" charset="0"/>
-                <a:cs typeface="Times New Roman"/>
-              </a:rPr>
-              <a:t>allows</a:t>
-            </a:r>
-            <a:r>
-              <a:rPr lang="en-US" sz="1600" spc="35" dirty="0">
-                <a:solidFill>
-                  <a:sysClr val="windowText" lastClr="000000"/>
-                </a:solidFill>
-                <a:latin typeface="Century" panose="02040604050505020304" pitchFamily="18" charset="0"/>
-                <a:cs typeface="Times New Roman"/>
-              </a:rPr>
-              <a:t> </a:t>
-            </a:r>
-            <a:r>
-              <a:rPr lang="en-US" sz="1600" dirty="0">
-                <a:solidFill>
-                  <a:sysClr val="windowText" lastClr="000000"/>
-                </a:solidFill>
-                <a:latin typeface="Century" panose="02040604050505020304" pitchFamily="18" charset="0"/>
-                <a:cs typeface="Times New Roman"/>
-              </a:rPr>
-              <a:t>for</a:t>
-            </a:r>
-            <a:r>
-              <a:rPr lang="en-US" sz="1600" spc="30" dirty="0">
-                <a:solidFill>
-                  <a:sysClr val="windowText" lastClr="000000"/>
-                </a:solidFill>
-                <a:latin typeface="Century" panose="02040604050505020304" pitchFamily="18" charset="0"/>
-                <a:cs typeface="Times New Roman"/>
-              </a:rPr>
-              <a:t> </a:t>
-            </a:r>
-            <a:r>
-              <a:rPr lang="en-US" sz="1600" dirty="0">
-                <a:solidFill>
-                  <a:sysClr val="windowText" lastClr="000000"/>
-                </a:solidFill>
-                <a:latin typeface="Century" panose="02040604050505020304" pitchFamily="18" charset="0"/>
-                <a:cs typeface="Times New Roman"/>
-              </a:rPr>
-              <a:t>understanding</a:t>
-            </a:r>
-            <a:r>
-              <a:rPr lang="en-US" sz="1600" spc="35" dirty="0">
-                <a:solidFill>
-                  <a:sysClr val="windowText" lastClr="000000"/>
-                </a:solidFill>
-                <a:latin typeface="Century" panose="02040604050505020304" pitchFamily="18" charset="0"/>
-                <a:cs typeface="Times New Roman"/>
-              </a:rPr>
-              <a:t> </a:t>
-            </a:r>
-            <a:r>
-              <a:rPr lang="en-US" sz="1600" dirty="0">
-                <a:solidFill>
-                  <a:sysClr val="windowText" lastClr="000000"/>
-                </a:solidFill>
-                <a:latin typeface="Century" panose="02040604050505020304" pitchFamily="18" charset="0"/>
-                <a:cs typeface="Times New Roman"/>
-              </a:rPr>
-              <a:t>the</a:t>
-            </a:r>
-            <a:r>
-              <a:rPr lang="en-US" sz="1600" spc="30" dirty="0">
-                <a:solidFill>
-                  <a:sysClr val="windowText" lastClr="000000"/>
-                </a:solidFill>
-                <a:latin typeface="Century" panose="02040604050505020304" pitchFamily="18" charset="0"/>
-                <a:cs typeface="Times New Roman"/>
-              </a:rPr>
-              <a:t> </a:t>
-            </a:r>
-            <a:r>
-              <a:rPr lang="en-US" sz="1600" spc="-10" dirty="0">
-                <a:solidFill>
-                  <a:sysClr val="windowText" lastClr="000000"/>
-                </a:solidFill>
-                <a:latin typeface="Century" panose="02040604050505020304" pitchFamily="18" charset="0"/>
-                <a:cs typeface="Times New Roman"/>
-              </a:rPr>
-              <a:t>impact </a:t>
-            </a:r>
-            <a:r>
-              <a:rPr lang="en-US" sz="1600" dirty="0">
-                <a:solidFill>
-                  <a:sysClr val="windowText" lastClr="000000"/>
-                </a:solidFill>
-                <a:latin typeface="Century" panose="02040604050505020304" pitchFamily="18" charset="0"/>
-                <a:cs typeface="Times New Roman"/>
-              </a:rPr>
-              <a:t>of</a:t>
-            </a:r>
-            <a:r>
-              <a:rPr lang="en-US" sz="1600" spc="15" dirty="0">
-                <a:solidFill>
-                  <a:sysClr val="windowText" lastClr="000000"/>
-                </a:solidFill>
-                <a:latin typeface="Century" panose="02040604050505020304" pitchFamily="18" charset="0"/>
-                <a:cs typeface="Times New Roman"/>
-              </a:rPr>
-              <a:t> </a:t>
-            </a:r>
-            <a:r>
-              <a:rPr lang="en-US" sz="1600" dirty="0">
-                <a:solidFill>
-                  <a:sysClr val="windowText" lastClr="000000"/>
-                </a:solidFill>
-                <a:latin typeface="Century" panose="02040604050505020304" pitchFamily="18" charset="0"/>
-                <a:cs typeface="Times New Roman"/>
-              </a:rPr>
-              <a:t>individual</a:t>
-            </a:r>
-            <a:r>
-              <a:rPr lang="en-US" sz="1600" spc="15" dirty="0">
-                <a:solidFill>
-                  <a:sysClr val="windowText" lastClr="000000"/>
-                </a:solidFill>
-                <a:latin typeface="Century" panose="02040604050505020304" pitchFamily="18" charset="0"/>
-                <a:cs typeface="Times New Roman"/>
-              </a:rPr>
-              <a:t> </a:t>
-            </a:r>
-            <a:r>
-              <a:rPr lang="en-US" sz="1600" dirty="0">
-                <a:solidFill>
-                  <a:sysClr val="windowText" lastClr="000000"/>
-                </a:solidFill>
-                <a:latin typeface="Century" panose="02040604050505020304" pitchFamily="18" charset="0"/>
-                <a:cs typeface="Times New Roman"/>
-              </a:rPr>
-              <a:t>features</a:t>
-            </a:r>
-            <a:r>
-              <a:rPr lang="en-US" sz="1600" spc="15" dirty="0">
-                <a:solidFill>
-                  <a:sysClr val="windowText" lastClr="000000"/>
-                </a:solidFill>
-                <a:latin typeface="Century" panose="02040604050505020304" pitchFamily="18" charset="0"/>
-                <a:cs typeface="Times New Roman"/>
-              </a:rPr>
-              <a:t> </a:t>
-            </a:r>
-            <a:r>
-              <a:rPr lang="en-US" sz="1600" dirty="0">
-                <a:solidFill>
-                  <a:sysClr val="windowText" lastClr="000000"/>
-                </a:solidFill>
-                <a:latin typeface="Century" panose="02040604050505020304" pitchFamily="18" charset="0"/>
-                <a:cs typeface="Times New Roman"/>
-              </a:rPr>
-              <a:t>on</a:t>
-            </a:r>
-            <a:r>
-              <a:rPr lang="en-US" sz="1600" spc="20" dirty="0">
-                <a:solidFill>
-                  <a:sysClr val="windowText" lastClr="000000"/>
-                </a:solidFill>
-                <a:latin typeface="Century" panose="02040604050505020304" pitchFamily="18" charset="0"/>
-                <a:cs typeface="Times New Roman"/>
-              </a:rPr>
-              <a:t> </a:t>
-            </a:r>
-            <a:r>
-              <a:rPr lang="en-US" sz="1600" dirty="0">
-                <a:solidFill>
-                  <a:sysClr val="windowText" lastClr="000000"/>
-                </a:solidFill>
-                <a:latin typeface="Century" panose="02040604050505020304" pitchFamily="18" charset="0"/>
-                <a:cs typeface="Times New Roman"/>
-              </a:rPr>
-              <a:t>the Preferred Coffee Selection</a:t>
-            </a:r>
-            <a:r>
-              <a:rPr lang="en-US" sz="1600" spc="-10" dirty="0">
-                <a:solidFill>
-                  <a:sysClr val="windowText" lastClr="000000"/>
-                </a:solidFill>
-                <a:latin typeface="Century" panose="02040604050505020304" pitchFamily="18" charset="0"/>
-                <a:cs typeface="Times New Roman"/>
-              </a:rPr>
-              <a:t>.</a:t>
-            </a:r>
-            <a:endParaRPr lang="en-US" sz="1600" dirty="0">
-              <a:solidFill>
-                <a:sysClr val="windowText" lastClr="000000"/>
-              </a:solidFill>
-              <a:latin typeface="Century" panose="02040604050505020304" pitchFamily="18" charset="0"/>
               <a:cs typeface="Times New Roman"/>
             </a:endParaRPr>
           </a:p>
@@ -7718,6 +6623,7 @@
             </a:extLst>
           </p:cNvPr>
           <p:cNvCxnSpPr>
+            <a:cxnSpLocks/>
             <a:stCxn id="15" idx="4"/>
             <a:endCxn id="13" idx="0"/>
           </p:cNvCxnSpPr>
@@ -7725,8 +6631,8 @@
         </p:nvCxnSpPr>
         <p:spPr>
           <a:xfrm flipH="1">
-            <a:off x="2077656" y="2046339"/>
-            <a:ext cx="1840374" cy="905205"/>
+            <a:off x="2195144" y="2046339"/>
+            <a:ext cx="1722886" cy="905205"/>
           </a:xfrm>
           <a:prstGeom prst="straightConnector1">
             <a:avLst/>
@@ -7768,7 +6674,7 @@
         <p:spPr>
           <a:xfrm>
             <a:off x="3929604" y="2056559"/>
-            <a:ext cx="2439024" cy="894985"/>
+            <a:ext cx="2357191" cy="894985"/>
           </a:xfrm>
           <a:prstGeom prst="straightConnector1">
             <a:avLst/>
@@ -7905,7 +6811,7 @@
         <p:spPr>
           <a:xfrm>
             <a:off x="8929485" y="2951544"/>
-            <a:ext cx="2970843" cy="3431334"/>
+            <a:ext cx="2970843" cy="729205"/>
           </a:xfrm>
           <a:prstGeom prst="roundRect">
             <a:avLst/>
@@ -7984,12 +6890,1218 @@
           </a:p>
         </p:txBody>
       </p:sp>
+    </p:spTree>
+    <p:extLst>
+      <p:ext uri="{BB962C8B-B14F-4D97-AF65-F5344CB8AC3E}">
+        <p14:creationId xmlns:p14="http://schemas.microsoft.com/office/powerpoint/2010/main" val="4103498825"/>
+      </p:ext>
+    </p:extLst>
+  </p:cSld>
+  <p:clrMapOvr>
+    <a:masterClrMapping/>
+  </p:clrMapOvr>
+</p:sld>
+</file>
+
+<file path=ppt/slides/slide14.xml><?xml version="1.0" encoding="utf-8"?>
+<p:sld xmlns:a="http://schemas.openxmlformats.org/drawingml/2006/main" xmlns:r="http://schemas.openxmlformats.org/officeDocument/2006/relationships" xmlns:p="http://schemas.openxmlformats.org/presentationml/2006/main">
+  <p:cSld>
+    <p:bg>
+      <p:bgPr>
+        <a:solidFill>
+          <a:srgbClr val="E0D8C3"/>
+        </a:solidFill>
+        <a:effectLst/>
+      </p:bgPr>
+    </p:bg>
+    <p:spTree>
+      <p:nvGrpSpPr>
+        <p:cNvPr id="1" name=""/>
+        <p:cNvGrpSpPr/>
+        <p:nvPr/>
+      </p:nvGrpSpPr>
+      <p:grpSpPr>
+        <a:xfrm>
+          <a:off x="0" y="0"/>
+          <a:ext cx="0" cy="0"/>
+          <a:chOff x="0" y="0"/>
+          <a:chExt cx="0" cy="0"/>
+        </a:xfrm>
+      </p:grpSpPr>
+      <p:graphicFrame>
+        <p:nvGraphicFramePr>
+          <p:cNvPr id="6" name="Table 5">
+            <a:extLst>
+              <a:ext uri="{FF2B5EF4-FFF2-40B4-BE49-F238E27FC236}">
+                <a16:creationId xmlns:a16="http://schemas.microsoft.com/office/drawing/2014/main" id="{9579E38D-0C48-4B91-86C7-E2AB706147AD}"/>
+              </a:ext>
+            </a:extLst>
+          </p:cNvPr>
+          <p:cNvGraphicFramePr>
+            <a:graphicFrameLocks noGrp="1"/>
+          </p:cNvGraphicFramePr>
+          <p:nvPr>
+            <p:extLst>
+              <p:ext uri="{D42A27DB-BD31-4B8C-83A1-F6EECF244321}">
+                <p14:modId xmlns:p14="http://schemas.microsoft.com/office/powerpoint/2010/main" val="3007441021"/>
+              </p:ext>
+            </p:extLst>
+          </p:nvPr>
+        </p:nvGraphicFramePr>
+        <p:xfrm>
+          <a:off x="673803" y="1312748"/>
+          <a:ext cx="10844393" cy="4232503"/>
+        </p:xfrm>
+        <a:graphic>
+          <a:graphicData uri="http://schemas.openxmlformats.org/drawingml/2006/table">
+            <a:tbl>
+              <a:tblPr/>
+              <a:tblGrid>
+                <a:gridCol w="8710534">
+                  <a:extLst>
+                    <a:ext uri="{9D8B030D-6E8A-4147-A177-3AD203B41FA5}">
+                      <a16:colId xmlns:a16="http://schemas.microsoft.com/office/drawing/2014/main" val="1563877691"/>
+                    </a:ext>
+                  </a:extLst>
+                </a:gridCol>
+                <a:gridCol w="1499800">
+                  <a:extLst>
+                    <a:ext uri="{9D8B030D-6E8A-4147-A177-3AD203B41FA5}">
+                      <a16:colId xmlns:a16="http://schemas.microsoft.com/office/drawing/2014/main" val="3777482395"/>
+                    </a:ext>
+                  </a:extLst>
+                </a:gridCol>
+                <a:gridCol w="634059">
+                  <a:extLst>
+                    <a:ext uri="{9D8B030D-6E8A-4147-A177-3AD203B41FA5}">
+                      <a16:colId xmlns:a16="http://schemas.microsoft.com/office/drawing/2014/main" val="2814886104"/>
+                    </a:ext>
+                  </a:extLst>
+                </a:gridCol>
+              </a:tblGrid>
+              <a:tr h="451179">
+                <a:tc>
+                  <a:txBody>
+                    <a:bodyPr/>
+                    <a:lstStyle/>
+                    <a:p>
+                      <a:pPr algn="l" fontAlgn="b"/>
+                      <a:r>
+                        <a:rPr lang="en-IN" sz="1800" b="0" i="0" u="none" strike="noStrike" dirty="0">
+                          <a:solidFill>
+                            <a:srgbClr val="000000"/>
+                          </a:solidFill>
+                          <a:effectLst/>
+                          <a:latin typeface="Calibri" panose="020F0502020204030204" pitchFamily="34" charset="0"/>
+                        </a:rPr>
+                        <a:t>Column Name </a:t>
+                      </a:r>
+                    </a:p>
+                  </a:txBody>
+                  <a:tcPr marL="7620" marR="7620" marT="7620" marB="0" anchor="b">
+                    <a:lnL>
+                      <a:noFill/>
+                    </a:lnL>
+                    <a:lnR>
+                      <a:noFill/>
+                    </a:lnR>
+                    <a:lnT>
+                      <a:noFill/>
+                    </a:lnT>
+                    <a:lnB>
+                      <a:noFill/>
+                    </a:lnB>
+                  </a:tcPr>
+                </a:tc>
+                <a:tc gridSpan="2">
+                  <a:txBody>
+                    <a:bodyPr/>
+                    <a:lstStyle/>
+                    <a:p>
+                      <a:pPr algn="l" fontAlgn="b"/>
+                      <a:r>
+                        <a:rPr lang="en-IN" sz="1800" b="0" i="0" u="none" strike="noStrike">
+                          <a:solidFill>
+                            <a:srgbClr val="000000"/>
+                          </a:solidFill>
+                          <a:effectLst/>
+                          <a:latin typeface="Calibri" panose="020F0502020204030204" pitchFamily="34" charset="0"/>
+                        </a:rPr>
+                        <a:t>Importance</a:t>
+                      </a:r>
+                    </a:p>
+                  </a:txBody>
+                  <a:tcPr marL="7620" marR="7620" marT="7620" marB="0" anchor="b">
+                    <a:lnL>
+                      <a:noFill/>
+                    </a:lnL>
+                    <a:lnR>
+                      <a:noFill/>
+                    </a:lnR>
+                    <a:lnT>
+                      <a:noFill/>
+                    </a:lnT>
+                    <a:lnB>
+                      <a:noFill/>
+                    </a:lnB>
+                  </a:tcPr>
+                </a:tc>
+                <a:tc hMerge="1">
+                  <a:txBody>
+                    <a:bodyPr/>
+                    <a:lstStyle/>
+                    <a:p>
+                      <a:endParaRPr lang="en-IN"/>
+                    </a:p>
+                  </a:txBody>
+                  <a:tcPr/>
+                </a:tc>
+                <a:extLst>
+                  <a:ext uri="{0D108BD9-81ED-4DB2-BD59-A6C34878D82A}">
+                    <a16:rowId xmlns:a16="http://schemas.microsoft.com/office/drawing/2014/main" val="1829066592"/>
+                  </a:ext>
+                </a:extLst>
+              </a:tr>
+              <a:tr h="405114">
+                <a:tc>
+                  <a:txBody>
+                    <a:bodyPr/>
+                    <a:lstStyle/>
+                    <a:p>
+                      <a:pPr algn="l" fontAlgn="b"/>
+                      <a:r>
+                        <a:rPr lang="en-IN" sz="1800" b="0" i="0" u="none" strike="noStrike" dirty="0">
+                          <a:solidFill>
+                            <a:srgbClr val="000000"/>
+                          </a:solidFill>
+                          <a:effectLst/>
+                          <a:latin typeface="Calibri" panose="020F0502020204030204" pitchFamily="34" charset="0"/>
+                        </a:rPr>
+                        <a:t>Coffee D - Personal Preference</a:t>
+                      </a:r>
+                    </a:p>
+                  </a:txBody>
+                  <a:tcPr marL="7620" marR="7620" marT="7620" marB="0" anchor="b">
+                    <a:lnL>
+                      <a:noFill/>
+                    </a:lnL>
+                    <a:lnR>
+                      <a:noFill/>
+                    </a:lnR>
+                    <a:lnT>
+                      <a:noFill/>
+                    </a:lnT>
+                    <a:lnB>
+                      <a:noFill/>
+                    </a:lnB>
+                  </a:tcPr>
+                </a:tc>
+                <a:tc>
+                  <a:txBody>
+                    <a:bodyPr/>
+                    <a:lstStyle/>
+                    <a:p>
+                      <a:pPr algn="r" fontAlgn="b"/>
+                      <a:r>
+                        <a:rPr lang="en-IN" sz="1800" b="0" i="0" u="none" strike="noStrike">
+                          <a:solidFill>
+                            <a:srgbClr val="000000"/>
+                          </a:solidFill>
+                          <a:effectLst/>
+                          <a:latin typeface="Calibri" panose="020F0502020204030204" pitchFamily="34" charset="0"/>
+                        </a:rPr>
+                        <a:t>0.12554</a:t>
+                      </a:r>
+                    </a:p>
+                  </a:txBody>
+                  <a:tcPr marL="7620" marR="7620" marT="7620" marB="0" anchor="b">
+                    <a:lnL>
+                      <a:noFill/>
+                    </a:lnL>
+                    <a:lnR>
+                      <a:noFill/>
+                    </a:lnR>
+                    <a:lnT>
+                      <a:noFill/>
+                    </a:lnT>
+                    <a:lnB>
+                      <a:noFill/>
+                    </a:lnB>
+                  </a:tcPr>
+                </a:tc>
+                <a:tc>
+                  <a:txBody>
+                    <a:bodyPr/>
+                    <a:lstStyle/>
+                    <a:p>
+                      <a:pPr algn="l" fontAlgn="b"/>
+                      <a:endParaRPr lang="en-IN" sz="1100" b="0" i="0" u="none" strike="noStrike">
+                        <a:solidFill>
+                          <a:srgbClr val="000000"/>
+                        </a:solidFill>
+                        <a:effectLst/>
+                        <a:latin typeface="Calibri" panose="020F0502020204030204" pitchFamily="34" charset="0"/>
+                      </a:endParaRPr>
+                    </a:p>
+                  </a:txBody>
+                  <a:tcPr marL="7620" marR="7620" marT="7620" marB="0" anchor="b">
+                    <a:lnL>
+                      <a:noFill/>
+                    </a:lnL>
+                    <a:lnR>
+                      <a:noFill/>
+                    </a:lnR>
+                    <a:lnT>
+                      <a:noFill/>
+                    </a:lnT>
+                    <a:lnB>
+                      <a:noFill/>
+                    </a:lnB>
+                  </a:tcPr>
+                </a:tc>
+                <a:extLst>
+                  <a:ext uri="{0D108BD9-81ED-4DB2-BD59-A6C34878D82A}">
+                    <a16:rowId xmlns:a16="http://schemas.microsoft.com/office/drawing/2014/main" val="2702620494"/>
+                  </a:ext>
+                </a:extLst>
+              </a:tr>
+              <a:tr h="297550">
+                <a:tc>
+                  <a:txBody>
+                    <a:bodyPr/>
+                    <a:lstStyle/>
+                    <a:p>
+                      <a:pPr algn="l" fontAlgn="b"/>
+                      <a:r>
+                        <a:rPr lang="en-IN" sz="1800" b="0" i="0" u="none" strike="noStrike" dirty="0">
+                          <a:solidFill>
+                            <a:srgbClr val="000000"/>
+                          </a:solidFill>
+                          <a:effectLst/>
+                          <a:latin typeface="Calibri" panose="020F0502020204030204" pitchFamily="34" charset="0"/>
+                        </a:rPr>
+                        <a:t>Coffee A - Personal Preference</a:t>
+                      </a:r>
+                    </a:p>
+                  </a:txBody>
+                  <a:tcPr marL="7620" marR="7620" marT="7620" marB="0" anchor="b">
+                    <a:lnL>
+                      <a:noFill/>
+                    </a:lnL>
+                    <a:lnR>
+                      <a:noFill/>
+                    </a:lnR>
+                    <a:lnT>
+                      <a:noFill/>
+                    </a:lnT>
+                    <a:lnB>
+                      <a:noFill/>
+                    </a:lnB>
+                  </a:tcPr>
+                </a:tc>
+                <a:tc>
+                  <a:txBody>
+                    <a:bodyPr/>
+                    <a:lstStyle/>
+                    <a:p>
+                      <a:pPr algn="r" fontAlgn="b"/>
+                      <a:r>
+                        <a:rPr lang="en-IN" sz="1800" b="0" i="0" u="none" strike="noStrike">
+                          <a:solidFill>
+                            <a:srgbClr val="000000"/>
+                          </a:solidFill>
+                          <a:effectLst/>
+                          <a:latin typeface="Calibri" panose="020F0502020204030204" pitchFamily="34" charset="0"/>
+                        </a:rPr>
+                        <a:t>0.112486</a:t>
+                      </a:r>
+                    </a:p>
+                  </a:txBody>
+                  <a:tcPr marL="7620" marR="7620" marT="7620" marB="0" anchor="b">
+                    <a:lnL>
+                      <a:noFill/>
+                    </a:lnL>
+                    <a:lnR>
+                      <a:noFill/>
+                    </a:lnR>
+                    <a:lnT>
+                      <a:noFill/>
+                    </a:lnT>
+                    <a:lnB>
+                      <a:noFill/>
+                    </a:lnB>
+                  </a:tcPr>
+                </a:tc>
+                <a:tc>
+                  <a:txBody>
+                    <a:bodyPr/>
+                    <a:lstStyle/>
+                    <a:p>
+                      <a:pPr algn="l" fontAlgn="b"/>
+                      <a:endParaRPr lang="en-IN" sz="1100" b="0" i="0" u="none" strike="noStrike">
+                        <a:solidFill>
+                          <a:srgbClr val="000000"/>
+                        </a:solidFill>
+                        <a:effectLst/>
+                        <a:latin typeface="Calibri" panose="020F0502020204030204" pitchFamily="34" charset="0"/>
+                      </a:endParaRPr>
+                    </a:p>
+                  </a:txBody>
+                  <a:tcPr marL="7620" marR="7620" marT="7620" marB="0" anchor="b">
+                    <a:lnL>
+                      <a:noFill/>
+                    </a:lnL>
+                    <a:lnR>
+                      <a:noFill/>
+                    </a:lnR>
+                    <a:lnT>
+                      <a:noFill/>
+                    </a:lnT>
+                    <a:lnB>
+                      <a:noFill/>
+                    </a:lnB>
+                  </a:tcPr>
+                </a:tc>
+                <a:extLst>
+                  <a:ext uri="{0D108BD9-81ED-4DB2-BD59-A6C34878D82A}">
+                    <a16:rowId xmlns:a16="http://schemas.microsoft.com/office/drawing/2014/main" val="3458271499"/>
+                  </a:ext>
+                </a:extLst>
+              </a:tr>
+              <a:tr h="338248">
+                <a:tc>
+                  <a:txBody>
+                    <a:bodyPr/>
+                    <a:lstStyle/>
+                    <a:p>
+                      <a:pPr algn="l" fontAlgn="b"/>
+                      <a:r>
+                        <a:rPr lang="en-IN" sz="1800" b="0" i="0" u="none" strike="noStrike" dirty="0">
+                          <a:solidFill>
+                            <a:srgbClr val="000000"/>
+                          </a:solidFill>
+                          <a:effectLst/>
+                          <a:latin typeface="Calibri" panose="020F0502020204030204" pitchFamily="34" charset="0"/>
+                        </a:rPr>
+                        <a:t>Coffee C - Personal Preference</a:t>
+                      </a:r>
+                    </a:p>
+                  </a:txBody>
+                  <a:tcPr marL="7620" marR="7620" marT="7620" marB="0" anchor="b">
+                    <a:lnL>
+                      <a:noFill/>
+                    </a:lnL>
+                    <a:lnR>
+                      <a:noFill/>
+                    </a:lnR>
+                    <a:lnT>
+                      <a:noFill/>
+                    </a:lnT>
+                    <a:lnB>
+                      <a:noFill/>
+                    </a:lnB>
+                  </a:tcPr>
+                </a:tc>
+                <a:tc>
+                  <a:txBody>
+                    <a:bodyPr/>
+                    <a:lstStyle/>
+                    <a:p>
+                      <a:pPr algn="r" fontAlgn="b"/>
+                      <a:r>
+                        <a:rPr lang="en-IN" sz="1800" b="0" i="0" u="none" strike="noStrike">
+                          <a:solidFill>
+                            <a:srgbClr val="000000"/>
+                          </a:solidFill>
+                          <a:effectLst/>
+                          <a:latin typeface="Calibri" panose="020F0502020204030204" pitchFamily="34" charset="0"/>
+                        </a:rPr>
+                        <a:t>0.100995</a:t>
+                      </a:r>
+                    </a:p>
+                  </a:txBody>
+                  <a:tcPr marL="7620" marR="7620" marT="7620" marB="0" anchor="b">
+                    <a:lnL>
+                      <a:noFill/>
+                    </a:lnL>
+                    <a:lnR>
+                      <a:noFill/>
+                    </a:lnR>
+                    <a:lnT>
+                      <a:noFill/>
+                    </a:lnT>
+                    <a:lnB>
+                      <a:noFill/>
+                    </a:lnB>
+                  </a:tcPr>
+                </a:tc>
+                <a:tc>
+                  <a:txBody>
+                    <a:bodyPr/>
+                    <a:lstStyle/>
+                    <a:p>
+                      <a:pPr algn="l" fontAlgn="b"/>
+                      <a:endParaRPr lang="en-IN" sz="1100" b="0" i="0" u="none" strike="noStrike">
+                        <a:solidFill>
+                          <a:srgbClr val="000000"/>
+                        </a:solidFill>
+                        <a:effectLst/>
+                        <a:latin typeface="Calibri" panose="020F0502020204030204" pitchFamily="34" charset="0"/>
+                      </a:endParaRPr>
+                    </a:p>
+                  </a:txBody>
+                  <a:tcPr marL="7620" marR="7620" marT="7620" marB="0" anchor="b">
+                    <a:lnL>
+                      <a:noFill/>
+                    </a:lnL>
+                    <a:lnR>
+                      <a:noFill/>
+                    </a:lnR>
+                    <a:lnT>
+                      <a:noFill/>
+                    </a:lnT>
+                    <a:lnB>
+                      <a:noFill/>
+                    </a:lnB>
+                  </a:tcPr>
+                </a:tc>
+                <a:extLst>
+                  <a:ext uri="{0D108BD9-81ED-4DB2-BD59-A6C34878D82A}">
+                    <a16:rowId xmlns:a16="http://schemas.microsoft.com/office/drawing/2014/main" val="549621842"/>
+                  </a:ext>
+                </a:extLst>
+              </a:tr>
+              <a:tr h="340758">
+                <a:tc>
+                  <a:txBody>
+                    <a:bodyPr/>
+                    <a:lstStyle/>
+                    <a:p>
+                      <a:pPr algn="l" fontAlgn="b"/>
+                      <a:r>
+                        <a:rPr lang="en-IN" sz="1800" b="0" i="0" u="none" strike="noStrike" dirty="0">
+                          <a:solidFill>
+                            <a:srgbClr val="000000"/>
+                          </a:solidFill>
+                          <a:effectLst/>
+                          <a:latin typeface="Calibri" panose="020F0502020204030204" pitchFamily="34" charset="0"/>
+                        </a:rPr>
+                        <a:t>Coffee B - Personal Preference</a:t>
+                      </a:r>
+                    </a:p>
+                  </a:txBody>
+                  <a:tcPr marL="7620" marR="7620" marT="7620" marB="0" anchor="b">
+                    <a:lnL>
+                      <a:noFill/>
+                    </a:lnL>
+                    <a:lnR>
+                      <a:noFill/>
+                    </a:lnR>
+                    <a:lnT>
+                      <a:noFill/>
+                    </a:lnT>
+                    <a:lnB>
+                      <a:noFill/>
+                    </a:lnB>
+                  </a:tcPr>
+                </a:tc>
+                <a:tc>
+                  <a:txBody>
+                    <a:bodyPr/>
+                    <a:lstStyle/>
+                    <a:p>
+                      <a:pPr algn="r" fontAlgn="b"/>
+                      <a:r>
+                        <a:rPr lang="en-IN" sz="1800" b="0" i="0" u="none" strike="noStrike">
+                          <a:solidFill>
+                            <a:srgbClr val="000000"/>
+                          </a:solidFill>
+                          <a:effectLst/>
+                          <a:latin typeface="Calibri" panose="020F0502020204030204" pitchFamily="34" charset="0"/>
+                        </a:rPr>
+                        <a:t>0.094957</a:t>
+                      </a:r>
+                    </a:p>
+                  </a:txBody>
+                  <a:tcPr marL="7620" marR="7620" marT="7620" marB="0" anchor="b">
+                    <a:lnL>
+                      <a:noFill/>
+                    </a:lnL>
+                    <a:lnR>
+                      <a:noFill/>
+                    </a:lnR>
+                    <a:lnT>
+                      <a:noFill/>
+                    </a:lnT>
+                    <a:lnB>
+                      <a:noFill/>
+                    </a:lnB>
+                  </a:tcPr>
+                </a:tc>
+                <a:tc>
+                  <a:txBody>
+                    <a:bodyPr/>
+                    <a:lstStyle/>
+                    <a:p>
+                      <a:pPr algn="l" fontAlgn="b"/>
+                      <a:endParaRPr lang="en-IN" sz="1100" b="0" i="0" u="none" strike="noStrike">
+                        <a:solidFill>
+                          <a:srgbClr val="000000"/>
+                        </a:solidFill>
+                        <a:effectLst/>
+                        <a:latin typeface="Calibri" panose="020F0502020204030204" pitchFamily="34" charset="0"/>
+                      </a:endParaRPr>
+                    </a:p>
+                  </a:txBody>
+                  <a:tcPr marL="7620" marR="7620" marT="7620" marB="0" anchor="b">
+                    <a:lnL>
+                      <a:noFill/>
+                    </a:lnL>
+                    <a:lnR>
+                      <a:noFill/>
+                    </a:lnR>
+                    <a:lnT>
+                      <a:noFill/>
+                    </a:lnT>
+                    <a:lnB>
+                      <a:noFill/>
+                    </a:lnB>
+                  </a:tcPr>
+                </a:tc>
+                <a:extLst>
+                  <a:ext uri="{0D108BD9-81ED-4DB2-BD59-A6C34878D82A}">
+                    <a16:rowId xmlns:a16="http://schemas.microsoft.com/office/drawing/2014/main" val="2883441573"/>
+                  </a:ext>
+                </a:extLst>
+              </a:tr>
+              <a:tr h="289130">
+                <a:tc>
+                  <a:txBody>
+                    <a:bodyPr/>
+                    <a:lstStyle/>
+                    <a:p>
+                      <a:pPr algn="l" fontAlgn="b"/>
+                      <a:r>
+                        <a:rPr lang="en-US" sz="1800" b="0" i="0" u="none" strike="noStrike" dirty="0">
+                          <a:solidFill>
+                            <a:srgbClr val="000000"/>
+                          </a:solidFill>
+                          <a:effectLst/>
+                          <a:latin typeface="Calibri" panose="020F0502020204030204" pitchFamily="34" charset="0"/>
+                        </a:rPr>
+                        <a:t>Before today's tasting, which of the following best described what kind of coffee you like?</a:t>
+                      </a:r>
+                    </a:p>
+                  </a:txBody>
+                  <a:tcPr marL="7620" marR="7620" marT="7620" marB="0" anchor="b">
+                    <a:lnL>
+                      <a:noFill/>
+                    </a:lnL>
+                    <a:lnR>
+                      <a:noFill/>
+                    </a:lnR>
+                    <a:lnT>
+                      <a:noFill/>
+                    </a:lnT>
+                    <a:lnB>
+                      <a:noFill/>
+                    </a:lnB>
+                  </a:tcPr>
+                </a:tc>
+                <a:tc>
+                  <a:txBody>
+                    <a:bodyPr/>
+                    <a:lstStyle/>
+                    <a:p>
+                      <a:pPr algn="r" fontAlgn="b"/>
+                      <a:r>
+                        <a:rPr lang="en-IN" sz="1800" b="0" i="0" u="none" strike="noStrike">
+                          <a:solidFill>
+                            <a:srgbClr val="000000"/>
+                          </a:solidFill>
+                          <a:effectLst/>
+                          <a:latin typeface="Calibri" panose="020F0502020204030204" pitchFamily="34" charset="0"/>
+                        </a:rPr>
+                        <a:t>0.026022</a:t>
+                      </a:r>
+                    </a:p>
+                  </a:txBody>
+                  <a:tcPr marL="7620" marR="7620" marT="7620" marB="0" anchor="b">
+                    <a:lnL>
+                      <a:noFill/>
+                    </a:lnL>
+                    <a:lnR>
+                      <a:noFill/>
+                    </a:lnR>
+                    <a:lnT>
+                      <a:noFill/>
+                    </a:lnT>
+                    <a:lnB>
+                      <a:noFill/>
+                    </a:lnB>
+                  </a:tcPr>
+                </a:tc>
+                <a:tc>
+                  <a:txBody>
+                    <a:bodyPr/>
+                    <a:lstStyle/>
+                    <a:p>
+                      <a:pPr algn="l" fontAlgn="b"/>
+                      <a:endParaRPr lang="en-IN" sz="1100" b="0" i="0" u="none" strike="noStrike">
+                        <a:solidFill>
+                          <a:srgbClr val="000000"/>
+                        </a:solidFill>
+                        <a:effectLst/>
+                        <a:latin typeface="Calibri" panose="020F0502020204030204" pitchFamily="34" charset="0"/>
+                      </a:endParaRPr>
+                    </a:p>
+                  </a:txBody>
+                  <a:tcPr marL="7620" marR="7620" marT="7620" marB="0" anchor="b">
+                    <a:lnL>
+                      <a:noFill/>
+                    </a:lnL>
+                    <a:lnR>
+                      <a:noFill/>
+                    </a:lnR>
+                    <a:lnT>
+                      <a:noFill/>
+                    </a:lnT>
+                    <a:lnB>
+                      <a:noFill/>
+                    </a:lnB>
+                  </a:tcPr>
+                </a:tc>
+                <a:extLst>
+                  <a:ext uri="{0D108BD9-81ED-4DB2-BD59-A6C34878D82A}">
+                    <a16:rowId xmlns:a16="http://schemas.microsoft.com/office/drawing/2014/main" val="1009862270"/>
+                  </a:ext>
+                </a:extLst>
+              </a:tr>
+              <a:tr h="345776">
+                <a:tc>
+                  <a:txBody>
+                    <a:bodyPr/>
+                    <a:lstStyle/>
+                    <a:p>
+                      <a:pPr algn="l" fontAlgn="b"/>
+                      <a:r>
+                        <a:rPr lang="en-US" sz="1800" b="0" i="0" u="none" strike="noStrike" dirty="0">
+                          <a:solidFill>
+                            <a:srgbClr val="000000"/>
+                          </a:solidFill>
+                          <a:effectLst/>
+                          <a:latin typeface="Calibri" panose="020F0502020204030204" pitchFamily="34" charset="0"/>
+                        </a:rPr>
+                        <a:t>Lastly, how would you rate your own coffee expertise?</a:t>
+                      </a:r>
+                    </a:p>
+                  </a:txBody>
+                  <a:tcPr marL="7620" marR="7620" marT="7620" marB="0" anchor="b">
+                    <a:lnL>
+                      <a:noFill/>
+                    </a:lnL>
+                    <a:lnR>
+                      <a:noFill/>
+                    </a:lnR>
+                    <a:lnT>
+                      <a:noFill/>
+                    </a:lnT>
+                    <a:lnB>
+                      <a:noFill/>
+                    </a:lnB>
+                  </a:tcPr>
+                </a:tc>
+                <a:tc>
+                  <a:txBody>
+                    <a:bodyPr/>
+                    <a:lstStyle/>
+                    <a:p>
+                      <a:pPr algn="r" fontAlgn="b"/>
+                      <a:r>
+                        <a:rPr lang="en-IN" sz="1800" b="0" i="0" u="none" strike="noStrike">
+                          <a:solidFill>
+                            <a:srgbClr val="000000"/>
+                          </a:solidFill>
+                          <a:effectLst/>
+                          <a:latin typeface="Calibri" panose="020F0502020204030204" pitchFamily="34" charset="0"/>
+                        </a:rPr>
+                        <a:t>0.022799</a:t>
+                      </a:r>
+                    </a:p>
+                  </a:txBody>
+                  <a:tcPr marL="7620" marR="7620" marT="7620" marB="0" anchor="b">
+                    <a:lnL>
+                      <a:noFill/>
+                    </a:lnL>
+                    <a:lnR>
+                      <a:noFill/>
+                    </a:lnR>
+                    <a:lnT>
+                      <a:noFill/>
+                    </a:lnT>
+                    <a:lnB>
+                      <a:noFill/>
+                    </a:lnB>
+                  </a:tcPr>
+                </a:tc>
+                <a:tc>
+                  <a:txBody>
+                    <a:bodyPr/>
+                    <a:lstStyle/>
+                    <a:p>
+                      <a:pPr algn="l" fontAlgn="b"/>
+                      <a:endParaRPr lang="en-IN" sz="1100" b="0" i="0" u="none" strike="noStrike">
+                        <a:solidFill>
+                          <a:srgbClr val="000000"/>
+                        </a:solidFill>
+                        <a:effectLst/>
+                        <a:latin typeface="Calibri" panose="020F0502020204030204" pitchFamily="34" charset="0"/>
+                      </a:endParaRPr>
+                    </a:p>
+                  </a:txBody>
+                  <a:tcPr marL="7620" marR="7620" marT="7620" marB="0" anchor="b">
+                    <a:lnL>
+                      <a:noFill/>
+                    </a:lnL>
+                    <a:lnR>
+                      <a:noFill/>
+                    </a:lnR>
+                    <a:lnT>
+                      <a:noFill/>
+                    </a:lnT>
+                    <a:lnB>
+                      <a:noFill/>
+                    </a:lnB>
+                  </a:tcPr>
+                </a:tc>
+                <a:extLst>
+                  <a:ext uri="{0D108BD9-81ED-4DB2-BD59-A6C34878D82A}">
+                    <a16:rowId xmlns:a16="http://schemas.microsoft.com/office/drawing/2014/main" val="2060956771"/>
+                  </a:ext>
+                </a:extLst>
+              </a:tr>
+              <a:tr h="424664">
+                <a:tc>
+                  <a:txBody>
+                    <a:bodyPr/>
+                    <a:lstStyle/>
+                    <a:p>
+                      <a:pPr algn="l" fontAlgn="b"/>
+                      <a:r>
+                        <a:rPr lang="en-US" sz="1800" b="0" i="0" u="none" strike="noStrike" dirty="0">
+                          <a:solidFill>
+                            <a:srgbClr val="000000"/>
+                          </a:solidFill>
+                          <a:effectLst/>
+                          <a:latin typeface="Calibri" panose="020F0502020204030204" pitchFamily="34" charset="0"/>
+                        </a:rPr>
+                        <a:t>What is your favorite coffee drink?</a:t>
+                      </a:r>
+                    </a:p>
+                  </a:txBody>
+                  <a:tcPr marL="7620" marR="7620" marT="7620" marB="0" anchor="b">
+                    <a:lnL>
+                      <a:noFill/>
+                    </a:lnL>
+                    <a:lnR>
+                      <a:noFill/>
+                    </a:lnR>
+                    <a:lnT>
+                      <a:noFill/>
+                    </a:lnT>
+                    <a:lnB>
+                      <a:noFill/>
+                    </a:lnB>
+                  </a:tcPr>
+                </a:tc>
+                <a:tc>
+                  <a:txBody>
+                    <a:bodyPr/>
+                    <a:lstStyle/>
+                    <a:p>
+                      <a:pPr algn="r" fontAlgn="b"/>
+                      <a:r>
+                        <a:rPr lang="en-IN" sz="1800" b="0" i="0" u="none" strike="noStrike">
+                          <a:solidFill>
+                            <a:srgbClr val="000000"/>
+                          </a:solidFill>
+                          <a:effectLst/>
+                          <a:latin typeface="Calibri" panose="020F0502020204030204" pitchFamily="34" charset="0"/>
+                        </a:rPr>
+                        <a:t>0.021511</a:t>
+                      </a:r>
+                    </a:p>
+                  </a:txBody>
+                  <a:tcPr marL="7620" marR="7620" marT="7620" marB="0" anchor="b">
+                    <a:lnL>
+                      <a:noFill/>
+                    </a:lnL>
+                    <a:lnR>
+                      <a:noFill/>
+                    </a:lnR>
+                    <a:lnT>
+                      <a:noFill/>
+                    </a:lnT>
+                    <a:lnB>
+                      <a:noFill/>
+                    </a:lnB>
+                  </a:tcPr>
+                </a:tc>
+                <a:tc>
+                  <a:txBody>
+                    <a:bodyPr/>
+                    <a:lstStyle/>
+                    <a:p>
+                      <a:pPr algn="l" fontAlgn="b"/>
+                      <a:endParaRPr lang="en-IN" sz="1100" b="0" i="0" u="none" strike="noStrike">
+                        <a:solidFill>
+                          <a:srgbClr val="000000"/>
+                        </a:solidFill>
+                        <a:effectLst/>
+                        <a:latin typeface="Calibri" panose="020F0502020204030204" pitchFamily="34" charset="0"/>
+                      </a:endParaRPr>
+                    </a:p>
+                  </a:txBody>
+                  <a:tcPr marL="7620" marR="7620" marT="7620" marB="0" anchor="b">
+                    <a:lnL>
+                      <a:noFill/>
+                    </a:lnL>
+                    <a:lnR>
+                      <a:noFill/>
+                    </a:lnR>
+                    <a:lnT>
+                      <a:noFill/>
+                    </a:lnT>
+                    <a:lnB>
+                      <a:noFill/>
+                    </a:lnB>
+                  </a:tcPr>
+                </a:tc>
+                <a:extLst>
+                  <a:ext uri="{0D108BD9-81ED-4DB2-BD59-A6C34878D82A}">
+                    <a16:rowId xmlns:a16="http://schemas.microsoft.com/office/drawing/2014/main" val="2785201706"/>
+                  </a:ext>
+                </a:extLst>
+              </a:tr>
+              <a:tr h="400994">
+                <a:tc>
+                  <a:txBody>
+                    <a:bodyPr/>
+                    <a:lstStyle/>
+                    <a:p>
+                      <a:pPr algn="l" fontAlgn="b"/>
+                      <a:r>
+                        <a:rPr lang="en-US" sz="1800" b="0" i="0" u="none" strike="noStrike" dirty="0">
+                          <a:solidFill>
+                            <a:srgbClr val="000000"/>
+                          </a:solidFill>
+                          <a:effectLst/>
+                          <a:latin typeface="Calibri" panose="020F0502020204030204" pitchFamily="34" charset="0"/>
+                        </a:rPr>
+                        <a:t>What roast level of coffee do you prefer?</a:t>
+                      </a:r>
+                    </a:p>
+                  </a:txBody>
+                  <a:tcPr marL="7620" marR="7620" marT="7620" marB="0" anchor="b">
+                    <a:lnL>
+                      <a:noFill/>
+                    </a:lnL>
+                    <a:lnR>
+                      <a:noFill/>
+                    </a:lnR>
+                    <a:lnT>
+                      <a:noFill/>
+                    </a:lnT>
+                    <a:lnB>
+                      <a:noFill/>
+                    </a:lnB>
+                  </a:tcPr>
+                </a:tc>
+                <a:tc>
+                  <a:txBody>
+                    <a:bodyPr/>
+                    <a:lstStyle/>
+                    <a:p>
+                      <a:pPr algn="r" fontAlgn="b"/>
+                      <a:r>
+                        <a:rPr lang="en-IN" sz="1800" b="0" i="0" u="none" strike="noStrike">
+                          <a:solidFill>
+                            <a:srgbClr val="000000"/>
+                          </a:solidFill>
+                          <a:effectLst/>
+                          <a:latin typeface="Calibri" panose="020F0502020204030204" pitchFamily="34" charset="0"/>
+                        </a:rPr>
+                        <a:t>0.020229</a:t>
+                      </a:r>
+                    </a:p>
+                  </a:txBody>
+                  <a:tcPr marL="7620" marR="7620" marT="7620" marB="0" anchor="b">
+                    <a:lnL>
+                      <a:noFill/>
+                    </a:lnL>
+                    <a:lnR>
+                      <a:noFill/>
+                    </a:lnR>
+                    <a:lnT>
+                      <a:noFill/>
+                    </a:lnT>
+                    <a:lnB>
+                      <a:noFill/>
+                    </a:lnB>
+                  </a:tcPr>
+                </a:tc>
+                <a:tc>
+                  <a:txBody>
+                    <a:bodyPr/>
+                    <a:lstStyle/>
+                    <a:p>
+                      <a:pPr algn="l" fontAlgn="b"/>
+                      <a:endParaRPr lang="en-IN" sz="1100" b="0" i="0" u="none" strike="noStrike">
+                        <a:solidFill>
+                          <a:srgbClr val="000000"/>
+                        </a:solidFill>
+                        <a:effectLst/>
+                        <a:latin typeface="Calibri" panose="020F0502020204030204" pitchFamily="34" charset="0"/>
+                      </a:endParaRPr>
+                    </a:p>
+                  </a:txBody>
+                  <a:tcPr marL="7620" marR="7620" marT="7620" marB="0" anchor="b">
+                    <a:lnL>
+                      <a:noFill/>
+                    </a:lnL>
+                    <a:lnR>
+                      <a:noFill/>
+                    </a:lnR>
+                    <a:lnT>
+                      <a:noFill/>
+                    </a:lnT>
+                    <a:lnB>
+                      <a:noFill/>
+                    </a:lnB>
+                  </a:tcPr>
+                </a:tc>
+                <a:extLst>
+                  <a:ext uri="{0D108BD9-81ED-4DB2-BD59-A6C34878D82A}">
+                    <a16:rowId xmlns:a16="http://schemas.microsoft.com/office/drawing/2014/main" val="3840981229"/>
+                  </a:ext>
+                </a:extLst>
+              </a:tr>
+              <a:tr h="503450">
+                <a:tc>
+                  <a:txBody>
+                    <a:bodyPr/>
+                    <a:lstStyle/>
+                    <a:p>
+                      <a:pPr algn="l" fontAlgn="b"/>
+                      <a:r>
+                        <a:rPr lang="en-US" sz="1800" b="0" i="0" u="none" strike="noStrike" dirty="0">
+                          <a:solidFill>
+                            <a:srgbClr val="000000"/>
+                          </a:solidFill>
+                          <a:effectLst/>
+                          <a:latin typeface="Calibri" panose="020F0502020204030204" pitchFamily="34" charset="0"/>
+                        </a:rPr>
+                        <a:t>What is the most you'd ever be willing to pay for a cup of coffee?</a:t>
+                      </a:r>
+                    </a:p>
+                  </a:txBody>
+                  <a:tcPr marL="7620" marR="7620" marT="7620" marB="0" anchor="b">
+                    <a:lnL>
+                      <a:noFill/>
+                    </a:lnL>
+                    <a:lnR>
+                      <a:noFill/>
+                    </a:lnR>
+                    <a:lnT>
+                      <a:noFill/>
+                    </a:lnT>
+                    <a:lnB>
+                      <a:noFill/>
+                    </a:lnB>
+                  </a:tcPr>
+                </a:tc>
+                <a:tc>
+                  <a:txBody>
+                    <a:bodyPr/>
+                    <a:lstStyle/>
+                    <a:p>
+                      <a:pPr algn="r" fontAlgn="b"/>
+                      <a:r>
+                        <a:rPr lang="en-IN" sz="1800" b="0" i="0" u="none" strike="noStrike">
+                          <a:solidFill>
+                            <a:srgbClr val="000000"/>
+                          </a:solidFill>
+                          <a:effectLst/>
+                          <a:latin typeface="Calibri" panose="020F0502020204030204" pitchFamily="34" charset="0"/>
+                        </a:rPr>
+                        <a:t>0.018391</a:t>
+                      </a:r>
+                    </a:p>
+                  </a:txBody>
+                  <a:tcPr marL="7620" marR="7620" marT="7620" marB="0" anchor="b">
+                    <a:lnL>
+                      <a:noFill/>
+                    </a:lnL>
+                    <a:lnR>
+                      <a:noFill/>
+                    </a:lnR>
+                    <a:lnT>
+                      <a:noFill/>
+                    </a:lnT>
+                    <a:lnB>
+                      <a:noFill/>
+                    </a:lnB>
+                  </a:tcPr>
+                </a:tc>
+                <a:tc>
+                  <a:txBody>
+                    <a:bodyPr/>
+                    <a:lstStyle/>
+                    <a:p>
+                      <a:pPr algn="l" fontAlgn="b"/>
+                      <a:endParaRPr lang="en-IN" sz="1100" b="0" i="0" u="none" strike="noStrike">
+                        <a:solidFill>
+                          <a:srgbClr val="000000"/>
+                        </a:solidFill>
+                        <a:effectLst/>
+                        <a:latin typeface="Calibri" panose="020F0502020204030204" pitchFamily="34" charset="0"/>
+                      </a:endParaRPr>
+                    </a:p>
+                  </a:txBody>
+                  <a:tcPr marL="7620" marR="7620" marT="7620" marB="0" anchor="b">
+                    <a:lnL>
+                      <a:noFill/>
+                    </a:lnL>
+                    <a:lnR>
+                      <a:noFill/>
+                    </a:lnR>
+                    <a:lnT>
+                      <a:noFill/>
+                    </a:lnT>
+                    <a:lnB>
+                      <a:noFill/>
+                    </a:lnB>
+                  </a:tcPr>
+                </a:tc>
+                <a:extLst>
+                  <a:ext uri="{0D108BD9-81ED-4DB2-BD59-A6C34878D82A}">
+                    <a16:rowId xmlns:a16="http://schemas.microsoft.com/office/drawing/2014/main" val="2102576198"/>
+                  </a:ext>
+                </a:extLst>
+              </a:tr>
+              <a:tr h="435640">
+                <a:tc>
+                  <a:txBody>
+                    <a:bodyPr/>
+                    <a:lstStyle/>
+                    <a:p>
+                      <a:pPr algn="l" fontAlgn="b"/>
+                      <a:r>
+                        <a:rPr lang="en-US" sz="1800" b="0" i="0" u="none" strike="noStrike" dirty="0">
+                          <a:solidFill>
+                            <a:srgbClr val="000000"/>
+                          </a:solidFill>
+                          <a:effectLst/>
+                          <a:latin typeface="Calibri" panose="020F0502020204030204" pitchFamily="34" charset="0"/>
+                        </a:rPr>
+                        <a:t>Approximately how much have you spent on coffee equipment in the past 5 years?</a:t>
+                      </a:r>
+                    </a:p>
+                  </a:txBody>
+                  <a:tcPr marL="7620" marR="7620" marT="7620" marB="0" anchor="b">
+                    <a:lnL>
+                      <a:noFill/>
+                    </a:lnL>
+                    <a:lnR>
+                      <a:noFill/>
+                    </a:lnR>
+                    <a:lnT>
+                      <a:noFill/>
+                    </a:lnT>
+                    <a:lnB>
+                      <a:noFill/>
+                    </a:lnB>
+                  </a:tcPr>
+                </a:tc>
+                <a:tc>
+                  <a:txBody>
+                    <a:bodyPr/>
+                    <a:lstStyle/>
+                    <a:p>
+                      <a:pPr algn="r" fontAlgn="b"/>
+                      <a:r>
+                        <a:rPr lang="en-IN" sz="1800" b="0" i="0" u="none" strike="noStrike" dirty="0">
+                          <a:solidFill>
+                            <a:srgbClr val="000000"/>
+                          </a:solidFill>
+                          <a:effectLst/>
+                          <a:latin typeface="Calibri" panose="020F0502020204030204" pitchFamily="34" charset="0"/>
+                        </a:rPr>
+                        <a:t>0.017746</a:t>
+                      </a:r>
+                    </a:p>
+                  </a:txBody>
+                  <a:tcPr marL="7620" marR="7620" marT="7620" marB="0" anchor="b">
+                    <a:lnL>
+                      <a:noFill/>
+                    </a:lnL>
+                    <a:lnR>
+                      <a:noFill/>
+                    </a:lnR>
+                    <a:lnT>
+                      <a:noFill/>
+                    </a:lnT>
+                    <a:lnB>
+                      <a:noFill/>
+                    </a:lnB>
+                  </a:tcPr>
+                </a:tc>
+                <a:tc>
+                  <a:txBody>
+                    <a:bodyPr/>
+                    <a:lstStyle/>
+                    <a:p>
+                      <a:pPr algn="l" fontAlgn="b"/>
+                      <a:endParaRPr lang="en-IN" sz="1100" b="0" i="0" u="none" strike="noStrike" dirty="0">
+                        <a:solidFill>
+                          <a:srgbClr val="000000"/>
+                        </a:solidFill>
+                        <a:effectLst/>
+                        <a:latin typeface="Calibri" panose="020F0502020204030204" pitchFamily="34" charset="0"/>
+                      </a:endParaRPr>
+                    </a:p>
+                  </a:txBody>
+                  <a:tcPr marL="7620" marR="7620" marT="7620" marB="0" anchor="b">
+                    <a:lnL>
+                      <a:noFill/>
+                    </a:lnL>
+                    <a:lnR>
+                      <a:noFill/>
+                    </a:lnR>
+                    <a:lnT>
+                      <a:noFill/>
+                    </a:lnT>
+                    <a:lnB>
+                      <a:noFill/>
+                    </a:lnB>
+                  </a:tcPr>
+                </a:tc>
+                <a:extLst>
+                  <a:ext uri="{0D108BD9-81ED-4DB2-BD59-A6C34878D82A}">
+                    <a16:rowId xmlns:a16="http://schemas.microsoft.com/office/drawing/2014/main" val="576509298"/>
+                  </a:ext>
+                </a:extLst>
+              </a:tr>
+            </a:tbl>
+          </a:graphicData>
+        </a:graphic>
+      </p:graphicFrame>
       <p:sp>
         <p:nvSpPr>
-          <p:cNvPr id="27" name="TextBox 26">
+          <p:cNvPr id="7" name="TextBox 6">
             <a:extLst>
               <a:ext uri="{FF2B5EF4-FFF2-40B4-BE49-F238E27FC236}">
-                <a16:creationId xmlns:a16="http://schemas.microsoft.com/office/drawing/2014/main" id="{EB27646B-A2A3-48D8-94BD-D6F12809FE40}"/>
+                <a16:creationId xmlns:a16="http://schemas.microsoft.com/office/drawing/2014/main" id="{6C269E21-E460-4423-9878-9F7E49E7BDC3}"/>
               </a:ext>
             </a:extLst>
           </p:cNvPr>
@@ -7998,8 +8110,8 @@
         </p:nvSpPr>
         <p:spPr>
           <a:xfrm>
-            <a:off x="9074552" y="3551719"/>
-            <a:ext cx="2696901" cy="2720617"/>
+            <a:off x="4294208" y="231494"/>
+            <a:ext cx="4016415" cy="584775"/>
           </a:xfrm>
           <a:prstGeom prst="rect">
             <a:avLst/>
@@ -8012,25 +8124,12 @@
           </a:bodyPr>
           <a:lstStyle/>
           <a:p>
-            <a:pPr algn="ctr">
-              <a:lnSpc>
-                <a:spcPts val="2600"/>
-              </a:lnSpc>
-              <a:spcAft>
-                <a:spcPts val="1200"/>
-              </a:spcAft>
-            </a:pPr>
-            <a:r>
-              <a:rPr lang="en-IN" sz="1600" dirty="0" err="1">
+            <a:pPr algn="ctr"/>
+            <a:r>
+              <a:rPr lang="en-IN" sz="3200" b="1" dirty="0">
                 <a:latin typeface="Century" panose="02040604050505020304" pitchFamily="18" charset="0"/>
               </a:rPr>
-              <a:t>Kmodes</a:t>
-            </a:r>
-            <a:r>
-              <a:rPr lang="en-IN" sz="1600" dirty="0">
-                <a:latin typeface="Century" panose="02040604050505020304" pitchFamily="18" charset="0"/>
-              </a:rPr>
-              <a:t> Clustering is done here to Cluster the labels. We have used this method because it does not need Numerical Values to Predict. It accepts categorical variable as its features</a:t>
+              <a:t>Feature Importance</a:t>
             </a:r>
           </a:p>
         </p:txBody>
@@ -8038,7 +8137,886 @@
     </p:spTree>
     <p:extLst>
       <p:ext uri="{BB962C8B-B14F-4D97-AF65-F5344CB8AC3E}">
-        <p14:creationId xmlns:p14="http://schemas.microsoft.com/office/powerpoint/2010/main" val="4103498825"/>
+        <p14:creationId xmlns:p14="http://schemas.microsoft.com/office/powerpoint/2010/main" val="3774532125"/>
+      </p:ext>
+    </p:extLst>
+  </p:cSld>
+  <p:clrMapOvr>
+    <a:masterClrMapping/>
+  </p:clrMapOvr>
+</p:sld>
+</file>
+
+<file path=ppt/slides/slide15.xml><?xml version="1.0" encoding="utf-8"?>
+<p:sld xmlns:a="http://schemas.openxmlformats.org/drawingml/2006/main" xmlns:r="http://schemas.openxmlformats.org/officeDocument/2006/relationships" xmlns:p="http://schemas.openxmlformats.org/presentationml/2006/main">
+  <p:cSld>
+    <p:bg>
+      <p:bgPr>
+        <a:solidFill>
+          <a:srgbClr val="E0D8C3"/>
+        </a:solidFill>
+        <a:effectLst/>
+      </p:bgPr>
+    </p:bg>
+    <p:spTree>
+      <p:nvGrpSpPr>
+        <p:cNvPr id="1" name=""/>
+        <p:cNvGrpSpPr/>
+        <p:nvPr/>
+      </p:nvGrpSpPr>
+      <p:grpSpPr>
+        <a:xfrm>
+          <a:off x="0" y="0"/>
+          <a:ext cx="0" cy="0"/>
+          <a:chOff x="0" y="0"/>
+          <a:chExt cx="0" cy="0"/>
+        </a:xfrm>
+      </p:grpSpPr>
+      <p:pic>
+        <p:nvPicPr>
+          <p:cNvPr id="3" name="Picture 2">
+            <a:extLst>
+              <a:ext uri="{FF2B5EF4-FFF2-40B4-BE49-F238E27FC236}">
+                <a16:creationId xmlns:a16="http://schemas.microsoft.com/office/drawing/2014/main" id="{B5248003-AB86-4194-96FB-DCE063D44337}"/>
+              </a:ext>
+            </a:extLst>
+          </p:cNvPr>
+          <p:cNvPicPr>
+            <a:picLocks noChangeAspect="1"/>
+          </p:cNvPicPr>
+          <p:nvPr/>
+        </p:nvPicPr>
+        <p:blipFill>
+          <a:blip r:embed="rId2">
+            <a:clrChange>
+              <a:clrFrom>
+                <a:srgbClr val="FFFFFF"/>
+              </a:clrFrom>
+              <a:clrTo>
+                <a:srgbClr val="FFFFFF">
+                  <a:alpha val="0"/>
+                </a:srgbClr>
+              </a:clrTo>
+            </a:clrChange>
+            <a:extLst>
+              <a:ext uri="{28A0092B-C50C-407E-A947-70E740481C1C}">
+                <a14:useLocalDpi xmlns:a14="http://schemas.microsoft.com/office/drawing/2010/main" val="0"/>
+              </a:ext>
+            </a:extLst>
+          </a:blip>
+          <a:stretch>
+            <a:fillRect/>
+          </a:stretch>
+        </p:blipFill>
+        <p:spPr>
+          <a:xfrm>
+            <a:off x="1886988" y="109302"/>
+            <a:ext cx="8418023" cy="6639396"/>
+          </a:xfrm>
+          <a:prstGeom prst="rect">
+            <a:avLst/>
+          </a:prstGeom>
+        </p:spPr>
+      </p:pic>
+    </p:spTree>
+    <p:extLst>
+      <p:ext uri="{BB962C8B-B14F-4D97-AF65-F5344CB8AC3E}">
+        <p14:creationId xmlns:p14="http://schemas.microsoft.com/office/powerpoint/2010/main" val="3970996741"/>
+      </p:ext>
+    </p:extLst>
+  </p:cSld>
+  <p:clrMapOvr>
+    <a:masterClrMapping/>
+  </p:clrMapOvr>
+</p:sld>
+</file>
+
+<file path=ppt/slides/slide16.xml><?xml version="1.0" encoding="utf-8"?>
+<p:sld xmlns:a="http://schemas.openxmlformats.org/drawingml/2006/main" xmlns:r="http://schemas.openxmlformats.org/officeDocument/2006/relationships" xmlns:p="http://schemas.openxmlformats.org/presentationml/2006/main">
+  <p:cSld>
+    <p:bg>
+      <p:bgPr>
+        <a:solidFill>
+          <a:srgbClr val="E0D8C3"/>
+        </a:solidFill>
+        <a:effectLst/>
+      </p:bgPr>
+    </p:bg>
+    <p:spTree>
+      <p:nvGrpSpPr>
+        <p:cNvPr id="1" name=""/>
+        <p:cNvGrpSpPr/>
+        <p:nvPr/>
+      </p:nvGrpSpPr>
+      <p:grpSpPr>
+        <a:xfrm>
+          <a:off x="0" y="0"/>
+          <a:ext cx="0" cy="0"/>
+          <a:chOff x="0" y="0"/>
+          <a:chExt cx="0" cy="0"/>
+        </a:xfrm>
+      </p:grpSpPr>
+      <p:pic>
+        <p:nvPicPr>
+          <p:cNvPr id="4" name="Picture 3">
+            <a:extLst>
+              <a:ext uri="{FF2B5EF4-FFF2-40B4-BE49-F238E27FC236}">
+                <a16:creationId xmlns:a16="http://schemas.microsoft.com/office/drawing/2014/main" id="{5B097A4D-4A32-48A6-B47E-05D4EA5B36C4}"/>
+              </a:ext>
+            </a:extLst>
+          </p:cNvPr>
+          <p:cNvPicPr>
+            <a:picLocks noChangeAspect="1"/>
+          </p:cNvPicPr>
+          <p:nvPr/>
+        </p:nvPicPr>
+        <p:blipFill>
+          <a:blip r:embed="rId2">
+            <a:clrChange>
+              <a:clrFrom>
+                <a:srgbClr val="FFFFFF"/>
+              </a:clrFrom>
+              <a:clrTo>
+                <a:srgbClr val="FFFFFF">
+                  <a:alpha val="0"/>
+                </a:srgbClr>
+              </a:clrTo>
+            </a:clrChange>
+            <a:extLst>
+              <a:ext uri="{28A0092B-C50C-407E-A947-70E740481C1C}">
+                <a14:useLocalDpi xmlns:a14="http://schemas.microsoft.com/office/drawing/2010/main" val="0"/>
+              </a:ext>
+            </a:extLst>
+          </a:blip>
+          <a:stretch>
+            <a:fillRect/>
+          </a:stretch>
+        </p:blipFill>
+        <p:spPr>
+          <a:xfrm>
+            <a:off x="2215333" y="940711"/>
+            <a:ext cx="7761333" cy="5879404"/>
+          </a:xfrm>
+          <a:prstGeom prst="rect">
+            <a:avLst/>
+          </a:prstGeom>
+        </p:spPr>
+      </p:pic>
+      <p:sp>
+        <p:nvSpPr>
+          <p:cNvPr id="5" name="TextBox 4">
+            <a:extLst>
+              <a:ext uri="{FF2B5EF4-FFF2-40B4-BE49-F238E27FC236}">
+                <a16:creationId xmlns:a16="http://schemas.microsoft.com/office/drawing/2014/main" id="{169FAD0B-5F62-4C33-A8F3-3206FAA75251}"/>
+              </a:ext>
+            </a:extLst>
+          </p:cNvPr>
+          <p:cNvSpPr txBox="1"/>
+          <p:nvPr/>
+        </p:nvSpPr>
+        <p:spPr>
+          <a:xfrm>
+            <a:off x="1755493" y="37885"/>
+            <a:ext cx="8681011" cy="461665"/>
+          </a:xfrm>
+          <a:prstGeom prst="rect">
+            <a:avLst/>
+          </a:prstGeom>
+          <a:noFill/>
+        </p:spPr>
+        <p:txBody>
+          <a:bodyPr wrap="square" rtlCol="0">
+            <a:spAutoFit/>
+          </a:bodyPr>
+          <a:lstStyle/>
+          <a:p>
+            <a:pPr algn="ctr"/>
+            <a:r>
+              <a:rPr lang="en-IN" sz="2400" dirty="0">
+                <a:latin typeface="Georgia" panose="02040502050405020303" pitchFamily="18" charset="0"/>
+              </a:rPr>
+              <a:t>Seeing this Elbow Curve we have selected 6 Clusters</a:t>
+            </a:r>
+          </a:p>
+        </p:txBody>
+      </p:sp>
+    </p:spTree>
+    <p:extLst>
+      <p:ext uri="{BB962C8B-B14F-4D97-AF65-F5344CB8AC3E}">
+        <p14:creationId xmlns:p14="http://schemas.microsoft.com/office/powerpoint/2010/main" val="4094350823"/>
+      </p:ext>
+    </p:extLst>
+  </p:cSld>
+  <p:clrMapOvr>
+    <a:masterClrMapping/>
+  </p:clrMapOvr>
+</p:sld>
+</file>
+
+<file path=ppt/slides/slide17.xml><?xml version="1.0" encoding="utf-8"?>
+<p:sld xmlns:a="http://schemas.openxmlformats.org/drawingml/2006/main" xmlns:r="http://schemas.openxmlformats.org/officeDocument/2006/relationships" xmlns:p="http://schemas.openxmlformats.org/presentationml/2006/main">
+  <p:cSld>
+    <p:bg>
+      <p:bgPr>
+        <a:solidFill>
+          <a:srgbClr val="E0D8C3"/>
+        </a:solidFill>
+        <a:effectLst/>
+      </p:bgPr>
+    </p:bg>
+    <p:spTree>
+      <p:nvGrpSpPr>
+        <p:cNvPr id="1" name=""/>
+        <p:cNvGrpSpPr/>
+        <p:nvPr/>
+      </p:nvGrpSpPr>
+      <p:grpSpPr>
+        <a:xfrm>
+          <a:off x="0" y="0"/>
+          <a:ext cx="0" cy="0"/>
+          <a:chOff x="0" y="0"/>
+          <a:chExt cx="0" cy="0"/>
+        </a:xfrm>
+      </p:grpSpPr>
+      <p:sp>
+        <p:nvSpPr>
+          <p:cNvPr id="5" name="TextBox 4">
+            <a:extLst>
+              <a:ext uri="{FF2B5EF4-FFF2-40B4-BE49-F238E27FC236}">
+                <a16:creationId xmlns:a16="http://schemas.microsoft.com/office/drawing/2014/main" id="{169FAD0B-5F62-4C33-A8F3-3206FAA75251}"/>
+              </a:ext>
+            </a:extLst>
+          </p:cNvPr>
+          <p:cNvSpPr txBox="1"/>
+          <p:nvPr/>
+        </p:nvSpPr>
+        <p:spPr>
+          <a:xfrm>
+            <a:off x="1755492" y="385126"/>
+            <a:ext cx="8681011" cy="923330"/>
+          </a:xfrm>
+          <a:prstGeom prst="rect">
+            <a:avLst/>
+          </a:prstGeom>
+          <a:noFill/>
+        </p:spPr>
+        <p:txBody>
+          <a:bodyPr wrap="square" rtlCol="0">
+            <a:spAutoFit/>
+          </a:bodyPr>
+          <a:lstStyle/>
+          <a:p>
+            <a:pPr algn="ctr"/>
+            <a:r>
+              <a:rPr lang="en-IN" sz="5400" dirty="0">
+                <a:latin typeface="Georgia" panose="02040502050405020303" pitchFamily="18" charset="0"/>
+              </a:rPr>
+              <a:t>Evaluation</a:t>
+            </a:r>
+          </a:p>
+        </p:txBody>
+      </p:sp>
+      <p:sp>
+        <p:nvSpPr>
+          <p:cNvPr id="2" name="TextBox 1">
+            <a:extLst>
+              <a:ext uri="{FF2B5EF4-FFF2-40B4-BE49-F238E27FC236}">
+                <a16:creationId xmlns:a16="http://schemas.microsoft.com/office/drawing/2014/main" id="{D0C64E9A-496C-4C27-9F71-F545F6775DBA}"/>
+              </a:ext>
+            </a:extLst>
+          </p:cNvPr>
+          <p:cNvSpPr txBox="1"/>
+          <p:nvPr/>
+        </p:nvSpPr>
+        <p:spPr>
+          <a:xfrm>
+            <a:off x="2123952" y="2305615"/>
+            <a:ext cx="7944092" cy="2246769"/>
+          </a:xfrm>
+          <a:prstGeom prst="rect">
+            <a:avLst/>
+          </a:prstGeom>
+          <a:noFill/>
+        </p:spPr>
+        <p:txBody>
+          <a:bodyPr wrap="square" rtlCol="0">
+            <a:spAutoFit/>
+          </a:bodyPr>
+          <a:lstStyle/>
+          <a:p>
+            <a:pPr marL="285750" indent="-285750">
+              <a:buFont typeface="Wingdings" panose="05000000000000000000" pitchFamily="2" charset="2"/>
+              <a:buChar char="Ø"/>
+            </a:pPr>
+            <a:r>
+              <a:rPr lang="en-IN" sz="2800" dirty="0">
+                <a:latin typeface="Times New Roman" panose="02020603050405020304" pitchFamily="18" charset="0"/>
+                <a:cs typeface="Times New Roman" panose="02020603050405020304" pitchFamily="18" charset="0"/>
+              </a:rPr>
+              <a:t>Accuracy Score for Random Forest Classifier is 83.16</a:t>
+            </a:r>
+          </a:p>
+          <a:p>
+            <a:pPr marL="285750" indent="-285750">
+              <a:buFont typeface="Wingdings" panose="05000000000000000000" pitchFamily="2" charset="2"/>
+              <a:buChar char="Ø"/>
+            </a:pPr>
+            <a:endParaRPr lang="en-IN" sz="2800" dirty="0">
+              <a:latin typeface="Times New Roman" panose="02020603050405020304" pitchFamily="18" charset="0"/>
+              <a:cs typeface="Times New Roman" panose="02020603050405020304" pitchFamily="18" charset="0"/>
+            </a:endParaRPr>
+          </a:p>
+          <a:p>
+            <a:pPr marL="285750" indent="-285750">
+              <a:buFont typeface="Wingdings" panose="05000000000000000000" pitchFamily="2" charset="2"/>
+              <a:buChar char="Ø"/>
+            </a:pPr>
+            <a:r>
+              <a:rPr lang="en-IN" sz="2800" dirty="0">
+                <a:latin typeface="Times New Roman" panose="02020603050405020304" pitchFamily="18" charset="0"/>
+                <a:cs typeface="Times New Roman" panose="02020603050405020304" pitchFamily="18" charset="0"/>
+              </a:rPr>
+              <a:t>Accuracy for Multinomial Logistic Regression is 81.83</a:t>
+            </a:r>
+          </a:p>
+        </p:txBody>
+      </p:sp>
+      <p:pic>
+        <p:nvPicPr>
+          <p:cNvPr id="6" name="Graphic 5" descr="Coffee with solid fill">
+            <a:extLst>
+              <a:ext uri="{FF2B5EF4-FFF2-40B4-BE49-F238E27FC236}">
+                <a16:creationId xmlns:a16="http://schemas.microsoft.com/office/drawing/2014/main" id="{858DED80-9807-45D9-B826-710F17E6944D}"/>
+              </a:ext>
+            </a:extLst>
+          </p:cNvPr>
+          <p:cNvPicPr>
+            <a:picLocks noChangeAspect="1"/>
+          </p:cNvPicPr>
+          <p:nvPr/>
+        </p:nvPicPr>
+        <p:blipFill>
+          <a:blip r:embed="rId2">
+            <a:extLst>
+              <a:ext uri="{28A0092B-C50C-407E-A947-70E740481C1C}">
+                <a14:useLocalDpi xmlns:a14="http://schemas.microsoft.com/office/drawing/2010/main" val="0"/>
+              </a:ext>
+              <a:ext uri="{96DAC541-7B7A-43D3-8B79-37D633B846F1}">
+                <asvg:svgBlip xmlns:asvg="http://schemas.microsoft.com/office/drawing/2016/SVG/main" r:embed="rId3"/>
+              </a:ext>
+            </a:extLst>
+          </a:blip>
+          <a:stretch>
+            <a:fillRect/>
+          </a:stretch>
+        </p:blipFill>
+        <p:spPr>
+          <a:xfrm>
+            <a:off x="9701513" y="4136717"/>
+            <a:ext cx="2336157" cy="2336157"/>
+          </a:xfrm>
+          <a:prstGeom prst="rect">
+            <a:avLst/>
+          </a:prstGeom>
+        </p:spPr>
+      </p:pic>
+      <p:pic>
+        <p:nvPicPr>
+          <p:cNvPr id="8" name="Graphic 7" descr="Man holding a coffee mug">
+            <a:extLst>
+              <a:ext uri="{FF2B5EF4-FFF2-40B4-BE49-F238E27FC236}">
+                <a16:creationId xmlns:a16="http://schemas.microsoft.com/office/drawing/2014/main" id="{72BCD8E3-300A-43B8-873D-0CD84F328FD3}"/>
+              </a:ext>
+            </a:extLst>
+          </p:cNvPr>
+          <p:cNvPicPr>
+            <a:picLocks noChangeAspect="1"/>
+          </p:cNvPicPr>
+          <p:nvPr/>
+        </p:nvPicPr>
+        <p:blipFill>
+          <a:blip r:embed="rId4">
+            <a:extLst>
+              <a:ext uri="{28A0092B-C50C-407E-A947-70E740481C1C}">
+                <a14:useLocalDpi xmlns:a14="http://schemas.microsoft.com/office/drawing/2010/main" val="0"/>
+              </a:ext>
+              <a:ext uri="{96DAC541-7B7A-43D3-8B79-37D633B846F1}">
+                <asvg:svgBlip xmlns:asvg="http://schemas.microsoft.com/office/drawing/2016/SVG/main" r:embed="rId5"/>
+              </a:ext>
+            </a:extLst>
+          </a:blip>
+          <a:stretch>
+            <a:fillRect/>
+          </a:stretch>
+        </p:blipFill>
+        <p:spPr>
+          <a:xfrm>
+            <a:off x="0" y="2402326"/>
+            <a:ext cx="2254049" cy="2053346"/>
+          </a:xfrm>
+          <a:prstGeom prst="rect">
+            <a:avLst/>
+          </a:prstGeom>
+        </p:spPr>
+      </p:pic>
+    </p:spTree>
+    <p:extLst>
+      <p:ext uri="{BB962C8B-B14F-4D97-AF65-F5344CB8AC3E}">
+        <p14:creationId xmlns:p14="http://schemas.microsoft.com/office/powerpoint/2010/main" val="928158817"/>
+      </p:ext>
+    </p:extLst>
+  </p:cSld>
+  <p:clrMapOvr>
+    <a:masterClrMapping/>
+  </p:clrMapOvr>
+</p:sld>
+</file>
+
+<file path=ppt/slides/slide18.xml><?xml version="1.0" encoding="utf-8"?>
+<p:sld xmlns:a="http://schemas.openxmlformats.org/drawingml/2006/main" xmlns:r="http://schemas.openxmlformats.org/officeDocument/2006/relationships" xmlns:p="http://schemas.openxmlformats.org/presentationml/2006/main">
+  <p:cSld>
+    <p:spTree>
+      <p:nvGrpSpPr>
+        <p:cNvPr id="1" name=""/>
+        <p:cNvGrpSpPr/>
+        <p:nvPr/>
+      </p:nvGrpSpPr>
+      <p:grpSpPr>
+        <a:xfrm>
+          <a:off x="0" y="0"/>
+          <a:ext cx="0" cy="0"/>
+          <a:chOff x="0" y="0"/>
+          <a:chExt cx="0" cy="0"/>
+        </a:xfrm>
+      </p:grpSpPr>
+      <p:pic>
+        <p:nvPicPr>
+          <p:cNvPr id="5" name="Picture 4">
+            <a:extLst>
+              <a:ext uri="{FF2B5EF4-FFF2-40B4-BE49-F238E27FC236}">
+                <a16:creationId xmlns:a16="http://schemas.microsoft.com/office/drawing/2014/main" id="{4BD45F4E-F49C-435A-BB44-AF3B1EEFE8D6}"/>
+              </a:ext>
+            </a:extLst>
+          </p:cNvPr>
+          <p:cNvPicPr>
+            <a:picLocks noChangeAspect="1"/>
+          </p:cNvPicPr>
+          <p:nvPr/>
+        </p:nvPicPr>
+        <p:blipFill>
+          <a:blip r:embed="rId2">
+            <a:alphaModFix amt="70000"/>
+            <a:extLst>
+              <a:ext uri="{BEBA8EAE-BF5A-486C-A8C5-ECC9F3942E4B}">
+                <a14:imgProps xmlns:a14="http://schemas.microsoft.com/office/drawing/2010/main">
+                  <a14:imgLayer r:embed="rId3">
+                    <a14:imgEffect>
+                      <a14:sharpenSoften amount="-50000"/>
+                    </a14:imgEffect>
+                    <a14:imgEffect>
+                      <a14:saturation sat="66000"/>
+                    </a14:imgEffect>
+                  </a14:imgLayer>
+                </a14:imgProps>
+              </a:ext>
+              <a:ext uri="{28A0092B-C50C-407E-A947-70E740481C1C}">
+                <a14:useLocalDpi xmlns:a14="http://schemas.microsoft.com/office/drawing/2010/main" val="0"/>
+              </a:ext>
+            </a:extLst>
+          </a:blip>
+          <a:stretch>
+            <a:fillRect/>
+          </a:stretch>
+        </p:blipFill>
+        <p:spPr>
+          <a:xfrm>
+            <a:off x="-1" y="0"/>
+            <a:ext cx="12192000" cy="6858000"/>
+          </a:xfrm>
+          <a:prstGeom prst="rect">
+            <a:avLst/>
+          </a:prstGeom>
+        </p:spPr>
+      </p:pic>
+      <p:sp>
+        <p:nvSpPr>
+          <p:cNvPr id="6" name="TextBox 5">
+            <a:extLst>
+              <a:ext uri="{FF2B5EF4-FFF2-40B4-BE49-F238E27FC236}">
+                <a16:creationId xmlns:a16="http://schemas.microsoft.com/office/drawing/2014/main" id="{1C3A084A-FD4B-47E5-B4A8-BFBCD7D6A9BE}"/>
+              </a:ext>
+            </a:extLst>
+          </p:cNvPr>
+          <p:cNvSpPr txBox="1"/>
+          <p:nvPr/>
+        </p:nvSpPr>
+        <p:spPr>
+          <a:xfrm>
+            <a:off x="1555923" y="218953"/>
+            <a:ext cx="9080152" cy="830997"/>
+          </a:xfrm>
+          <a:prstGeom prst="rect">
+            <a:avLst/>
+          </a:prstGeom>
+          <a:noFill/>
+        </p:spPr>
+        <p:txBody>
+          <a:bodyPr wrap="square" rtlCol="0">
+            <a:spAutoFit/>
+          </a:bodyPr>
+          <a:lstStyle/>
+          <a:p>
+            <a:pPr algn="ctr"/>
+            <a:r>
+              <a:rPr lang="en-IN" sz="4800" b="1" dirty="0">
+                <a:effectLst>
+                  <a:outerShdw blurRad="38100" dist="38100" dir="2700000" algn="tl">
+                    <a:srgbClr val="000000">
+                      <a:alpha val="43137"/>
+                    </a:srgbClr>
+                  </a:outerShdw>
+                </a:effectLst>
+                <a:latin typeface="Georgia" panose="02040502050405020303" pitchFamily="18" charset="0"/>
+              </a:rPr>
+              <a:t>Conclusion</a:t>
+            </a:r>
+          </a:p>
+        </p:txBody>
+      </p:sp>
+      <p:sp>
+        <p:nvSpPr>
+          <p:cNvPr id="2" name="TextBox 1">
+            <a:extLst>
+              <a:ext uri="{FF2B5EF4-FFF2-40B4-BE49-F238E27FC236}">
+                <a16:creationId xmlns:a16="http://schemas.microsoft.com/office/drawing/2014/main" id="{3C24A5C3-5345-4FB9-8FEC-5C32158C9BD8}"/>
+              </a:ext>
+            </a:extLst>
+          </p:cNvPr>
+          <p:cNvSpPr txBox="1"/>
+          <p:nvPr/>
+        </p:nvSpPr>
+        <p:spPr>
+          <a:xfrm>
+            <a:off x="1239520" y="1759396"/>
+            <a:ext cx="9733280" cy="523220"/>
+          </a:xfrm>
+          <a:prstGeom prst="rect">
+            <a:avLst/>
+          </a:prstGeom>
+          <a:noFill/>
+        </p:spPr>
+        <p:txBody>
+          <a:bodyPr wrap="square" rtlCol="0">
+            <a:spAutoFit/>
+          </a:bodyPr>
+          <a:lstStyle/>
+          <a:p>
+            <a:pPr>
+              <a:spcBef>
+                <a:spcPts val="1200"/>
+              </a:spcBef>
+            </a:pPr>
+            <a:endParaRPr lang="en-US" sz="2800" b="0" i="0" dirty="0">
+              <a:effectLst>
+                <a:outerShdw blurRad="38100" dist="38100" dir="2700000" algn="tl">
+                  <a:srgbClr val="000000">
+                    <a:alpha val="43137"/>
+                  </a:srgbClr>
+                </a:outerShdw>
+              </a:effectLst>
+              <a:latin typeface="Georgia" panose="02040502050405020303" pitchFamily="18" charset="0"/>
+            </a:endParaRPr>
+          </a:p>
+        </p:txBody>
+      </p:sp>
+      <p:sp>
+        <p:nvSpPr>
+          <p:cNvPr id="3" name="TextBox 2">
+            <a:extLst>
+              <a:ext uri="{FF2B5EF4-FFF2-40B4-BE49-F238E27FC236}">
+                <a16:creationId xmlns:a16="http://schemas.microsoft.com/office/drawing/2014/main" id="{873EE0C3-ED49-4ACE-BB15-0A545F52E61C}"/>
+              </a:ext>
+            </a:extLst>
+          </p:cNvPr>
+          <p:cNvSpPr txBox="1"/>
+          <p:nvPr/>
+        </p:nvSpPr>
+        <p:spPr>
+          <a:xfrm>
+            <a:off x="1396677" y="1874728"/>
+            <a:ext cx="9398643" cy="3108543"/>
+          </a:xfrm>
+          <a:prstGeom prst="rect">
+            <a:avLst/>
+          </a:prstGeom>
+          <a:noFill/>
+        </p:spPr>
+        <p:txBody>
+          <a:bodyPr wrap="square" rtlCol="0">
+            <a:spAutoFit/>
+          </a:bodyPr>
+          <a:lstStyle/>
+          <a:p>
+            <a:pPr marL="457200" indent="-457200">
+              <a:buFont typeface="Wingdings" panose="05000000000000000000" pitchFamily="2" charset="2"/>
+              <a:buChar char="v"/>
+            </a:pPr>
+            <a:r>
+              <a:rPr lang="en-US" sz="2800" b="0" i="0" dirty="0">
+                <a:effectLst/>
+                <a:latin typeface="Söhne"/>
+              </a:rPr>
+              <a:t>Using Random Forest classifiers we have successfully done the identification of patterns in customer preferences based on various features</a:t>
+            </a:r>
+          </a:p>
+          <a:p>
+            <a:pPr marL="457200" indent="-457200">
+              <a:buFont typeface="Wingdings" panose="05000000000000000000" pitchFamily="2" charset="2"/>
+              <a:buChar char="v"/>
+            </a:pPr>
+            <a:endParaRPr lang="en-US" sz="2800" dirty="0">
+              <a:latin typeface="Söhne"/>
+            </a:endParaRPr>
+          </a:p>
+          <a:p>
+            <a:pPr marL="457200" indent="-457200">
+              <a:buFont typeface="Wingdings" panose="05000000000000000000" pitchFamily="2" charset="2"/>
+              <a:buChar char="v"/>
+            </a:pPr>
+            <a:r>
+              <a:rPr lang="en-US" sz="2800" b="0" i="0" dirty="0">
+                <a:effectLst/>
+                <a:latin typeface="Söhne"/>
+              </a:rPr>
+              <a:t>In parallel, leveraging clustering algorithm K-Modes helped us to uncover distinct groups of customers with similar coffee preferences</a:t>
+            </a:r>
+            <a:endParaRPr lang="en-IN" sz="2800" dirty="0"/>
+          </a:p>
+        </p:txBody>
+      </p:sp>
+    </p:spTree>
+    <p:extLst>
+      <p:ext uri="{BB962C8B-B14F-4D97-AF65-F5344CB8AC3E}">
+        <p14:creationId xmlns:p14="http://schemas.microsoft.com/office/powerpoint/2010/main" val="2534118731"/>
+      </p:ext>
+    </p:extLst>
+  </p:cSld>
+  <p:clrMapOvr>
+    <a:masterClrMapping/>
+  </p:clrMapOvr>
+</p:sld>
+</file>
+
+<file path=ppt/slides/slide19.xml><?xml version="1.0" encoding="utf-8"?>
+<p:sld xmlns:a="http://schemas.openxmlformats.org/drawingml/2006/main" xmlns:r="http://schemas.openxmlformats.org/officeDocument/2006/relationships" xmlns:p="http://schemas.openxmlformats.org/presentationml/2006/main">
+  <p:cSld>
+    <p:bg>
+      <p:bgPr>
+        <a:solidFill>
+          <a:srgbClr val="E0D8C3"/>
+        </a:solidFill>
+        <a:effectLst/>
+      </p:bgPr>
+    </p:bg>
+    <p:spTree>
+      <p:nvGrpSpPr>
+        <p:cNvPr id="1" name=""/>
+        <p:cNvGrpSpPr/>
+        <p:nvPr/>
+      </p:nvGrpSpPr>
+      <p:grpSpPr>
+        <a:xfrm>
+          <a:off x="0" y="0"/>
+          <a:ext cx="0" cy="0"/>
+          <a:chOff x="0" y="0"/>
+          <a:chExt cx="0" cy="0"/>
+        </a:xfrm>
+      </p:grpSpPr>
+      <p:sp>
+        <p:nvSpPr>
+          <p:cNvPr id="5" name="TextBox 4">
+            <a:extLst>
+              <a:ext uri="{FF2B5EF4-FFF2-40B4-BE49-F238E27FC236}">
+                <a16:creationId xmlns:a16="http://schemas.microsoft.com/office/drawing/2014/main" id="{169FAD0B-5F62-4C33-A8F3-3206FAA75251}"/>
+              </a:ext>
+            </a:extLst>
+          </p:cNvPr>
+          <p:cNvSpPr txBox="1"/>
+          <p:nvPr/>
+        </p:nvSpPr>
+        <p:spPr>
+          <a:xfrm>
+            <a:off x="1755492" y="385126"/>
+            <a:ext cx="8681011" cy="923330"/>
+          </a:xfrm>
+          <a:prstGeom prst="rect">
+            <a:avLst/>
+          </a:prstGeom>
+          <a:noFill/>
+        </p:spPr>
+        <p:txBody>
+          <a:bodyPr wrap="square" rtlCol="0">
+            <a:spAutoFit/>
+          </a:bodyPr>
+          <a:lstStyle/>
+          <a:p>
+            <a:pPr algn="ctr"/>
+            <a:r>
+              <a:rPr lang="en-IN" sz="5400" dirty="0">
+                <a:latin typeface="Georgia" panose="02040502050405020303" pitchFamily="18" charset="0"/>
+              </a:rPr>
+              <a:t>Future Work</a:t>
+            </a:r>
+          </a:p>
+        </p:txBody>
+      </p:sp>
+      <p:sp>
+        <p:nvSpPr>
+          <p:cNvPr id="2" name="TextBox 1">
+            <a:extLst>
+              <a:ext uri="{FF2B5EF4-FFF2-40B4-BE49-F238E27FC236}">
+                <a16:creationId xmlns:a16="http://schemas.microsoft.com/office/drawing/2014/main" id="{D0C64E9A-496C-4C27-9F71-F545F6775DBA}"/>
+              </a:ext>
+            </a:extLst>
+          </p:cNvPr>
+          <p:cNvSpPr txBox="1"/>
+          <p:nvPr/>
+        </p:nvSpPr>
+        <p:spPr>
+          <a:xfrm>
+            <a:off x="2492411" y="2090171"/>
+            <a:ext cx="7944092" cy="3108543"/>
+          </a:xfrm>
+          <a:prstGeom prst="rect">
+            <a:avLst/>
+          </a:prstGeom>
+          <a:noFill/>
+        </p:spPr>
+        <p:txBody>
+          <a:bodyPr wrap="square" rtlCol="0">
+            <a:spAutoFit/>
+          </a:bodyPr>
+          <a:lstStyle/>
+          <a:p>
+            <a:pPr marL="457200" indent="-457200">
+              <a:buFont typeface="Wingdings" panose="05000000000000000000" pitchFamily="2" charset="2"/>
+              <a:buChar char="v"/>
+            </a:pPr>
+            <a:r>
+              <a:rPr lang="en-IN" sz="2800" dirty="0">
+                <a:latin typeface="Times New Roman" panose="02020603050405020304" pitchFamily="18" charset="0"/>
+                <a:cs typeface="Times New Roman" panose="02020603050405020304" pitchFamily="18" charset="0"/>
+              </a:rPr>
+              <a:t>This is done on a Survey data. So it can be biased to that part of world so we can generalize the data collection</a:t>
+            </a:r>
+          </a:p>
+          <a:p>
+            <a:pPr marL="457200" indent="-457200">
+              <a:buFont typeface="Wingdings" panose="05000000000000000000" pitchFamily="2" charset="2"/>
+              <a:buChar char="v"/>
+            </a:pPr>
+            <a:endParaRPr lang="en-IN" sz="2800" dirty="0">
+              <a:latin typeface="Times New Roman" panose="02020603050405020304" pitchFamily="18" charset="0"/>
+              <a:cs typeface="Times New Roman" panose="02020603050405020304" pitchFamily="18" charset="0"/>
+            </a:endParaRPr>
+          </a:p>
+          <a:p>
+            <a:pPr marL="457200" indent="-457200">
+              <a:buFont typeface="Wingdings" panose="05000000000000000000" pitchFamily="2" charset="2"/>
+              <a:buChar char="v"/>
+            </a:pPr>
+            <a:r>
+              <a:rPr lang="en-IN" sz="2800" dirty="0">
+                <a:latin typeface="Times New Roman" panose="02020603050405020304" pitchFamily="18" charset="0"/>
+                <a:cs typeface="Times New Roman" panose="02020603050405020304" pitchFamily="18" charset="0"/>
+              </a:rPr>
+              <a:t>The accuracy of Random Classifier Can be improved by working on the model or using Hyperparameters</a:t>
+            </a:r>
+          </a:p>
+        </p:txBody>
+      </p:sp>
+      <p:pic>
+        <p:nvPicPr>
+          <p:cNvPr id="6" name="Graphic 5" descr="Coffee with solid fill">
+            <a:extLst>
+              <a:ext uri="{FF2B5EF4-FFF2-40B4-BE49-F238E27FC236}">
+                <a16:creationId xmlns:a16="http://schemas.microsoft.com/office/drawing/2014/main" id="{858DED80-9807-45D9-B826-710F17E6944D}"/>
+              </a:ext>
+            </a:extLst>
+          </p:cNvPr>
+          <p:cNvPicPr>
+            <a:picLocks noChangeAspect="1"/>
+          </p:cNvPicPr>
+          <p:nvPr/>
+        </p:nvPicPr>
+        <p:blipFill>
+          <a:blip r:embed="rId2">
+            <a:extLst>
+              <a:ext uri="{28A0092B-C50C-407E-A947-70E740481C1C}">
+                <a14:useLocalDpi xmlns:a14="http://schemas.microsoft.com/office/drawing/2010/main" val="0"/>
+              </a:ext>
+              <a:ext uri="{96DAC541-7B7A-43D3-8B79-37D633B846F1}">
+                <asvg:svgBlip xmlns:asvg="http://schemas.microsoft.com/office/drawing/2016/SVG/main" r:embed="rId3"/>
+              </a:ext>
+            </a:extLst>
+          </a:blip>
+          <a:stretch>
+            <a:fillRect/>
+          </a:stretch>
+        </p:blipFill>
+        <p:spPr>
+          <a:xfrm>
+            <a:off x="9701513" y="4136717"/>
+            <a:ext cx="2336157" cy="2336157"/>
+          </a:xfrm>
+          <a:prstGeom prst="rect">
+            <a:avLst/>
+          </a:prstGeom>
+        </p:spPr>
+      </p:pic>
+      <p:pic>
+        <p:nvPicPr>
+          <p:cNvPr id="8" name="Graphic 7" descr="Man holding a coffee mug">
+            <a:extLst>
+              <a:ext uri="{FF2B5EF4-FFF2-40B4-BE49-F238E27FC236}">
+                <a16:creationId xmlns:a16="http://schemas.microsoft.com/office/drawing/2014/main" id="{72BCD8E3-300A-43B8-873D-0CD84F328FD3}"/>
+              </a:ext>
+            </a:extLst>
+          </p:cNvPr>
+          <p:cNvPicPr>
+            <a:picLocks noChangeAspect="1"/>
+          </p:cNvPicPr>
+          <p:nvPr/>
+        </p:nvPicPr>
+        <p:blipFill>
+          <a:blip r:embed="rId4">
+            <a:extLst>
+              <a:ext uri="{28A0092B-C50C-407E-A947-70E740481C1C}">
+                <a14:useLocalDpi xmlns:a14="http://schemas.microsoft.com/office/drawing/2010/main" val="0"/>
+              </a:ext>
+              <a:ext uri="{96DAC541-7B7A-43D3-8B79-37D633B846F1}">
+                <asvg:svgBlip xmlns:asvg="http://schemas.microsoft.com/office/drawing/2016/SVG/main" r:embed="rId5"/>
+              </a:ext>
+            </a:extLst>
+          </a:blip>
+          <a:stretch>
+            <a:fillRect/>
+          </a:stretch>
+        </p:blipFill>
+        <p:spPr>
+          <a:xfrm>
+            <a:off x="0" y="2402326"/>
+            <a:ext cx="2254049" cy="2053346"/>
+          </a:xfrm>
+          <a:prstGeom prst="rect">
+            <a:avLst/>
+          </a:prstGeom>
+        </p:spPr>
+      </p:pic>
+    </p:spTree>
+    <p:extLst>
+      <p:ext uri="{BB962C8B-B14F-4D97-AF65-F5344CB8AC3E}">
+        <p14:creationId xmlns:p14="http://schemas.microsoft.com/office/powerpoint/2010/main" val="1843260049"/>
       </p:ext>
     </p:extLst>
   </p:cSld>
@@ -8200,7 +9178,7 @@
               <a:rPr lang="en-US" sz="2400" dirty="0">
                 <a:latin typeface="Georgia" panose="02040502050405020303" pitchFamily="18" charset="0"/>
               </a:rPr>
-              <a:t>It is an integral part of daily life for many</a:t>
+              <a:t>It is an integral part of daily life</a:t>
             </a:r>
           </a:p>
           <a:p>
@@ -8227,6 +9205,117 @@
     <p:extLst>
       <p:ext uri="{BB962C8B-B14F-4D97-AF65-F5344CB8AC3E}">
         <p14:creationId xmlns:p14="http://schemas.microsoft.com/office/powerpoint/2010/main" val="2089171455"/>
+      </p:ext>
+    </p:extLst>
+  </p:cSld>
+  <p:clrMapOvr>
+    <a:masterClrMapping/>
+  </p:clrMapOvr>
+</p:sld>
+</file>
+
+<file path=ppt/slides/slide20.xml><?xml version="1.0" encoding="utf-8"?>
+<p:sld xmlns:a="http://schemas.openxmlformats.org/drawingml/2006/main" xmlns:r="http://schemas.openxmlformats.org/officeDocument/2006/relationships" xmlns:p="http://schemas.openxmlformats.org/presentationml/2006/main">
+  <p:cSld>
+    <p:spTree>
+      <p:nvGrpSpPr>
+        <p:cNvPr id="1" name=""/>
+        <p:cNvGrpSpPr/>
+        <p:nvPr/>
+      </p:nvGrpSpPr>
+      <p:grpSpPr>
+        <a:xfrm>
+          <a:off x="0" y="0"/>
+          <a:ext cx="0" cy="0"/>
+          <a:chOff x="0" y="0"/>
+          <a:chExt cx="0" cy="0"/>
+        </a:xfrm>
+      </p:grpSpPr>
+      <p:pic>
+        <p:nvPicPr>
+          <p:cNvPr id="5" name="Picture 4">
+            <a:extLst>
+              <a:ext uri="{FF2B5EF4-FFF2-40B4-BE49-F238E27FC236}">
+                <a16:creationId xmlns:a16="http://schemas.microsoft.com/office/drawing/2014/main" id="{52D9CD2B-2A6A-4D8B-BB3C-65ABF11236C9}"/>
+              </a:ext>
+            </a:extLst>
+          </p:cNvPr>
+          <p:cNvPicPr>
+            <a:picLocks noChangeAspect="1"/>
+          </p:cNvPicPr>
+          <p:nvPr/>
+        </p:nvPicPr>
+        <p:blipFill>
+          <a:blip r:embed="rId2">
+            <a:extLst>
+              <a:ext uri="{28A0092B-C50C-407E-A947-70E740481C1C}">
+                <a14:useLocalDpi xmlns:a14="http://schemas.microsoft.com/office/drawing/2010/main" val="0"/>
+              </a:ext>
+            </a:extLst>
+          </a:blip>
+          <a:stretch>
+            <a:fillRect/>
+          </a:stretch>
+        </p:blipFill>
+        <p:spPr>
+          <a:xfrm>
+            <a:off x="0" y="0"/>
+            <a:ext cx="12192000" cy="7172960"/>
+          </a:xfrm>
+          <a:prstGeom prst="rect">
+            <a:avLst/>
+          </a:prstGeom>
+        </p:spPr>
+      </p:pic>
+      <p:sp>
+        <p:nvSpPr>
+          <p:cNvPr id="6" name="TextBox 5">
+            <a:extLst>
+              <a:ext uri="{FF2B5EF4-FFF2-40B4-BE49-F238E27FC236}">
+                <a16:creationId xmlns:a16="http://schemas.microsoft.com/office/drawing/2014/main" id="{140759AD-30DF-414F-90CB-0F8FF1E02A7C}"/>
+              </a:ext>
+            </a:extLst>
+          </p:cNvPr>
+          <p:cNvSpPr txBox="1"/>
+          <p:nvPr/>
+        </p:nvSpPr>
+        <p:spPr>
+          <a:xfrm>
+            <a:off x="3825240" y="3013501"/>
+            <a:ext cx="4541520" cy="830997"/>
+          </a:xfrm>
+          <a:prstGeom prst="rect">
+            <a:avLst/>
+          </a:prstGeom>
+          <a:noFill/>
+        </p:spPr>
+        <p:txBody>
+          <a:bodyPr wrap="square" rtlCol="0">
+            <a:spAutoFit/>
+          </a:bodyPr>
+          <a:lstStyle/>
+          <a:p>
+            <a:pPr algn="ctr"/>
+            <a:r>
+              <a:rPr lang="en-IN" sz="4800" b="1" dirty="0">
+                <a:effectLst>
+                  <a:outerShdw blurRad="38100" dist="38100" dir="2700000" algn="tl">
+                    <a:srgbClr val="000000">
+                      <a:alpha val="43137"/>
+                    </a:srgbClr>
+                  </a:outerShdw>
+                </a:effectLst>
+                <a:latin typeface="Georgia" panose="02040502050405020303" pitchFamily="18" charset="0"/>
+              </a:rPr>
+              <a:t>THANK YOU</a:t>
+            </a:r>
+          </a:p>
+        </p:txBody>
+      </p:sp>
+    </p:spTree>
+    <p:extLst>
+      <p:ext uri="{BB962C8B-B14F-4D97-AF65-F5344CB8AC3E}">
+        <p14:creationId xmlns:p14="http://schemas.microsoft.com/office/powerpoint/2010/main" val="2093881921"/>
       </p:ext>
     </p:extLst>
   </p:cSld>
@@ -8362,7 +9451,7 @@
         <p:spPr>
           <a:xfrm>
             <a:off x="1239520" y="1759396"/>
-            <a:ext cx="9733280" cy="1969770"/>
+            <a:ext cx="9733280" cy="2400657"/>
           </a:xfrm>
           <a:prstGeom prst="rect">
             <a:avLst/>
@@ -8393,7 +9482,7 @@
                 </a:effectLst>
                 <a:latin typeface="Georgia" panose="02040502050405020303" pitchFamily="18" charset="0"/>
               </a:rPr>
-              <a:t>Develop predictive models to analyze and interpret patterns in customer choices related to coffee preferences</a:t>
+              <a:t>Develop predictive models to analyze and interpret patterns in individual’s choices related to coffee taste preferences</a:t>
             </a:r>
           </a:p>
           <a:p>
@@ -8486,8 +9575,8 @@
         </p:blipFill>
         <p:spPr>
           <a:xfrm>
-            <a:off x="0" y="-1117600"/>
-            <a:ext cx="12192000" cy="7975600"/>
+            <a:off x="0" y="-1"/>
+            <a:ext cx="12192000" cy="6858001"/>
           </a:xfrm>
           <a:prstGeom prst="rect">
             <a:avLst/>
@@ -8637,6 +9726,9 @@
                 <a14:imgProps xmlns:a14="http://schemas.microsoft.com/office/drawing/2010/main">
                   <a14:imgLayer r:embed="rId3">
                     <a14:imgEffect>
+                      <a14:artisticCrisscrossEtching/>
+                    </a14:imgEffect>
+                    <a14:imgEffect>
                       <a14:sharpenSoften amount="-50000"/>
                     </a14:imgEffect>
                   </a14:imgLayer>
@@ -8653,8 +9745,8 @@
         </p:blipFill>
         <p:spPr>
           <a:xfrm>
-            <a:off x="209" y="0"/>
-            <a:ext cx="12192000" cy="7598535"/>
+            <a:off x="-13796" y="0"/>
+            <a:ext cx="12205796" cy="6858000"/>
           </a:xfrm>
           <a:prstGeom prst="rect">
             <a:avLst/>
@@ -8750,7 +9842,7 @@
         </p:nvGrpSpPr>
         <p:grpSpPr>
           <a:xfrm>
-            <a:off x="6550055" y="1770004"/>
+            <a:off x="5682287" y="2874461"/>
             <a:ext cx="6186654" cy="1799801"/>
             <a:chOff x="6416027" y="1702435"/>
             <a:chExt cx="6186654" cy="1799801"/>
@@ -9660,7 +10752,7 @@
         </p:nvGrpSpPr>
         <p:grpSpPr>
           <a:xfrm>
-            <a:off x="-790038" y="4171812"/>
+            <a:off x="336336" y="4903328"/>
             <a:ext cx="6584661" cy="1762125"/>
             <a:chOff x="-169998" y="4595311"/>
             <a:chExt cx="6149203" cy="1762125"/>
@@ -9855,7 +10947,7 @@
                   <a:latin typeface="Times New Roman"/>
                   <a:cs typeface="Times New Roman"/>
                 </a:rPr>
-                <a:t>Removed the Bool, and some categorical column and also preprocessed the null values columns which has huge percentage of NULL values</a:t>
+                <a:t>Removed the Bool, and some categorical column and also preprocessed the null values columns which has huge percentage of missing values</a:t>
               </a:r>
             </a:p>
           </p:txBody>
@@ -10422,11 +11514,12 @@
         </p:nvGrpSpPr>
         <p:grpSpPr>
           <a:xfrm>
-            <a:off x="-790038" y="1180799"/>
+            <a:off x="317798" y="1008103"/>
             <a:ext cx="13538486" cy="5133543"/>
             <a:chOff x="-592627" y="1752964"/>
             <a:chExt cx="13538486" cy="5133543"/>
           </a:xfrm>
+          <a:effectLst/>
         </p:grpSpPr>
         <p:grpSp>
           <p:nvGrpSpPr>
@@ -11555,10 +12648,10 @@
       </p:grpSp>
       <p:grpSp>
         <p:nvGrpSpPr>
-          <p:cNvPr id="63" name="Group 62">
+          <p:cNvPr id="7" name="Group 6">
             <a:extLst>
               <a:ext uri="{FF2B5EF4-FFF2-40B4-BE49-F238E27FC236}">
-                <a16:creationId xmlns:a16="http://schemas.microsoft.com/office/drawing/2014/main" id="{15688C7A-F3A5-42DA-9AA8-4C42F5140614}"/>
+                <a16:creationId xmlns:a16="http://schemas.microsoft.com/office/drawing/2014/main" id="{1C71765B-9743-4AFC-9949-CFFE1F0F01A6}"/>
               </a:ext>
             </a:extLst>
           </p:cNvPr>
@@ -11567,18 +12660,18 @@
         </p:nvGrpSpPr>
         <p:grpSpPr>
           <a:xfrm>
-            <a:off x="6532432" y="5169113"/>
-            <a:ext cx="6167151" cy="1762125"/>
-            <a:chOff x="6455230" y="4176994"/>
-            <a:chExt cx="6167151" cy="1762125"/>
+            <a:off x="2374113" y="2729599"/>
+            <a:ext cx="5155311" cy="389211"/>
+            <a:chOff x="636103" y="2892448"/>
+            <a:chExt cx="5155311" cy="389211"/>
           </a:xfrm>
         </p:grpSpPr>
         <p:sp>
           <p:nvSpPr>
-            <p:cNvPr id="38" name="object 17">
+            <p:cNvPr id="6" name="Rectangle: Rounded Corners 5">
               <a:extLst>
                 <a:ext uri="{FF2B5EF4-FFF2-40B4-BE49-F238E27FC236}">
-                  <a16:creationId xmlns:a16="http://schemas.microsoft.com/office/drawing/2014/main" id="{01E57977-FA2A-4F2B-8D4C-1CDBFD5D1357}"/>
+                  <a16:creationId xmlns:a16="http://schemas.microsoft.com/office/drawing/2014/main" id="{1E42B344-E8DB-4EB8-988E-2A55F2558369}"/>
                 </a:ext>
               </a:extLst>
             </p:cNvPr>
@@ -11587,100 +12680,47 @@
           </p:nvSpPr>
           <p:spPr>
             <a:xfrm>
-              <a:off x="7132171" y="4176994"/>
-              <a:ext cx="5490210" cy="1762125"/>
+              <a:off x="636103" y="2932350"/>
+              <a:ext cx="3851057" cy="349309"/>
             </a:xfrm>
-            <a:custGeom>
+            <a:prstGeom prst="roundRect">
               <a:avLst/>
-              <a:gdLst/>
-              <a:ahLst/>
-              <a:cxnLst/>
-              <a:rect l="l" t="t" r="r" b="b"/>
-              <a:pathLst>
-                <a:path w="5490209" h="1762125">
-                  <a:moveTo>
-                    <a:pt x="5425587" y="1761958"/>
-                  </a:moveTo>
-                  <a:lnTo>
-                    <a:pt x="64139" y="1761958"/>
-                  </a:lnTo>
-                  <a:lnTo>
-                    <a:pt x="39173" y="1756917"/>
-                  </a:lnTo>
-                  <a:lnTo>
-                    <a:pt x="18786" y="1743171"/>
-                  </a:lnTo>
-                  <a:lnTo>
-                    <a:pt x="5040" y="1722783"/>
-                  </a:lnTo>
-                  <a:lnTo>
-                    <a:pt x="0" y="1697817"/>
-                  </a:lnTo>
-                  <a:lnTo>
-                    <a:pt x="0" y="64139"/>
-                  </a:lnTo>
-                  <a:lnTo>
-                    <a:pt x="5040" y="39173"/>
-                  </a:lnTo>
-                  <a:lnTo>
-                    <a:pt x="18786" y="18786"/>
-                  </a:lnTo>
-                  <a:lnTo>
-                    <a:pt x="39173" y="5040"/>
-                  </a:lnTo>
-                  <a:lnTo>
-                    <a:pt x="64139" y="0"/>
-                  </a:lnTo>
-                  <a:lnTo>
-                    <a:pt x="5425587" y="0"/>
-                  </a:lnTo>
-                  <a:lnTo>
-                    <a:pt x="5470939" y="18787"/>
-                  </a:lnTo>
-                  <a:lnTo>
-                    <a:pt x="5489727" y="64139"/>
-                  </a:lnTo>
-                  <a:lnTo>
-                    <a:pt x="5489727" y="1697817"/>
-                  </a:lnTo>
-                  <a:lnTo>
-                    <a:pt x="5484686" y="1722783"/>
-                  </a:lnTo>
-                  <a:lnTo>
-                    <a:pt x="5470940" y="1743171"/>
-                  </a:lnTo>
-                  <a:lnTo>
-                    <a:pt x="5450553" y="1756917"/>
-                  </a:lnTo>
-                  <a:lnTo>
-                    <a:pt x="5425587" y="1761958"/>
-                  </a:lnTo>
-                  <a:close/>
-                </a:path>
-              </a:pathLst>
-            </a:custGeom>
+            </a:prstGeom>
             <a:solidFill>
-              <a:srgbClr val="100F0D"/>
+              <a:schemeClr val="tx1"/>
             </a:solidFill>
           </p:spPr>
+          <p:style>
+            <a:lnRef idx="2">
+              <a:schemeClr val="accent1">
+                <a:shade val="50000"/>
+              </a:schemeClr>
+            </a:lnRef>
+            <a:fillRef idx="1">
+              <a:schemeClr val="accent1"/>
+            </a:fillRef>
+            <a:effectRef idx="0">
+              <a:schemeClr val="accent1"/>
+            </a:effectRef>
+            <a:fontRef idx="minor">
+              <a:schemeClr val="lt1"/>
+            </a:fontRef>
+          </p:style>
           <p:txBody>
-            <a:bodyPr wrap="square" lIns="0" tIns="0" rIns="0" bIns="0" rtlCol="0"/>
-            <a:lstStyle>
-              <a:defPPr>
-                <a:defRPr kern="0"/>
-              </a:defPPr>
-            </a:lstStyle>
+            <a:bodyPr rtlCol="0" anchor="ctr"/>
+            <a:lstStyle/>
             <a:p>
-              <a:endParaRPr/>
+              <a:pPr algn="ctr"/>
+              <a:endParaRPr lang="en-IN" dirty="0"/>
             </a:p>
           </p:txBody>
         </p:sp>
         <p:sp>
           <p:nvSpPr>
-            <p:cNvPr id="39" name="object 18">
+            <p:cNvPr id="2" name="TextBox 1">
               <a:extLst>
                 <a:ext uri="{FF2B5EF4-FFF2-40B4-BE49-F238E27FC236}">
-                  <a16:creationId xmlns:a16="http://schemas.microsoft.com/office/drawing/2014/main" id="{E76C6D6E-4D31-4DBA-8C16-34E8DEE0F516}"/>
+                  <a16:creationId xmlns:a16="http://schemas.microsoft.com/office/drawing/2014/main" id="{F4D1ACAF-0BB0-498A-8E20-85E6DD28704E}"/>
                 </a:ext>
               </a:extLst>
             </p:cNvPr>
@@ -11689,808 +12729,53 @@
           </p:nvSpPr>
           <p:spPr>
             <a:xfrm>
-              <a:off x="7888994" y="4314226"/>
-              <a:ext cx="3681095" cy="1386205"/>
+              <a:off x="802466" y="2892448"/>
+              <a:ext cx="4988948" cy="369332"/>
             </a:xfrm>
             <a:prstGeom prst="rect">
               <a:avLst/>
             </a:prstGeom>
+            <a:noFill/>
           </p:spPr>
           <p:txBody>
-            <a:bodyPr vert="horz" wrap="square" lIns="0" tIns="124460" rIns="0" bIns="0" rtlCol="0">
+            <a:bodyPr wrap="square" rtlCol="0">
               <a:spAutoFit/>
             </a:bodyPr>
-            <a:lstStyle>
-              <a:defPPr>
-                <a:defRPr kern="0"/>
-              </a:defPPr>
-            </a:lstStyle>
+            <a:lstStyle/>
             <a:p>
-              <a:pPr marL="12700">
-                <a:lnSpc>
-                  <a:spcPct val="100000"/>
-                </a:lnSpc>
-                <a:spcBef>
-                  <a:spcPts val="980"/>
-                </a:spcBef>
-              </a:pPr>
               <a:r>
-                <a:rPr sz="1850" b="1" dirty="0">
+                <a:rPr lang="en-IN" dirty="0">
+                  <a:solidFill>
+                    <a:schemeClr val="bg1"/>
+                  </a:solidFill>
+                </a:rPr>
+                <a:t>Data source: </a:t>
+              </a:r>
+              <a:r>
+                <a:rPr lang="en-IN" b="0" i="0" u="none" strike="noStrike" dirty="0">
+                  <a:solidFill>
+                    <a:srgbClr val="3EA6FF"/>
+                  </a:solidFill>
+                  <a:effectLst/>
+                  <a:latin typeface="Roboto" panose="02000000000000000000" pitchFamily="2" charset="0"/>
+                  <a:hlinkClick r:id="rId8"/>
+                </a:rPr>
+                <a:t>https://bit.ly/gacttCSV</a:t>
+              </a:r>
+              <a:r>
+                <a:rPr lang="en-IN" b="0" i="0" dirty="0">
                   <a:solidFill>
                     <a:srgbClr val="FFFFFF"/>
                   </a:solidFill>
-                  <a:latin typeface="Times New Roman"/>
-                  <a:cs typeface="Times New Roman"/>
-                </a:rPr>
-                <a:t>Data</a:t>
-              </a:r>
-              <a:r>
-                <a:rPr sz="1850" b="1" spc="80" dirty="0">
-                  <a:solidFill>
-                    <a:srgbClr val="FFFFFF"/>
-                  </a:solidFill>
-                  <a:latin typeface="Times New Roman"/>
-                  <a:cs typeface="Times New Roman"/>
+                  <a:effectLst/>
+                  <a:latin typeface="Roboto" panose="02000000000000000000" pitchFamily="2" charset="0"/>
                 </a:rPr>
                 <a:t> </a:t>
               </a:r>
-              <a:r>
-                <a:rPr sz="1850" b="1" spc="-10" dirty="0">
-                  <a:solidFill>
-                    <a:srgbClr val="FFFFFF"/>
-                  </a:solidFill>
-                  <a:latin typeface="Times New Roman"/>
-                  <a:cs typeface="Times New Roman"/>
-                </a:rPr>
-                <a:t>Categorization</a:t>
-              </a:r>
-              <a:endParaRPr sz="1850" dirty="0">
-                <a:latin typeface="Times New Roman"/>
-                <a:cs typeface="Times New Roman"/>
-              </a:endParaRPr>
-            </a:p>
-            <a:p>
-              <a:pPr marL="12700" marR="5080">
-                <a:lnSpc>
-                  <a:spcPts val="2550"/>
-                </a:lnSpc>
-                <a:spcBef>
-                  <a:spcPts val="60"/>
-                </a:spcBef>
-              </a:pPr>
-              <a:r>
-                <a:rPr sz="1500" dirty="0">
-                  <a:solidFill>
-                    <a:srgbClr val="FFFFFF"/>
-                  </a:solidFill>
-                  <a:latin typeface="Times New Roman"/>
-                  <a:cs typeface="Times New Roman"/>
-                </a:rPr>
-                <a:t>Categorized</a:t>
-              </a:r>
-              <a:r>
-                <a:rPr sz="1500" spc="40" dirty="0">
-                  <a:solidFill>
-                    <a:srgbClr val="FFFFFF"/>
-                  </a:solidFill>
-                  <a:latin typeface="Times New Roman"/>
-                  <a:cs typeface="Times New Roman"/>
-                </a:rPr>
-                <a:t> </a:t>
-              </a:r>
-              <a:r>
-                <a:rPr sz="1500" dirty="0">
-                  <a:solidFill>
-                    <a:srgbClr val="FFFFFF"/>
-                  </a:solidFill>
-                  <a:latin typeface="Times New Roman"/>
-                  <a:cs typeface="Times New Roman"/>
-                </a:rPr>
-                <a:t>columns</a:t>
-              </a:r>
-              <a:r>
-                <a:rPr sz="1500" spc="40" dirty="0">
-                  <a:solidFill>
-                    <a:srgbClr val="FFFFFF"/>
-                  </a:solidFill>
-                  <a:latin typeface="Times New Roman"/>
-                  <a:cs typeface="Times New Roman"/>
-                </a:rPr>
-                <a:t> </a:t>
-              </a:r>
-              <a:r>
-                <a:rPr sz="1500" dirty="0">
-                  <a:solidFill>
-                    <a:srgbClr val="FFFFFF"/>
-                  </a:solidFill>
-                  <a:latin typeface="Times New Roman"/>
-                  <a:cs typeface="Times New Roman"/>
-                </a:rPr>
-                <a:t>in</a:t>
-              </a:r>
-              <a:r>
-                <a:rPr sz="1500" spc="45" dirty="0">
-                  <a:solidFill>
-                    <a:srgbClr val="FFFFFF"/>
-                  </a:solidFill>
-                  <a:latin typeface="Times New Roman"/>
-                  <a:cs typeface="Times New Roman"/>
-                </a:rPr>
-                <a:t> </a:t>
-              </a:r>
-              <a:r>
-                <a:rPr sz="1500" dirty="0">
-                  <a:solidFill>
-                    <a:srgbClr val="FFFFFF"/>
-                  </a:solidFill>
-                  <a:latin typeface="Times New Roman"/>
-                  <a:cs typeface="Times New Roman"/>
-                </a:rPr>
-                <a:t>Attributes,</a:t>
-              </a:r>
-              <a:r>
-                <a:rPr sz="1500" spc="40" dirty="0">
-                  <a:solidFill>
-                    <a:srgbClr val="FFFFFF"/>
-                  </a:solidFill>
-                  <a:latin typeface="Times New Roman"/>
-                  <a:cs typeface="Times New Roman"/>
-                </a:rPr>
-                <a:t> </a:t>
-              </a:r>
-              <a:r>
-                <a:rPr sz="1500" spc="-10" dirty="0">
-                  <a:solidFill>
-                    <a:srgbClr val="FFFFFF"/>
-                  </a:solidFill>
-                  <a:latin typeface="Times New Roman"/>
-                  <a:cs typeface="Times New Roman"/>
-                </a:rPr>
-                <a:t>Discrete </a:t>
-              </a:r>
-              <a:r>
-                <a:rPr sz="1500" dirty="0">
-                  <a:solidFill>
-                    <a:srgbClr val="FFFFFF"/>
-                  </a:solidFill>
-                  <a:latin typeface="Times New Roman"/>
-                  <a:cs typeface="Times New Roman"/>
-                </a:rPr>
-                <a:t>Variables</a:t>
-              </a:r>
-              <a:r>
-                <a:rPr sz="1500" spc="15" dirty="0">
-                  <a:solidFill>
-                    <a:srgbClr val="FFFFFF"/>
-                  </a:solidFill>
-                  <a:latin typeface="Times New Roman"/>
-                  <a:cs typeface="Times New Roman"/>
-                </a:rPr>
-                <a:t> </a:t>
-              </a:r>
-              <a:r>
-                <a:rPr sz="1500" dirty="0">
-                  <a:solidFill>
-                    <a:srgbClr val="FFFFFF"/>
-                  </a:solidFill>
-                  <a:latin typeface="Times New Roman"/>
-                  <a:cs typeface="Times New Roman"/>
-                </a:rPr>
-                <a:t>&amp;</a:t>
-              </a:r>
-              <a:r>
-                <a:rPr sz="1500" spc="20" dirty="0">
-                  <a:solidFill>
-                    <a:srgbClr val="FFFFFF"/>
-                  </a:solidFill>
-                  <a:latin typeface="Times New Roman"/>
-                  <a:cs typeface="Times New Roman"/>
-                </a:rPr>
-                <a:t> </a:t>
-              </a:r>
-              <a:r>
-                <a:rPr sz="1500" dirty="0">
-                  <a:solidFill>
-                    <a:srgbClr val="FFFFFF"/>
-                  </a:solidFill>
-                  <a:latin typeface="Times New Roman"/>
-                  <a:cs typeface="Times New Roman"/>
-                </a:rPr>
-                <a:t>Continuous</a:t>
-              </a:r>
-              <a:r>
-                <a:rPr sz="1500" spc="15" dirty="0">
-                  <a:solidFill>
-                    <a:srgbClr val="FFFFFF"/>
-                  </a:solidFill>
-                  <a:latin typeface="Times New Roman"/>
-                  <a:cs typeface="Times New Roman"/>
-                </a:rPr>
-                <a:t> </a:t>
-              </a:r>
-              <a:r>
-                <a:rPr sz="1500" dirty="0">
-                  <a:solidFill>
-                    <a:srgbClr val="FFFFFF"/>
-                  </a:solidFill>
-                  <a:latin typeface="Times New Roman"/>
-                  <a:cs typeface="Times New Roman"/>
-                </a:rPr>
-                <a:t>Variables</a:t>
-              </a:r>
-              <a:r>
-                <a:rPr sz="1500" spc="20" dirty="0">
-                  <a:solidFill>
-                    <a:srgbClr val="FFFFFF"/>
-                  </a:solidFill>
-                  <a:latin typeface="Times New Roman"/>
-                  <a:cs typeface="Times New Roman"/>
-                </a:rPr>
-                <a:t> </a:t>
-              </a:r>
-              <a:r>
-                <a:rPr sz="1500" dirty="0">
-                  <a:solidFill>
-                    <a:srgbClr val="FFFFFF"/>
-                  </a:solidFill>
-                  <a:latin typeface="Times New Roman"/>
-                  <a:cs typeface="Times New Roman"/>
-                </a:rPr>
-                <a:t>for</a:t>
-              </a:r>
-              <a:r>
-                <a:rPr sz="1500" spc="15" dirty="0">
-                  <a:solidFill>
-                    <a:srgbClr val="FFFFFF"/>
-                  </a:solidFill>
-                  <a:latin typeface="Times New Roman"/>
-                  <a:cs typeface="Times New Roman"/>
-                </a:rPr>
-                <a:t> </a:t>
-              </a:r>
-              <a:r>
-                <a:rPr sz="1500" spc="-10" dirty="0">
-                  <a:solidFill>
-                    <a:srgbClr val="FFFFFF"/>
-                  </a:solidFill>
-                  <a:latin typeface="Times New Roman"/>
-                  <a:cs typeface="Times New Roman"/>
-                </a:rPr>
-                <a:t>Analysis purpose</a:t>
-              </a:r>
-              <a:endParaRPr sz="1500" dirty="0">
-                <a:latin typeface="Times New Roman"/>
-                <a:cs typeface="Times New Roman"/>
-              </a:endParaRPr>
+              <a:endParaRPr lang="en-IN" dirty="0"/>
             </a:p>
           </p:txBody>
         </p:sp>
-        <p:sp>
-          <p:nvSpPr>
-            <p:cNvPr id="57" name="object 31">
-              <a:extLst>
-                <a:ext uri="{FF2B5EF4-FFF2-40B4-BE49-F238E27FC236}">
-                  <a16:creationId xmlns:a16="http://schemas.microsoft.com/office/drawing/2014/main" id="{47D0E0AC-B917-4402-8A65-D5D03760F248}"/>
-                </a:ext>
-              </a:extLst>
-            </p:cNvPr>
-            <p:cNvSpPr/>
-            <p:nvPr/>
-          </p:nvSpPr>
-          <p:spPr>
-            <a:xfrm>
-              <a:off x="6455230" y="4415684"/>
-              <a:ext cx="1306349" cy="1284747"/>
-            </a:xfrm>
-            <a:custGeom>
-              <a:avLst/>
-              <a:gdLst/>
-              <a:ahLst/>
-              <a:cxnLst/>
-              <a:rect l="l" t="t" r="r" b="b"/>
-              <a:pathLst>
-                <a:path w="2265679" h="2228215">
-                  <a:moveTo>
-                    <a:pt x="1132843" y="2227949"/>
-                  </a:moveTo>
-                  <a:lnTo>
-                    <a:pt x="1083702" y="2226920"/>
-                  </a:lnTo>
-                  <a:lnTo>
-                    <a:pt x="1035097" y="2223861"/>
-                  </a:lnTo>
-                  <a:lnTo>
-                    <a:pt x="987068" y="2218812"/>
-                  </a:lnTo>
-                  <a:lnTo>
-                    <a:pt x="939660" y="2211817"/>
-                  </a:lnTo>
-                  <a:lnTo>
-                    <a:pt x="892913" y="2202916"/>
-                  </a:lnTo>
-                  <a:lnTo>
-                    <a:pt x="846871" y="2192152"/>
-                  </a:lnTo>
-                  <a:lnTo>
-                    <a:pt x="801577" y="2179567"/>
-                  </a:lnTo>
-                  <a:lnTo>
-                    <a:pt x="757072" y="2165201"/>
-                  </a:lnTo>
-                  <a:lnTo>
-                    <a:pt x="713400" y="2149098"/>
-                  </a:lnTo>
-                  <a:lnTo>
-                    <a:pt x="670602" y="2131299"/>
-                  </a:lnTo>
-                  <a:lnTo>
-                    <a:pt x="628722" y="2111845"/>
-                  </a:lnTo>
-                  <a:lnTo>
-                    <a:pt x="587801" y="2090779"/>
-                  </a:lnTo>
-                  <a:lnTo>
-                    <a:pt x="547883" y="2068142"/>
-                  </a:lnTo>
-                  <a:lnTo>
-                    <a:pt x="509009" y="2043975"/>
-                  </a:lnTo>
-                  <a:lnTo>
-                    <a:pt x="471223" y="2018322"/>
-                  </a:lnTo>
-                  <a:lnTo>
-                    <a:pt x="434567" y="1991224"/>
-                  </a:lnTo>
-                  <a:lnTo>
-                    <a:pt x="399083" y="1962721"/>
-                  </a:lnTo>
-                  <a:lnTo>
-                    <a:pt x="364813" y="1932858"/>
-                  </a:lnTo>
-                  <a:lnTo>
-                    <a:pt x="331802" y="1901674"/>
-                  </a:lnTo>
-                  <a:lnTo>
-                    <a:pt x="300089" y="1869212"/>
-                  </a:lnTo>
-                  <a:lnTo>
-                    <a:pt x="269720" y="1835513"/>
-                  </a:lnTo>
-                  <a:lnTo>
-                    <a:pt x="240735" y="1800620"/>
-                  </a:lnTo>
-                  <a:lnTo>
-                    <a:pt x="213177" y="1764574"/>
-                  </a:lnTo>
-                  <a:lnTo>
-                    <a:pt x="187089" y="1727417"/>
-                  </a:lnTo>
-                  <a:lnTo>
-                    <a:pt x="162514" y="1689191"/>
-                  </a:lnTo>
-                  <a:lnTo>
-                    <a:pt x="139494" y="1649938"/>
-                  </a:lnTo>
-                  <a:lnTo>
-                    <a:pt x="118071" y="1609699"/>
-                  </a:lnTo>
-                  <a:lnTo>
-                    <a:pt x="98287" y="1568516"/>
-                  </a:lnTo>
-                  <a:lnTo>
-                    <a:pt x="80186" y="1526431"/>
-                  </a:lnTo>
-                  <a:lnTo>
-                    <a:pt x="63810" y="1483486"/>
-                  </a:lnTo>
-                  <a:lnTo>
-                    <a:pt x="49202" y="1439723"/>
-                  </a:lnTo>
-                  <a:lnTo>
-                    <a:pt x="36403" y="1395183"/>
-                  </a:lnTo>
-                  <a:lnTo>
-                    <a:pt x="25457" y="1349908"/>
-                  </a:lnTo>
-                  <a:lnTo>
-                    <a:pt x="16406" y="1303940"/>
-                  </a:lnTo>
-                  <a:lnTo>
-                    <a:pt x="9292" y="1257321"/>
-                  </a:lnTo>
-                  <a:lnTo>
-                    <a:pt x="4158" y="1210092"/>
-                  </a:lnTo>
-                  <a:lnTo>
-                    <a:pt x="1046" y="1162296"/>
-                  </a:lnTo>
-                  <a:lnTo>
-                    <a:pt x="0" y="1113974"/>
-                  </a:lnTo>
-                  <a:lnTo>
-                    <a:pt x="1046" y="1065653"/>
-                  </a:lnTo>
-                  <a:lnTo>
-                    <a:pt x="4158" y="1017856"/>
-                  </a:lnTo>
-                  <a:lnTo>
-                    <a:pt x="9292" y="970628"/>
-                  </a:lnTo>
-                  <a:lnTo>
-                    <a:pt x="16406" y="924009"/>
-                  </a:lnTo>
-                  <a:lnTo>
-                    <a:pt x="25457" y="878041"/>
-                  </a:lnTo>
-                  <a:lnTo>
-                    <a:pt x="36403" y="832766"/>
-                  </a:lnTo>
-                  <a:lnTo>
-                    <a:pt x="49202" y="788226"/>
-                  </a:lnTo>
-                  <a:lnTo>
-                    <a:pt x="63810" y="744463"/>
-                  </a:lnTo>
-                  <a:lnTo>
-                    <a:pt x="80186" y="701518"/>
-                  </a:lnTo>
-                  <a:lnTo>
-                    <a:pt x="98287" y="659433"/>
-                  </a:lnTo>
-                  <a:lnTo>
-                    <a:pt x="118071" y="618250"/>
-                  </a:lnTo>
-                  <a:lnTo>
-                    <a:pt x="139494" y="578011"/>
-                  </a:lnTo>
-                  <a:lnTo>
-                    <a:pt x="162514" y="538758"/>
-                  </a:lnTo>
-                  <a:lnTo>
-                    <a:pt x="187089" y="500532"/>
-                  </a:lnTo>
-                  <a:lnTo>
-                    <a:pt x="213177" y="463375"/>
-                  </a:lnTo>
-                  <a:lnTo>
-                    <a:pt x="240735" y="427329"/>
-                  </a:lnTo>
-                  <a:lnTo>
-                    <a:pt x="269720" y="392436"/>
-                  </a:lnTo>
-                  <a:lnTo>
-                    <a:pt x="300089" y="358737"/>
-                  </a:lnTo>
-                  <a:lnTo>
-                    <a:pt x="331802" y="326275"/>
-                  </a:lnTo>
-                  <a:lnTo>
-                    <a:pt x="364813" y="295091"/>
-                  </a:lnTo>
-                  <a:lnTo>
-                    <a:pt x="399083" y="265227"/>
-                  </a:lnTo>
-                  <a:lnTo>
-                    <a:pt x="434567" y="236725"/>
-                  </a:lnTo>
-                  <a:lnTo>
-                    <a:pt x="471223" y="209627"/>
-                  </a:lnTo>
-                  <a:lnTo>
-                    <a:pt x="509009" y="183973"/>
-                  </a:lnTo>
-                  <a:lnTo>
-                    <a:pt x="547883" y="159807"/>
-                  </a:lnTo>
-                  <a:lnTo>
-                    <a:pt x="587801" y="137170"/>
-                  </a:lnTo>
-                  <a:lnTo>
-                    <a:pt x="628722" y="116104"/>
-                  </a:lnTo>
-                  <a:lnTo>
-                    <a:pt x="670602" y="96650"/>
-                  </a:lnTo>
-                  <a:lnTo>
-                    <a:pt x="713400" y="78851"/>
-                  </a:lnTo>
-                  <a:lnTo>
-                    <a:pt x="757072" y="62748"/>
-                  </a:lnTo>
-                  <a:lnTo>
-                    <a:pt x="801577" y="48382"/>
-                  </a:lnTo>
-                  <a:lnTo>
-                    <a:pt x="846871" y="35797"/>
-                  </a:lnTo>
-                  <a:lnTo>
-                    <a:pt x="892913" y="25033"/>
-                  </a:lnTo>
-                  <a:lnTo>
-                    <a:pt x="939660" y="16132"/>
-                  </a:lnTo>
-                  <a:lnTo>
-                    <a:pt x="987068" y="9137"/>
-                  </a:lnTo>
-                  <a:lnTo>
-                    <a:pt x="1035097" y="4088"/>
-                  </a:lnTo>
-                  <a:lnTo>
-                    <a:pt x="1083702" y="1029"/>
-                  </a:lnTo>
-                  <a:lnTo>
-                    <a:pt x="1132843" y="0"/>
-                  </a:lnTo>
-                  <a:lnTo>
-                    <a:pt x="1182793" y="1082"/>
-                  </a:lnTo>
-                  <a:lnTo>
-                    <a:pt x="1232450" y="4311"/>
-                  </a:lnTo>
-                  <a:lnTo>
-                    <a:pt x="1281748" y="9660"/>
-                  </a:lnTo>
-                  <a:lnTo>
-                    <a:pt x="1330623" y="17104"/>
-                  </a:lnTo>
-                  <a:lnTo>
-                    <a:pt x="1379009" y="26614"/>
-                  </a:lnTo>
-                  <a:lnTo>
-                    <a:pt x="1426842" y="38165"/>
-                  </a:lnTo>
-                  <a:lnTo>
-                    <a:pt x="1474055" y="51730"/>
-                  </a:lnTo>
-                  <a:lnTo>
-                    <a:pt x="1520584" y="67282"/>
-                  </a:lnTo>
-                  <a:lnTo>
-                    <a:pt x="1566363" y="84796"/>
-                  </a:lnTo>
-                  <a:lnTo>
-                    <a:pt x="1611327" y="104243"/>
-                  </a:lnTo>
-                  <a:lnTo>
-                    <a:pt x="1655412" y="125599"/>
-                  </a:lnTo>
-                  <a:lnTo>
-                    <a:pt x="1698551" y="148836"/>
-                  </a:lnTo>
-                  <a:lnTo>
-                    <a:pt x="1740679" y="173927"/>
-                  </a:lnTo>
-                  <a:lnTo>
-                    <a:pt x="1781732" y="200847"/>
-                  </a:lnTo>
-                  <a:lnTo>
-                    <a:pt x="1821645" y="229568"/>
-                  </a:lnTo>
-                  <a:lnTo>
-                    <a:pt x="1860351" y="260064"/>
-                  </a:lnTo>
-                  <a:lnTo>
-                    <a:pt x="1897785" y="292309"/>
-                  </a:lnTo>
-                  <a:lnTo>
-                    <a:pt x="1933884" y="326275"/>
-                  </a:lnTo>
-                  <a:lnTo>
-                    <a:pt x="1968425" y="361772"/>
-                  </a:lnTo>
-                  <a:lnTo>
-                    <a:pt x="2001216" y="398583"/>
-                  </a:lnTo>
-                  <a:lnTo>
-                    <a:pt x="2032228" y="436645"/>
-                  </a:lnTo>
-                  <a:lnTo>
-                    <a:pt x="2061436" y="475892"/>
-                  </a:lnTo>
-                  <a:lnTo>
-                    <a:pt x="2088812" y="516261"/>
-                  </a:lnTo>
-                  <a:lnTo>
-                    <a:pt x="2114328" y="557688"/>
-                  </a:lnTo>
-                  <a:lnTo>
-                    <a:pt x="2137958" y="600109"/>
-                  </a:lnTo>
-                  <a:lnTo>
-                    <a:pt x="2159676" y="643459"/>
-                  </a:lnTo>
-                  <a:lnTo>
-                    <a:pt x="2179453" y="687675"/>
-                  </a:lnTo>
-                  <a:lnTo>
-                    <a:pt x="2197263" y="732691"/>
-                  </a:lnTo>
-                  <a:lnTo>
-                    <a:pt x="2213079" y="778445"/>
-                  </a:lnTo>
-                  <a:lnTo>
-                    <a:pt x="2226874" y="824872"/>
-                  </a:lnTo>
-                  <a:lnTo>
-                    <a:pt x="2238620" y="871908"/>
-                  </a:lnTo>
-                  <a:lnTo>
-                    <a:pt x="2248292" y="919488"/>
-                  </a:lnTo>
-                  <a:lnTo>
-                    <a:pt x="2255861" y="967549"/>
-                  </a:lnTo>
-                  <a:lnTo>
-                    <a:pt x="2261301" y="1016027"/>
-                  </a:lnTo>
-                  <a:lnTo>
-                    <a:pt x="2264585" y="1064856"/>
-                  </a:lnTo>
-                  <a:lnTo>
-                    <a:pt x="2265686" y="1113974"/>
-                  </a:lnTo>
-                  <a:lnTo>
-                    <a:pt x="2264639" y="1162296"/>
-                  </a:lnTo>
-                  <a:lnTo>
-                    <a:pt x="2261528" y="1210092"/>
-                  </a:lnTo>
-                  <a:lnTo>
-                    <a:pt x="2256394" y="1257321"/>
-                  </a:lnTo>
-                  <a:lnTo>
-                    <a:pt x="2249280" y="1303940"/>
-                  </a:lnTo>
-                  <a:lnTo>
-                    <a:pt x="2240228" y="1349908"/>
-                  </a:lnTo>
-                  <a:lnTo>
-                    <a:pt x="2229282" y="1395183"/>
-                  </a:lnTo>
-                  <a:lnTo>
-                    <a:pt x="2216483" y="1439723"/>
-                  </a:lnTo>
-                  <a:lnTo>
-                    <a:pt x="2201875" y="1483486"/>
-                  </a:lnTo>
-                  <a:lnTo>
-                    <a:pt x="2185499" y="1526431"/>
-                  </a:lnTo>
-                  <a:lnTo>
-                    <a:pt x="2167398" y="1568516"/>
-                  </a:lnTo>
-                  <a:lnTo>
-                    <a:pt x="2147615" y="1609699"/>
-                  </a:lnTo>
-                  <a:lnTo>
-                    <a:pt x="2126192" y="1649938"/>
-                  </a:lnTo>
-                  <a:lnTo>
-                    <a:pt x="2103171" y="1689191"/>
-                  </a:lnTo>
-                  <a:lnTo>
-                    <a:pt x="2078596" y="1727417"/>
-                  </a:lnTo>
-                  <a:lnTo>
-                    <a:pt x="2052508" y="1764574"/>
-                  </a:lnTo>
-                  <a:lnTo>
-                    <a:pt x="2024950" y="1800620"/>
-                  </a:lnTo>
-                  <a:lnTo>
-                    <a:pt x="1995965" y="1835513"/>
-                  </a:lnTo>
-                  <a:lnTo>
-                    <a:pt x="1965596" y="1869212"/>
-                  </a:lnTo>
-                  <a:lnTo>
-                    <a:pt x="1933884" y="1901674"/>
-                  </a:lnTo>
-                  <a:lnTo>
-                    <a:pt x="1900872" y="1932858"/>
-                  </a:lnTo>
-                  <a:lnTo>
-                    <a:pt x="1866602" y="1962721"/>
-                  </a:lnTo>
-                  <a:lnTo>
-                    <a:pt x="1831118" y="1991224"/>
-                  </a:lnTo>
-                  <a:lnTo>
-                    <a:pt x="1794462" y="2018322"/>
-                  </a:lnTo>
-                  <a:lnTo>
-                    <a:pt x="1756676" y="2043975"/>
-                  </a:lnTo>
-                  <a:lnTo>
-                    <a:pt x="1717802" y="2068142"/>
-                  </a:lnTo>
-                  <a:lnTo>
-                    <a:pt x="1677884" y="2090779"/>
-                  </a:lnTo>
-                  <a:lnTo>
-                    <a:pt x="1636963" y="2111845"/>
-                  </a:lnTo>
-                  <a:lnTo>
-                    <a:pt x="1595083" y="2131299"/>
-                  </a:lnTo>
-                  <a:lnTo>
-                    <a:pt x="1552285" y="2149098"/>
-                  </a:lnTo>
-                  <a:lnTo>
-                    <a:pt x="1508613" y="2165201"/>
-                  </a:lnTo>
-                  <a:lnTo>
-                    <a:pt x="1464108" y="2179567"/>
-                  </a:lnTo>
-                  <a:lnTo>
-                    <a:pt x="1418814" y="2192152"/>
-                  </a:lnTo>
-                  <a:lnTo>
-                    <a:pt x="1372772" y="2202916"/>
-                  </a:lnTo>
-                  <a:lnTo>
-                    <a:pt x="1326026" y="2211817"/>
-                  </a:lnTo>
-                  <a:lnTo>
-                    <a:pt x="1278617" y="2218812"/>
-                  </a:lnTo>
-                  <a:lnTo>
-                    <a:pt x="1230589" y="2223861"/>
-                  </a:lnTo>
-                  <a:lnTo>
-                    <a:pt x="1181983" y="2226920"/>
-                  </a:lnTo>
-                  <a:lnTo>
-                    <a:pt x="1132843" y="2227949"/>
-                  </a:lnTo>
-                  <a:close/>
-                </a:path>
-              </a:pathLst>
-            </a:custGeom>
-            <a:solidFill>
-              <a:srgbClr val="3E3E3E"/>
-            </a:solidFill>
-          </p:spPr>
-          <p:txBody>
-            <a:bodyPr wrap="square" lIns="0" tIns="0" rIns="0" bIns="0" rtlCol="0"/>
-            <a:lstStyle>
-              <a:defPPr>
-                <a:defRPr kern="0"/>
-              </a:defPPr>
-            </a:lstStyle>
-            <a:p>
-              <a:endParaRPr/>
-            </a:p>
-          </p:txBody>
-        </p:sp>
-        <p:pic>
-          <p:nvPicPr>
-            <p:cNvPr id="58" name="object 32">
-              <a:extLst>
-                <a:ext uri="{FF2B5EF4-FFF2-40B4-BE49-F238E27FC236}">
-                  <a16:creationId xmlns:a16="http://schemas.microsoft.com/office/drawing/2014/main" id="{C30C0E3A-6082-4AB0-80FC-7F0756D4A7DA}"/>
-                </a:ext>
-              </a:extLst>
-            </p:cNvPr>
-            <p:cNvPicPr/>
-            <p:nvPr/>
-          </p:nvPicPr>
-          <p:blipFill>
-            <a:blip r:embed="rId8" cstate="print"/>
-            <a:stretch>
-              <a:fillRect/>
-            </a:stretch>
-          </p:blipFill>
-          <p:spPr>
-            <a:xfrm>
-              <a:off x="6671288" y="4597174"/>
-              <a:ext cx="921766" cy="921766"/>
-            </a:xfrm>
-            <a:prstGeom prst="rect">
-              <a:avLst/>
-            </a:prstGeom>
-          </p:spPr>
-        </p:pic>
       </p:grpSp>
     </p:spTree>
     <p:extLst>
@@ -12550,8 +12835,8 @@
         </p:blipFill>
         <p:spPr>
           <a:xfrm>
-            <a:off x="0" y="-1117600"/>
-            <a:ext cx="12192000" cy="7975600"/>
+            <a:off x="0" y="0"/>
+            <a:ext cx="12192000" cy="6858000"/>
           </a:xfrm>
           <a:prstGeom prst="rect">
             <a:avLst/>
@@ -12572,8 +12857,8 @@
         </p:nvSpPr>
         <p:spPr>
           <a:xfrm>
-            <a:off x="1667510" y="575643"/>
-            <a:ext cx="8856980" cy="830997"/>
+            <a:off x="5128341" y="187820"/>
+            <a:ext cx="8856980" cy="707886"/>
           </a:xfrm>
           <a:prstGeom prst="rect">
             <a:avLst/>
@@ -12587,7 +12872,7 @@
           <a:lstStyle/>
           <a:p>
             <a:r>
-              <a:rPr lang="en-IN" sz="4800" b="1" dirty="0">
+              <a:rPr lang="en-IN" sz="4000" b="1" dirty="0">
                 <a:effectLst>
                   <a:outerShdw blurRad="38100" dist="38100" dir="2700000" algn="tl">
                     <a:srgbClr val="000000">
@@ -12602,68 +12887,46 @@
           </a:p>
         </p:txBody>
       </p:sp>
-      <p:sp>
-        <p:nvSpPr>
-          <p:cNvPr id="7" name="TextBox 6">
-            <a:extLst>
-              <a:ext uri="{FF2B5EF4-FFF2-40B4-BE49-F238E27FC236}">
-                <a16:creationId xmlns:a16="http://schemas.microsoft.com/office/drawing/2014/main" id="{6B8BDF22-4640-4F05-8D34-201BAB4BBC97}"/>
-              </a:ext>
-            </a:extLst>
-          </p:cNvPr>
-          <p:cNvSpPr txBox="1"/>
-          <p:nvPr/>
-        </p:nvSpPr>
-        <p:spPr>
-          <a:xfrm>
-            <a:off x="1667510" y="1686302"/>
-            <a:ext cx="6699250" cy="3939540"/>
-          </a:xfrm>
-          <a:prstGeom prst="rect">
-            <a:avLst/>
-          </a:prstGeom>
-          <a:noFill/>
-        </p:spPr>
-        <p:txBody>
-          <a:bodyPr wrap="square" rtlCol="0">
-            <a:spAutoFit/>
-          </a:bodyPr>
-          <a:lstStyle/>
-          <a:p>
-            <a:r>
-              <a:rPr lang="en-US" sz="2500" dirty="0">
-                <a:latin typeface="Georgia" panose="02040502050405020303" pitchFamily="18" charset="0"/>
-              </a:rPr>
-              <a:t>Exploratory Data Analysis (EDA) and data visualization serve as indispensable tools in unraveling intricate insights within the coffee dataset, shedding light on latent patterns and relationships that influence consumer preferences. This analytical approach is instrumental in identifying key factors contributing to the popularity and consumer choices among the four distinct types of coffee.</a:t>
-            </a:r>
-            <a:endParaRPr lang="en-IN" sz="2500" dirty="0">
-              <a:latin typeface="Georgia" panose="02040502050405020303" pitchFamily="18" charset="0"/>
-            </a:endParaRPr>
-          </a:p>
-        </p:txBody>
-      </p:sp>
       <p:pic>
         <p:nvPicPr>
-          <p:cNvPr id="8" name="object 7">
+          <p:cNvPr id="9" name="Picture 8">
             <a:extLst>
               <a:ext uri="{FF2B5EF4-FFF2-40B4-BE49-F238E27FC236}">
-                <a16:creationId xmlns:a16="http://schemas.microsoft.com/office/drawing/2014/main" id="{C08CEB70-D717-446D-93F4-1260E6CACF45}"/>
+                <a16:creationId xmlns:a16="http://schemas.microsoft.com/office/drawing/2014/main" id="{16B897AA-CA5F-4CC1-B58D-BF28A1258F93}"/>
               </a:ext>
             </a:extLst>
           </p:cNvPr>
-          <p:cNvPicPr/>
+          <p:cNvPicPr>
+            <a:picLocks noChangeAspect="1"/>
+          </p:cNvPicPr>
           <p:nvPr/>
         </p:nvPicPr>
         <p:blipFill>
-          <a:blip r:embed="rId3" cstate="print"/>
+          <a:blip r:embed="rId3">
+            <a:clrChange>
+              <a:clrFrom>
+                <a:srgbClr val="FFFFFF"/>
+              </a:clrFrom>
+              <a:clrTo>
+                <a:srgbClr val="FFFFFF">
+                  <a:alpha val="0"/>
+                </a:srgbClr>
+              </a:clrTo>
+            </a:clrChange>
+            <a:extLst>
+              <a:ext uri="{28A0092B-C50C-407E-A947-70E740481C1C}">
+                <a14:useLocalDpi xmlns:a14="http://schemas.microsoft.com/office/drawing/2010/main" val="0"/>
+              </a:ext>
+            </a:extLst>
+          </a:blip>
           <a:stretch>
             <a:fillRect/>
           </a:stretch>
         </p:blipFill>
         <p:spPr>
           <a:xfrm>
-            <a:off x="8611235" y="1686302"/>
-            <a:ext cx="3336289" cy="3107737"/>
+            <a:off x="1327614" y="0"/>
+            <a:ext cx="10578494" cy="7304198"/>
           </a:xfrm>
           <a:prstGeom prst="rect">
             <a:avLst/>
@@ -12755,8 +13018,54 @@
         </p:blipFill>
         <p:spPr>
           <a:xfrm>
-            <a:off x="2657725" y="558366"/>
-            <a:ext cx="6876549" cy="5741268"/>
+            <a:off x="134445" y="558366"/>
+            <a:ext cx="5961556" cy="4977335"/>
+          </a:xfrm>
+          <a:prstGeom prst="rect">
+            <a:avLst/>
+          </a:prstGeom>
+        </p:spPr>
+      </p:pic>
+      <p:pic>
+        <p:nvPicPr>
+          <p:cNvPr id="5" name="Picture 4">
+            <a:extLst>
+              <a:ext uri="{FF2B5EF4-FFF2-40B4-BE49-F238E27FC236}">
+                <a16:creationId xmlns:a16="http://schemas.microsoft.com/office/drawing/2014/main" id="{F0FEDB3D-5E8D-4E3F-8624-D32C863476AE}"/>
+              </a:ext>
+            </a:extLst>
+          </p:cNvPr>
+          <p:cNvPicPr>
+            <a:picLocks noChangeAspect="1"/>
+          </p:cNvPicPr>
+          <p:nvPr/>
+        </p:nvPicPr>
+        <p:blipFill>
+          <a:blip r:embed="rId4">
+            <a:clrChange>
+              <a:clrFrom>
+                <a:srgbClr val="FFFFFF"/>
+              </a:clrFrom>
+              <a:clrTo>
+                <a:srgbClr val="FFFFFF">
+                  <a:alpha val="0"/>
+                </a:srgbClr>
+              </a:clrTo>
+            </a:clrChange>
+            <a:extLst>
+              <a:ext uri="{28A0092B-C50C-407E-A947-70E740481C1C}">
+                <a14:useLocalDpi xmlns:a14="http://schemas.microsoft.com/office/drawing/2010/main" val="0"/>
+              </a:ext>
+            </a:extLst>
+          </a:blip>
+          <a:stretch>
+            <a:fillRect/>
+          </a:stretch>
+        </p:blipFill>
+        <p:spPr>
+          <a:xfrm>
+            <a:off x="6096000" y="303827"/>
+            <a:ext cx="5486411" cy="5486411"/>
           </a:xfrm>
           <a:prstGeom prst="rect">
             <a:avLst/>
@@ -12803,10 +13112,10 @@
       </p:grpSpPr>
       <p:pic>
         <p:nvPicPr>
-          <p:cNvPr id="4" name="Picture 3">
+          <p:cNvPr id="11" name="Picture 10">
             <a:extLst>
               <a:ext uri="{FF2B5EF4-FFF2-40B4-BE49-F238E27FC236}">
-                <a16:creationId xmlns:a16="http://schemas.microsoft.com/office/drawing/2014/main" id="{BE7BCC61-2B2E-4970-8AC9-C26345277A15}"/>
+                <a16:creationId xmlns:a16="http://schemas.microsoft.com/office/drawing/2014/main" id="{F4B55189-0675-4BEB-A121-78F3720F70D5}"/>
               </a:ext>
             </a:extLst>
           </p:cNvPr>
@@ -12815,7 +13124,7 @@
           </p:cNvPicPr>
           <p:nvPr/>
         </p:nvPicPr>
-        <p:blipFill>
+        <p:blipFill rotWithShape="1">
           <a:blip r:embed="rId2">
             <a:clrChange>
               <a:clrFrom>
@@ -12833,14 +13142,13 @@
               </a:ext>
             </a:extLst>
           </a:blip>
-          <a:stretch>
-            <a:fillRect/>
-          </a:stretch>
+          <a:srcRect l="6408" t="5401" r="33377" b="15612"/>
+          <a:stretch/>
         </p:blipFill>
         <p:spPr>
           <a:xfrm>
-            <a:off x="1052482" y="307807"/>
-            <a:ext cx="10087035" cy="6242386"/>
+            <a:off x="955393" y="-470196"/>
+            <a:ext cx="10281214" cy="7798392"/>
           </a:xfrm>
           <a:prstGeom prst="rect">
             <a:avLst/>
@@ -12850,7 +13158,7 @@
     </p:spTree>
     <p:extLst>
       <p:ext uri="{BB962C8B-B14F-4D97-AF65-F5344CB8AC3E}">
-        <p14:creationId xmlns:p14="http://schemas.microsoft.com/office/powerpoint/2010/main" val="2300917910"/>
+        <p14:creationId xmlns:p14="http://schemas.microsoft.com/office/powerpoint/2010/main" val="2061433425"/>
       </p:ext>
     </p:extLst>
   </p:cSld>
@@ -12890,7 +13198,7 @@
           <p:cNvPr id="3" name="Picture 2">
             <a:extLst>
               <a:ext uri="{FF2B5EF4-FFF2-40B4-BE49-F238E27FC236}">
-                <a16:creationId xmlns:a16="http://schemas.microsoft.com/office/drawing/2014/main" id="{59AE7A90-9E4F-4555-AD45-3E4414735CD3}"/>
+                <a16:creationId xmlns:a16="http://schemas.microsoft.com/office/drawing/2014/main" id="{5EDF9B7C-DDC7-42AF-9C99-39CD9DBB64E5}"/>
               </a:ext>
             </a:extLst>
           </p:cNvPr>
@@ -12923,8 +13231,8 @@
         </p:blipFill>
         <p:spPr>
           <a:xfrm>
-            <a:off x="1287419" y="603725"/>
-            <a:ext cx="9617161" cy="5650550"/>
+            <a:off x="1388958" y="-1"/>
+            <a:ext cx="9414083" cy="6858001"/>
           </a:xfrm>
           <a:prstGeom prst="rect">
             <a:avLst/>
@@ -12934,7 +13242,7 @@
     </p:spTree>
     <p:extLst>
       <p:ext uri="{BB962C8B-B14F-4D97-AF65-F5344CB8AC3E}">
-        <p14:creationId xmlns:p14="http://schemas.microsoft.com/office/powerpoint/2010/main" val="3696910599"/>
+        <p14:creationId xmlns:p14="http://schemas.microsoft.com/office/powerpoint/2010/main" val="1084029259"/>
       </p:ext>
     </p:extLst>
   </p:cSld>
